--- a/user-study/user-study-intro.pptx
+++ b/user-study/user-study-intro.pptx
@@ -5,20 +5,22 @@
     <p:sldMasterId id="2147483648" r:id="rId1"/>
   </p:sldMasterIdLst>
   <p:notesMasterIdLst>
-    <p:notesMasterId r:id="rId11"/>
+    <p:notesMasterId r:id="rId13"/>
   </p:notesMasterIdLst>
   <p:handoutMasterIdLst>
-    <p:handoutMasterId r:id="rId12"/>
+    <p:handoutMasterId r:id="rId14"/>
   </p:handoutMasterIdLst>
   <p:sldIdLst>
     <p:sldId id="256" r:id="rId3"/>
     <p:sldId id="413" r:id="rId4"/>
     <p:sldId id="405" r:id="rId5"/>
     <p:sldId id="399" r:id="rId6"/>
-    <p:sldId id="415" r:id="rId7"/>
-    <p:sldId id="416" r:id="rId8"/>
+    <p:sldId id="420" r:id="rId7"/>
+    <p:sldId id="421" r:id="rId8"/>
     <p:sldId id="417" r:id="rId9"/>
     <p:sldId id="391" r:id="rId10"/>
+    <p:sldId id="415" r:id="rId11"/>
+    <p:sldId id="416" r:id="rId12"/>
   </p:sldIdLst>
   <p:sldSz cx="12192000" cy="6858000"/>
   <p:notesSz cx="7103745" cy="10234295"/>
@@ -3606,6 +3608,1197 @@
 </p:sld>
 </file>
 
+<file path=ppt/slides/slide10.xml><?xml version="1.0" encoding="utf-8"?>
+<p:sld xmlns:a="http://schemas.openxmlformats.org/drawingml/2006/main" xmlns:r="http://schemas.openxmlformats.org/officeDocument/2006/relationships" xmlns:p="http://schemas.openxmlformats.org/presentationml/2006/main" show="0">
+  <p:cSld>
+    <p:spTree>
+      <p:nvGrpSpPr>
+        <p:cNvPr id="1" name=""/>
+        <p:cNvGrpSpPr/>
+        <p:nvPr/>
+      </p:nvGrpSpPr>
+      <p:grpSpPr>
+        <a:xfrm>
+          <a:off x="0" y="0"/>
+          <a:ext cx="0" cy="0"/>
+          <a:chOff x="0" y="0"/>
+          <a:chExt cx="0" cy="0"/>
+        </a:xfrm>
+      </p:grpSpPr>
+      <p:sp>
+        <p:nvSpPr>
+          <p:cNvPr id="2" name="Title 1"/>
+          <p:cNvSpPr>
+            <a:spLocks noGrp="1"/>
+          </p:cNvSpPr>
+          <p:nvPr>
+            <p:ph type="title"/>
+          </p:nvPr>
+        </p:nvSpPr>
+        <p:spPr>
+          <a:xfrm>
+            <a:off x="379095" y="191770"/>
+            <a:ext cx="11434445" cy="731520"/>
+          </a:xfrm>
+        </p:spPr>
+        <p:txBody>
+          <a:bodyPr/>
+          <a:lstStyle/>
+          <a:p>
+            <a:r>
+              <a:rPr lang="en-US" altLang="zh-CN">
+                <a:solidFill>
+                  <a:schemeClr val="tx1"/>
+                </a:solidFill>
+                <a:effectLst>
+                  <a:outerShdw blurRad="38100" dist="19050" dir="2700000" algn="tl" rotWithShape="0">
+                    <a:schemeClr val="dk1">
+                      <a:alpha val="40000"/>
+                    </a:schemeClr>
+                  </a:outerShdw>
+                </a:effectLst>
+                <a:latin typeface="Noto Mono" panose="020B0609030804020204" charset="0"/>
+                <a:cs typeface="Noto Mono" panose="020B0609030804020204" charset="0"/>
+                <a:sym typeface="+mn-ea"/>
+              </a:rPr>
+              <a:t>Tips for Empty Subspecs</a:t>
+            </a:r>
+            <a:endParaRPr lang="en-US" altLang="zh-CN">
+              <a:solidFill>
+                <a:schemeClr val="tx1"/>
+              </a:solidFill>
+              <a:effectLst>
+                <a:outerShdw blurRad="38100" dist="19050" dir="2700000" algn="tl" rotWithShape="0">
+                  <a:schemeClr val="dk1">
+                    <a:alpha val="40000"/>
+                  </a:schemeClr>
+                </a:outerShdw>
+              </a:effectLst>
+              <a:latin typeface="Noto Mono" panose="020B0609030804020204" charset="0"/>
+              <a:cs typeface="Noto Mono" panose="020B0609030804020204" charset="0"/>
+              <a:sym typeface="+mn-ea"/>
+            </a:endParaRPr>
+          </a:p>
+        </p:txBody>
+      </p:sp>
+      <p:sp>
+        <p:nvSpPr>
+          <p:cNvPr id="5" name="Text Box 4"/>
+          <p:cNvSpPr txBox="1"/>
+          <p:nvPr/>
+        </p:nvSpPr>
+        <p:spPr>
+          <a:xfrm>
+            <a:off x="379095" y="1131570"/>
+            <a:ext cx="11735435" cy="2225040"/>
+          </a:xfrm>
+          <a:prstGeom prst="rect">
+            <a:avLst/>
+          </a:prstGeom>
+          <a:noFill/>
+        </p:spPr>
+        <p:txBody>
+          <a:bodyPr wrap="square" rtlCol="0">
+            <a:spAutoFit/>
+          </a:bodyPr>
+          <a:lstStyle/>
+          <a:p>
+            <a:pPr algn="l">
+              <a:lnSpc>
+                <a:spcPct val="120000"/>
+              </a:lnSpc>
+              <a:spcBef>
+                <a:spcPts val="0"/>
+              </a:spcBef>
+              <a:spcAft>
+                <a:spcPts val="0"/>
+              </a:spcAft>
+            </a:pPr>
+            <a:r>
+              <a:rPr lang="en-US" sz="2000" dirty="0">
+                <a:latin typeface="Times New Roman" panose="02020603050405020304" charset="0"/>
+                <a:cs typeface="Times New Roman" panose="02020603050405020304" charset="0"/>
+                <a:sym typeface="+mn-ea"/>
+              </a:rPr>
+              <a:t>1. </a:t>
+            </a:r>
+            <a:r>
+              <a:rPr lang="en-US" sz="2000" b="1" i="1">
+                <a:solidFill>
+                  <a:srgbClr val="00B050"/>
+                </a:solidFill>
+                <a:latin typeface="Times New Roman" panose="02020603050405020304" charset="0"/>
+                <a:cs typeface="Times New Roman" panose="02020603050405020304" charset="0"/>
+                <a:sym typeface="+mn-ea"/>
+              </a:rPr>
+              <a:t>safely modify</a:t>
+            </a:r>
+            <a:r>
+              <a:rPr lang="en-US" sz="2000">
+                <a:latin typeface="Times New Roman" panose="02020603050405020304" charset="0"/>
+                <a:cs typeface="Times New Roman" panose="02020603050405020304" charset="0"/>
+                <a:sym typeface="+mn-ea"/>
+              </a:rPr>
+              <a:t> that field with </a:t>
+            </a:r>
+            <a:r>
+              <a:rPr lang="en-US" sz="2000" b="1">
+                <a:latin typeface="Times New Roman" panose="02020603050405020304" charset="0"/>
+                <a:cs typeface="Times New Roman" panose="02020603050405020304" charset="0"/>
+                <a:sym typeface="+mn-ea"/>
+              </a:rPr>
+              <a:t>empty subspe</a:t>
+            </a:r>
+            <a:r>
+              <a:rPr lang="en-US" sz="2000">
+                <a:latin typeface="Times New Roman" panose="02020603050405020304" charset="0"/>
+                <a:cs typeface="Times New Roman" panose="02020603050405020304" charset="0"/>
+                <a:sym typeface="+mn-ea"/>
+              </a:rPr>
+              <a:t>c without breaking the verified specifications</a:t>
+            </a:r>
+            <a:endParaRPr lang="en-US" sz="2000" b="1" i="1" dirty="0">
+              <a:solidFill>
+                <a:srgbClr val="E01B24"/>
+              </a:solidFill>
+              <a:latin typeface="Times New Roman" panose="02020603050405020304" charset="0"/>
+              <a:cs typeface="Times New Roman" panose="02020603050405020304" charset="0"/>
+              <a:sym typeface="+mn-ea"/>
+            </a:endParaRPr>
+          </a:p>
+          <a:p>
+            <a:pPr algn="l">
+              <a:lnSpc>
+                <a:spcPct val="120000"/>
+              </a:lnSpc>
+              <a:spcBef>
+                <a:spcPts val="8000"/>
+              </a:spcBef>
+              <a:spcAft>
+                <a:spcPts val="0"/>
+              </a:spcAft>
+            </a:pPr>
+            <a:r>
+              <a:rPr lang="en-US" sz="2000">
+                <a:latin typeface="Times New Roman" panose="02020603050405020304" charset="0"/>
+                <a:cs typeface="Times New Roman" panose="02020603050405020304" charset="0"/>
+                <a:sym typeface="+mn-ea"/>
+              </a:rPr>
+              <a:t>2. </a:t>
+            </a:r>
+            <a:r>
+              <a:rPr lang="en-US" sz="2000" b="1" i="1">
+                <a:solidFill>
+                  <a:srgbClr val="00B050"/>
+                </a:solidFill>
+                <a:latin typeface="Times New Roman" panose="02020603050405020304" charset="0"/>
+                <a:cs typeface="Times New Roman" panose="02020603050405020304" charset="0"/>
+                <a:sym typeface="+mn-ea"/>
+              </a:rPr>
+              <a:t>safely remove</a:t>
+            </a:r>
+            <a:r>
+              <a:rPr lang="en-US" sz="2000">
+                <a:latin typeface="Times New Roman" panose="02020603050405020304" charset="0"/>
+                <a:cs typeface="Times New Roman" panose="02020603050405020304" charset="0"/>
+                <a:sym typeface="+mn-ea"/>
+              </a:rPr>
+              <a:t> that line with </a:t>
+            </a:r>
+            <a:r>
+              <a:rPr lang="en-US" sz="2000" b="1">
+                <a:latin typeface="Times New Roman" panose="02020603050405020304" charset="0"/>
+                <a:cs typeface="Times New Roman" panose="02020603050405020304" charset="0"/>
+                <a:sym typeface="+mn-ea"/>
+              </a:rPr>
+              <a:t>empty line-level subspec</a:t>
+            </a:r>
+            <a:r>
+              <a:rPr lang="en-US" sz="2000">
+                <a:latin typeface="Times New Roman" panose="02020603050405020304" charset="0"/>
+                <a:cs typeface="Times New Roman" panose="02020603050405020304" charset="0"/>
+                <a:sym typeface="+mn-ea"/>
+              </a:rPr>
+              <a:t> without breaking the verified specifications</a:t>
+            </a:r>
+            <a:endParaRPr lang="en-US" sz="2000">
+              <a:latin typeface="Times New Roman" panose="02020603050405020304" charset="0"/>
+              <a:cs typeface="Times New Roman" panose="02020603050405020304" charset="0"/>
+              <a:sym typeface="+mn-ea"/>
+            </a:endParaRPr>
+          </a:p>
+          <a:p>
+            <a:pPr algn="l">
+              <a:lnSpc>
+                <a:spcPct val="120000"/>
+              </a:lnSpc>
+              <a:spcBef>
+                <a:spcPts val="0"/>
+              </a:spcBef>
+              <a:spcAft>
+                <a:spcPts val="0"/>
+              </a:spcAft>
+            </a:pPr>
+            <a:r>
+              <a:rPr lang="en-US" sz="2000">
+                <a:latin typeface="Times New Roman" panose="02020603050405020304" charset="0"/>
+                <a:cs typeface="Times New Roman" panose="02020603050405020304" charset="0"/>
+                <a:sym typeface="+mn-ea"/>
+              </a:rPr>
+              <a:t>    (or a line contains </a:t>
+            </a:r>
+            <a:r>
+              <a:rPr lang="en-US" sz="2000" b="1">
+                <a:solidFill>
+                  <a:srgbClr val="E01B24"/>
+                </a:solidFill>
+                <a:latin typeface="Times New Roman" panose="02020603050405020304" charset="0"/>
+                <a:cs typeface="Times New Roman" panose="02020603050405020304" charset="0"/>
+                <a:sym typeface="+mn-ea"/>
+              </a:rPr>
+              <a:t>only</a:t>
+            </a:r>
+            <a:r>
+              <a:rPr lang="en-US" sz="2000">
+                <a:solidFill>
+                  <a:srgbClr val="E01B24"/>
+                </a:solidFill>
+                <a:latin typeface="Times New Roman" panose="02020603050405020304" charset="0"/>
+                <a:cs typeface="Times New Roman" panose="02020603050405020304" charset="0"/>
+                <a:sym typeface="+mn-ea"/>
+              </a:rPr>
+              <a:t> </a:t>
+            </a:r>
+            <a:r>
+              <a:rPr lang="en-US" sz="2000" b="1">
+                <a:solidFill>
+                  <a:srgbClr val="E01B24"/>
+                </a:solidFill>
+                <a:latin typeface="Times New Roman" panose="02020603050405020304" charset="0"/>
+                <a:cs typeface="Times New Roman" panose="02020603050405020304" charset="0"/>
+                <a:sym typeface="+mn-ea"/>
+              </a:rPr>
+              <a:t>a single field-level subspec</a:t>
+            </a:r>
+            <a:r>
+              <a:rPr lang="en-US" sz="2000">
+                <a:latin typeface="Times New Roman" panose="02020603050405020304" charset="0"/>
+                <a:cs typeface="Times New Roman" panose="02020603050405020304" charset="0"/>
+                <a:sym typeface="+mn-ea"/>
+              </a:rPr>
+              <a:t> and the field-level subspec is </a:t>
+            </a:r>
+            <a:r>
+              <a:rPr lang="en-US" sz="2000" b="1">
+                <a:latin typeface="Times New Roman" panose="02020603050405020304" charset="0"/>
+                <a:cs typeface="Times New Roman" panose="02020603050405020304" charset="0"/>
+                <a:sym typeface="+mn-ea"/>
+              </a:rPr>
+              <a:t>empty</a:t>
+            </a:r>
+            <a:r>
+              <a:rPr lang="en-US" sz="2000">
+                <a:latin typeface="Times New Roman" panose="02020603050405020304" charset="0"/>
+                <a:cs typeface="Times New Roman" panose="02020603050405020304" charset="0"/>
+                <a:sym typeface="+mn-ea"/>
+              </a:rPr>
+              <a:t>)</a:t>
+            </a:r>
+            <a:endParaRPr lang="en-US" sz="2000" b="1" i="1" dirty="0">
+              <a:solidFill>
+                <a:srgbClr val="E01B24"/>
+              </a:solidFill>
+              <a:latin typeface="Times New Roman" panose="02020603050405020304" charset="0"/>
+              <a:cs typeface="Times New Roman" panose="02020603050405020304" charset="0"/>
+              <a:sym typeface="+mn-ea"/>
+            </a:endParaRPr>
+          </a:p>
+        </p:txBody>
+      </p:sp>
+      <p:sp>
+        <p:nvSpPr>
+          <p:cNvPr id="14" name="Rectangles 13"/>
+          <p:cNvSpPr/>
+          <p:nvPr/>
+        </p:nvSpPr>
+        <p:spPr>
+          <a:xfrm>
+            <a:off x="2609850" y="3494405"/>
+            <a:ext cx="6972935" cy="604520"/>
+          </a:xfrm>
+          <a:prstGeom prst="rect">
+            <a:avLst/>
+          </a:prstGeom>
+          <a:noFill/>
+          <a:ln w="9525">
+            <a:solidFill>
+              <a:schemeClr val="bg1">
+                <a:lumMod val="50000"/>
+              </a:schemeClr>
+            </a:solidFill>
+          </a:ln>
+        </p:spPr>
+        <p:style>
+          <a:lnRef idx="2">
+            <a:schemeClr val="accent1">
+              <a:shade val="50000"/>
+            </a:schemeClr>
+          </a:lnRef>
+          <a:fillRef idx="1">
+            <a:schemeClr val="accent1"/>
+          </a:fillRef>
+          <a:effectRef idx="0">
+            <a:schemeClr val="accent1"/>
+          </a:effectRef>
+          <a:fontRef idx="minor">
+            <a:schemeClr val="lt1"/>
+          </a:fontRef>
+        </p:style>
+        <p:txBody>
+          <a:bodyPr wrap="square" rtlCol="0" anchor="ctr"/>
+          <a:p>
+            <a:pPr algn="l"/>
+            <a:r>
+              <a:rPr lang="en-US" sz="1600">
+                <a:solidFill>
+                  <a:schemeClr val="bg1">
+                    <a:lumMod val="50000"/>
+                  </a:schemeClr>
+                </a:solidFill>
+                <a:latin typeface="Ubuntu Mono" panose="020B0509030602030204" charset="0"/>
+                <a:cs typeface="Ubuntu Mono" panose="020B0509030602030204" charset="0"/>
+                <a:sym typeface="+mn-ea"/>
+              </a:rPr>
+              <a:t>1</a:t>
+            </a:r>
+            <a:r>
+              <a:rPr lang="en-US" sz="1600">
+                <a:solidFill>
+                  <a:schemeClr val="tx1"/>
+                </a:solidFill>
+                <a:latin typeface="Ubuntu Mono" panose="020B0509030602030204" charset="0"/>
+                <a:cs typeface="Ubuntu Mono" panose="020B0509030602030204" charset="0"/>
+                <a:sym typeface="+mn-ea"/>
+              </a:rPr>
+              <a:t> </a:t>
+            </a:r>
+            <a:r>
+              <a:rPr lang="en-US" sz="1600">
+                <a:solidFill>
+                  <a:schemeClr val="tx1"/>
+                </a:solidFill>
+                <a:latin typeface="Ubuntu Mono" panose="020B0509030602030204" charset="0"/>
+                <a:cs typeface="Ubuntu Mono" panose="020B0509030602030204" charset="0"/>
+                <a:sym typeface="+mn-ea"/>
+              </a:rPr>
+              <a:t>ip prefix-list </a:t>
+            </a:r>
+            <a:r>
+              <a:rPr lang="en-US" sz="1600" b="1">
+                <a:solidFill>
+                  <a:srgbClr val="2259D6"/>
+                </a:solidFill>
+                <a:latin typeface="Ubuntu Mono" panose="020B0509030602030204" charset="0"/>
+                <a:cs typeface="Ubuntu Mono" panose="020B0509030602030204" charset="0"/>
+                <a:sym typeface="+mn-ea"/>
+              </a:rPr>
+              <a:t>private_ips_1</a:t>
+            </a:r>
+            <a:r>
+              <a:rPr lang="en-US" sz="1600">
+                <a:solidFill>
+                  <a:schemeClr val="tx1"/>
+                </a:solidFill>
+                <a:latin typeface="Ubuntu Mono" panose="020B0509030602030204" charset="0"/>
+                <a:cs typeface="Ubuntu Mono" panose="020B0509030602030204" charset="0"/>
+                <a:sym typeface="+mn-ea"/>
+              </a:rPr>
+              <a:t> seq 5 </a:t>
+            </a:r>
+            <a:r>
+              <a:rPr lang="en-US" sz="1600" b="1">
+                <a:solidFill>
+                  <a:schemeClr val="tx1"/>
+                </a:solidFill>
+                <a:latin typeface="Ubuntu Mono" panose="020B0509030602030204" charset="0"/>
+                <a:cs typeface="Ubuntu Mono" panose="020B0509030602030204" charset="0"/>
+                <a:sym typeface="+mn-ea"/>
+              </a:rPr>
+              <a:t>permit</a:t>
+            </a:r>
+            <a:r>
+              <a:rPr lang="en-US" sz="1600">
+                <a:solidFill>
+                  <a:schemeClr val="tx1"/>
+                </a:solidFill>
+                <a:latin typeface="Ubuntu Mono" panose="020B0509030602030204" charset="0"/>
+                <a:cs typeface="Ubuntu Mono" panose="020B0509030602030204" charset="0"/>
+                <a:sym typeface="+mn-ea"/>
+              </a:rPr>
+              <a:t> </a:t>
+            </a:r>
+            <a:r>
+              <a:rPr lang="en-US" sz="1600" b="1">
+                <a:solidFill>
+                  <a:schemeClr val="tx1"/>
+                </a:solidFill>
+                <a:latin typeface="Ubuntu Mono" panose="020B0509030602030204" charset="0"/>
+                <a:cs typeface="Ubuntu Mono" panose="020B0509030602030204" charset="0"/>
+                <a:sym typeface="+mn-ea"/>
+              </a:rPr>
+              <a:t>192.168.0.0/12</a:t>
+            </a:r>
+            <a:r>
+              <a:rPr lang="en-US" sz="1600">
+                <a:solidFill>
+                  <a:schemeClr val="tx1"/>
+                </a:solidFill>
+                <a:latin typeface="Ubuntu Mono" panose="020B0509030602030204" charset="0"/>
+                <a:cs typeface="Ubuntu Mono" panose="020B0509030602030204" charset="0"/>
+                <a:sym typeface="+mn-ea"/>
+              </a:rPr>
+              <a:t> </a:t>
+            </a:r>
+            <a:r>
+              <a:rPr lang="en-US" sz="1600" b="1">
+                <a:solidFill>
+                  <a:schemeClr val="tx1"/>
+                </a:solidFill>
+                <a:latin typeface="Ubuntu Mono" panose="020B0509030602030204" charset="0"/>
+                <a:cs typeface="Ubuntu Mono" panose="020B0509030602030204" charset="0"/>
+                <a:sym typeface="+mn-ea"/>
+              </a:rPr>
+              <a:t>ge 12</a:t>
+            </a:r>
+            <a:endParaRPr lang="en-US" sz="1600" b="1">
+              <a:ln w="12700" cmpd="sng">
+                <a:noFill/>
+                <a:prstDash val="solid"/>
+              </a:ln>
+              <a:solidFill>
+                <a:schemeClr val="tx1"/>
+              </a:solidFill>
+              <a:effectLst/>
+              <a:latin typeface="Ubuntu Mono" panose="020B0509030602030204" charset="0"/>
+              <a:cs typeface="Ubuntu Mono" panose="020B0509030602030204" charset="0"/>
+              <a:sym typeface="+mn-ea"/>
+            </a:endParaRPr>
+          </a:p>
+        </p:txBody>
+      </p:sp>
+      <p:sp>
+        <p:nvSpPr>
+          <p:cNvPr id="15" name="Rectangles 14"/>
+          <p:cNvSpPr/>
+          <p:nvPr/>
+        </p:nvSpPr>
+        <p:spPr>
+          <a:xfrm>
+            <a:off x="2609850" y="1724025"/>
+            <a:ext cx="6972935" cy="604520"/>
+          </a:xfrm>
+          <a:prstGeom prst="rect">
+            <a:avLst/>
+          </a:prstGeom>
+          <a:noFill/>
+          <a:ln w="9525">
+            <a:solidFill>
+              <a:schemeClr val="bg1">
+                <a:lumMod val="50000"/>
+              </a:schemeClr>
+            </a:solidFill>
+          </a:ln>
+        </p:spPr>
+        <p:style>
+          <a:lnRef idx="2">
+            <a:schemeClr val="accent1">
+              <a:shade val="50000"/>
+            </a:schemeClr>
+          </a:lnRef>
+          <a:fillRef idx="1">
+            <a:schemeClr val="accent1"/>
+          </a:fillRef>
+          <a:effectRef idx="0">
+            <a:schemeClr val="accent1"/>
+          </a:effectRef>
+          <a:fontRef idx="minor">
+            <a:schemeClr val="lt1"/>
+          </a:fontRef>
+        </p:style>
+        <p:txBody>
+          <a:bodyPr rtlCol="0" anchor="ctr"/>
+          <a:p>
+            <a:pPr algn="l"/>
+            <a:r>
+              <a:rPr lang="en-US" sz="1600">
+                <a:solidFill>
+                  <a:schemeClr val="bg1">
+                    <a:lumMod val="50000"/>
+                  </a:schemeClr>
+                </a:solidFill>
+                <a:latin typeface="Ubuntu Mono" panose="020B0509030602030204" charset="0"/>
+                <a:cs typeface="Ubuntu Mono" panose="020B0509030602030204" charset="0"/>
+                <a:sym typeface="+mn-ea"/>
+              </a:rPr>
+              <a:t>1</a:t>
+            </a:r>
+            <a:r>
+              <a:rPr lang="en-US" sz="1600">
+                <a:solidFill>
+                  <a:schemeClr val="tx1"/>
+                </a:solidFill>
+                <a:latin typeface="Ubuntu Mono" panose="020B0509030602030204" charset="0"/>
+                <a:cs typeface="Ubuntu Mono" panose="020B0509030602030204" charset="0"/>
+                <a:sym typeface="+mn-ea"/>
+              </a:rPr>
+              <a:t>  ip prefix-list </a:t>
+            </a:r>
+            <a:r>
+              <a:rPr lang="en-US" sz="1600" b="1">
+                <a:solidFill>
+                  <a:srgbClr val="2259D6"/>
+                </a:solidFill>
+                <a:latin typeface="Ubuntu Mono" panose="020B0509030602030204" charset="0"/>
+                <a:cs typeface="Ubuntu Mono" panose="020B0509030602030204" charset="0"/>
+                <a:sym typeface="+mn-ea"/>
+              </a:rPr>
+              <a:t>private_ips_1</a:t>
+            </a:r>
+            <a:r>
+              <a:rPr lang="en-US" sz="1600">
+                <a:solidFill>
+                  <a:schemeClr val="tx1"/>
+                </a:solidFill>
+                <a:latin typeface="Ubuntu Mono" panose="020B0509030602030204" charset="0"/>
+                <a:cs typeface="Ubuntu Mono" panose="020B0509030602030204" charset="0"/>
+                <a:sym typeface="+mn-ea"/>
+              </a:rPr>
+              <a:t> seq 5 </a:t>
+            </a:r>
+            <a:r>
+              <a:rPr lang="en-US" sz="1600" b="1">
+                <a:solidFill>
+                  <a:srgbClr val="00B050"/>
+                </a:solidFill>
+                <a:latin typeface="Ubuntu Mono" panose="020B0509030602030204" charset="0"/>
+                <a:cs typeface="Ubuntu Mono" panose="020B0509030602030204" charset="0"/>
+                <a:sym typeface="+mn-ea"/>
+              </a:rPr>
+              <a:t>deny</a:t>
+            </a:r>
+            <a:r>
+              <a:rPr lang="en-US" sz="1600">
+                <a:solidFill>
+                  <a:schemeClr val="tx1"/>
+                </a:solidFill>
+                <a:latin typeface="Ubuntu Mono" panose="020B0509030602030204" charset="0"/>
+                <a:cs typeface="Ubuntu Mono" panose="020B0509030602030204" charset="0"/>
+                <a:sym typeface="+mn-ea"/>
+              </a:rPr>
+              <a:t> </a:t>
+            </a:r>
+            <a:r>
+              <a:rPr lang="en-US" sz="1600" b="1">
+                <a:solidFill>
+                  <a:srgbClr val="00B050"/>
+                </a:solidFill>
+                <a:latin typeface="Ubuntu Mono" panose="020B0509030602030204" charset="0"/>
+                <a:cs typeface="Ubuntu Mono" panose="020B0509030602030204" charset="0"/>
+                <a:sym typeface="+mn-ea"/>
+              </a:rPr>
+              <a:t>0.0.0.0/0</a:t>
+            </a:r>
+            <a:r>
+              <a:rPr lang="en-US" sz="1600">
+                <a:solidFill>
+                  <a:schemeClr val="tx1"/>
+                </a:solidFill>
+                <a:latin typeface="Ubuntu Mono" panose="020B0509030602030204" charset="0"/>
+                <a:cs typeface="Ubuntu Mono" panose="020B0509030602030204" charset="0"/>
+                <a:sym typeface="+mn-ea"/>
+              </a:rPr>
+              <a:t> </a:t>
+            </a:r>
+            <a:r>
+              <a:rPr lang="en-US" sz="1600" b="1">
+                <a:solidFill>
+                  <a:schemeClr val="tx1"/>
+                </a:solidFill>
+                <a:latin typeface="Ubuntu Mono" panose="020B0509030602030204" charset="0"/>
+                <a:cs typeface="Ubuntu Mono" panose="020B0509030602030204" charset="0"/>
+                <a:sym typeface="+mn-ea"/>
+              </a:rPr>
+              <a:t>ge </a:t>
+            </a:r>
+            <a:r>
+              <a:rPr lang="en-US" sz="1600" b="1">
+                <a:solidFill>
+                  <a:srgbClr val="00B050"/>
+                </a:solidFill>
+                <a:latin typeface="Ubuntu Mono" panose="020B0509030602030204" charset="0"/>
+                <a:cs typeface="Ubuntu Mono" panose="020B0509030602030204" charset="0"/>
+                <a:sym typeface="+mn-ea"/>
+              </a:rPr>
+              <a:t>0</a:t>
+            </a:r>
+            <a:endParaRPr lang="en-US" sz="1600" b="1">
+              <a:solidFill>
+                <a:srgbClr val="00B050"/>
+              </a:solidFill>
+              <a:latin typeface="Ubuntu Mono" panose="020B0509030602030204" charset="0"/>
+              <a:cs typeface="Ubuntu Mono" panose="020B0509030602030204" charset="0"/>
+              <a:sym typeface="+mn-ea"/>
+            </a:endParaRPr>
+          </a:p>
+        </p:txBody>
+      </p:sp>
+      <p:sp>
+        <p:nvSpPr>
+          <p:cNvPr id="17" name="Rectangles 16"/>
+          <p:cNvSpPr/>
+          <p:nvPr/>
+        </p:nvSpPr>
+        <p:spPr>
+          <a:xfrm>
+            <a:off x="2609215" y="5832475"/>
+            <a:ext cx="6972935" cy="594360"/>
+          </a:xfrm>
+          <a:prstGeom prst="rect">
+            <a:avLst/>
+          </a:prstGeom>
+          <a:noFill/>
+          <a:ln w="9525">
+            <a:solidFill>
+              <a:schemeClr val="bg1">
+                <a:lumMod val="50000"/>
+              </a:schemeClr>
+            </a:solidFill>
+          </a:ln>
+        </p:spPr>
+        <p:style>
+          <a:lnRef idx="2">
+            <a:schemeClr val="accent1">
+              <a:shade val="50000"/>
+            </a:schemeClr>
+          </a:lnRef>
+          <a:fillRef idx="1">
+            <a:schemeClr val="accent1"/>
+          </a:fillRef>
+          <a:effectRef idx="0">
+            <a:schemeClr val="accent1"/>
+          </a:effectRef>
+          <a:fontRef idx="minor">
+            <a:schemeClr val="lt1"/>
+          </a:fontRef>
+        </p:style>
+        <p:txBody>
+          <a:bodyPr rtlCol="0" anchor="ctr"/>
+          <a:p>
+            <a:pPr algn="l"/>
+            <a:r>
+              <a:rPr lang="en-US" sz="1600">
+                <a:solidFill>
+                  <a:schemeClr val="bg1">
+                    <a:lumMod val="50000"/>
+                  </a:schemeClr>
+                </a:solidFill>
+                <a:latin typeface="Ubuntu Mono" panose="020B0509030602030204" charset="0"/>
+                <a:cs typeface="Ubuntu Mono" panose="020B0509030602030204" charset="0"/>
+                <a:sym typeface="+mn-ea"/>
+              </a:rPr>
+              <a:t>1</a:t>
+            </a:r>
+            <a:r>
+              <a:rPr lang="en-US" sz="1600">
+                <a:solidFill>
+                  <a:schemeClr val="tx1"/>
+                </a:solidFill>
+                <a:latin typeface="Ubuntu Mono" panose="020B0509030602030204" charset="0"/>
+                <a:cs typeface="Ubuntu Mono" panose="020B0509030602030204" charset="0"/>
+                <a:sym typeface="+mn-ea"/>
+              </a:rPr>
+              <a:t>  </a:t>
+            </a:r>
+            <a:r>
+              <a:rPr lang="en-US" sz="1600" b="1">
+                <a:solidFill>
+                  <a:schemeClr val="bg1"/>
+                </a:solidFill>
+                <a:highlight>
+                  <a:srgbClr val="FF00FF"/>
+                </a:highlight>
+                <a:latin typeface="Ubuntu Mono" panose="020B0509030602030204" charset="0"/>
+                <a:cs typeface="Ubuntu Mono" panose="020B0509030602030204" charset="0"/>
+                <a:sym typeface="+mn-ea"/>
+              </a:rPr>
+              <a:t>ip prefix-list</a:t>
+            </a:r>
+            <a:r>
+              <a:rPr lang="en-US" sz="1600">
+                <a:solidFill>
+                  <a:schemeClr val="tx1"/>
+                </a:solidFill>
+                <a:latin typeface="Ubuntu Mono" panose="020B0509030602030204" charset="0"/>
+                <a:cs typeface="Ubuntu Mono" panose="020B0509030602030204" charset="0"/>
+                <a:sym typeface="+mn-ea"/>
+              </a:rPr>
+              <a:t> </a:t>
+            </a:r>
+            <a:r>
+              <a:rPr lang="en-US" sz="1600" b="1">
+                <a:solidFill>
+                  <a:srgbClr val="2259D6"/>
+                </a:solidFill>
+                <a:latin typeface="Ubuntu Mono" panose="020B0509030602030204" charset="0"/>
+                <a:cs typeface="Ubuntu Mono" panose="020B0509030602030204" charset="0"/>
+                <a:sym typeface="+mn-ea"/>
+              </a:rPr>
+              <a:t>private_ips_1</a:t>
+            </a:r>
+            <a:r>
+              <a:rPr lang="en-US" sz="1600">
+                <a:solidFill>
+                  <a:schemeClr val="tx1"/>
+                </a:solidFill>
+                <a:latin typeface="Ubuntu Mono" panose="020B0509030602030204" charset="0"/>
+                <a:cs typeface="Ubuntu Mono" panose="020B0509030602030204" charset="0"/>
+                <a:sym typeface="+mn-ea"/>
+              </a:rPr>
+              <a:t> seq 5 </a:t>
+            </a:r>
+            <a:r>
+              <a:rPr lang="en-US" sz="1600" b="1">
+                <a:solidFill>
+                  <a:schemeClr val="bg1"/>
+                </a:solidFill>
+                <a:highlight>
+                  <a:srgbClr val="0000FF"/>
+                </a:highlight>
+                <a:latin typeface="Ubuntu Mono" panose="020B0509030602030204" charset="0"/>
+                <a:cs typeface="Ubuntu Mono" panose="020B0509030602030204" charset="0"/>
+                <a:sym typeface="+mn-ea"/>
+              </a:rPr>
+              <a:t>permit</a:t>
+            </a:r>
+            <a:r>
+              <a:rPr lang="en-US" sz="1600">
+                <a:solidFill>
+                  <a:schemeClr val="tx1"/>
+                </a:solidFill>
+                <a:latin typeface="Ubuntu Mono" panose="020B0509030602030204" charset="0"/>
+                <a:cs typeface="Ubuntu Mono" panose="020B0509030602030204" charset="0"/>
+                <a:sym typeface="+mn-ea"/>
+              </a:rPr>
+              <a:t> </a:t>
+            </a:r>
+            <a:r>
+              <a:rPr lang="en-US" sz="1600" b="1">
+                <a:solidFill>
+                  <a:schemeClr val="bg1"/>
+                </a:solidFill>
+                <a:highlight>
+                  <a:srgbClr val="0000FF"/>
+                </a:highlight>
+                <a:latin typeface="Ubuntu Mono" panose="020B0509030602030204" charset="0"/>
+                <a:cs typeface="Ubuntu Mono" panose="020B0509030602030204" charset="0"/>
+                <a:sym typeface="+mn-ea"/>
+              </a:rPr>
+              <a:t>192.168.0.0/12</a:t>
+            </a:r>
+            <a:r>
+              <a:rPr lang="en-US" sz="1600">
+                <a:solidFill>
+                  <a:schemeClr val="tx1"/>
+                </a:solidFill>
+                <a:latin typeface="Ubuntu Mono" panose="020B0509030602030204" charset="0"/>
+                <a:cs typeface="Ubuntu Mono" panose="020B0509030602030204" charset="0"/>
+                <a:sym typeface="+mn-ea"/>
+              </a:rPr>
+              <a:t> </a:t>
+            </a:r>
+            <a:r>
+              <a:rPr lang="en-US" sz="1600" b="1">
+                <a:solidFill>
+                  <a:schemeClr val="bg1"/>
+                </a:solidFill>
+                <a:highlight>
+                  <a:srgbClr val="0000FF"/>
+                </a:highlight>
+                <a:latin typeface="Ubuntu Mono" panose="020B0509030602030204" charset="0"/>
+                <a:cs typeface="Ubuntu Mono" panose="020B0509030602030204" charset="0"/>
+                <a:sym typeface="+mn-ea"/>
+              </a:rPr>
+              <a:t>ge 12</a:t>
+            </a:r>
+            <a:endParaRPr lang="en-US" sz="1600" b="1">
+              <a:solidFill>
+                <a:schemeClr val="bg1"/>
+              </a:solidFill>
+              <a:highlight>
+                <a:srgbClr val="0000FF"/>
+              </a:highlight>
+              <a:latin typeface="Ubuntu Mono" panose="020B0509030602030204" charset="0"/>
+              <a:cs typeface="Ubuntu Mono" panose="020B0509030602030204" charset="0"/>
+              <a:sym typeface="+mn-ea"/>
+            </a:endParaRPr>
+          </a:p>
+        </p:txBody>
+      </p:sp>
+      <p:sp>
+        <p:nvSpPr>
+          <p:cNvPr id="20" name="Rounded Rectangular Callout 19"/>
+          <p:cNvSpPr/>
+          <p:nvPr/>
+        </p:nvSpPr>
+        <p:spPr>
+          <a:xfrm>
+            <a:off x="8920480" y="4924425"/>
+            <a:ext cx="1259840" cy="614045"/>
+          </a:xfrm>
+          <a:prstGeom prst="wedgeRoundRectCallout">
+            <a:avLst>
+              <a:gd name="adj1" fmla="val -33870"/>
+              <a:gd name="adj2" fmla="val 70267"/>
+              <a:gd name="adj3" fmla="val 16667"/>
+            </a:avLst>
+          </a:prstGeom>
+          <a:solidFill>
+            <a:schemeClr val="bg1">
+              <a:lumMod val="95000"/>
+            </a:schemeClr>
+          </a:solidFill>
+          <a:ln>
+            <a:solidFill>
+              <a:srgbClr val="0000FF"/>
+            </a:solidFill>
+          </a:ln>
+        </p:spPr>
+        <p:style>
+          <a:lnRef idx="2">
+            <a:schemeClr val="accent1">
+              <a:shade val="50000"/>
+            </a:schemeClr>
+          </a:lnRef>
+          <a:fillRef idx="1">
+            <a:schemeClr val="accent1"/>
+          </a:fillRef>
+          <a:effectRef idx="0">
+            <a:schemeClr val="accent1"/>
+          </a:effectRef>
+          <a:fontRef idx="minor">
+            <a:schemeClr val="lt1"/>
+          </a:fontRef>
+        </p:style>
+        <p:txBody>
+          <a:bodyPr rtlCol="0" anchor="ctr"/>
+          <a:p>
+            <a:pPr algn="ctr">
+              <a:lnSpc>
+                <a:spcPct val="100000"/>
+              </a:lnSpc>
+              <a:spcBef>
+                <a:spcPts val="0"/>
+              </a:spcBef>
+              <a:spcAft>
+                <a:spcPts val="300"/>
+              </a:spcAft>
+            </a:pPr>
+            <a:r>
+              <a:rPr lang="en-US" sz="1400">
+                <a:solidFill>
+                  <a:schemeClr val="tx1"/>
+                </a:solidFill>
+                <a:latin typeface="Ubuntu Mono" panose="020B0509030602030204" charset="0"/>
+                <a:cs typeface="Ubuntu Mono" panose="020B0509030602030204" charset="0"/>
+              </a:rPr>
+              <a:t>empty</a:t>
+            </a:r>
+            <a:endParaRPr lang="en-US" sz="1400">
+              <a:solidFill>
+                <a:schemeClr val="tx1"/>
+              </a:solidFill>
+              <a:latin typeface="Ubuntu Mono" panose="020B0509030602030204" charset="0"/>
+              <a:cs typeface="Ubuntu Mono" panose="020B0509030602030204" charset="0"/>
+            </a:endParaRPr>
+          </a:p>
+        </p:txBody>
+      </p:sp>
+      <p:sp>
+        <p:nvSpPr>
+          <p:cNvPr id="18" name="Rounded Rectangular Callout 17"/>
+          <p:cNvSpPr/>
+          <p:nvPr/>
+        </p:nvSpPr>
+        <p:spPr>
+          <a:xfrm>
+            <a:off x="5593715" y="4924425"/>
+            <a:ext cx="1233805" cy="617220"/>
+          </a:xfrm>
+          <a:prstGeom prst="wedgeRoundRectCallout">
+            <a:avLst>
+              <a:gd name="adj1" fmla="val 36670"/>
+              <a:gd name="adj2" fmla="val 70061"/>
+              <a:gd name="adj3" fmla="val 16667"/>
+            </a:avLst>
+          </a:prstGeom>
+          <a:solidFill>
+            <a:schemeClr val="bg1">
+              <a:lumMod val="95000"/>
+            </a:schemeClr>
+          </a:solidFill>
+          <a:ln>
+            <a:solidFill>
+              <a:srgbClr val="0000FF"/>
+            </a:solidFill>
+          </a:ln>
+        </p:spPr>
+        <p:style>
+          <a:lnRef idx="2">
+            <a:schemeClr val="accent1">
+              <a:shade val="50000"/>
+            </a:schemeClr>
+          </a:lnRef>
+          <a:fillRef idx="1">
+            <a:schemeClr val="accent1"/>
+          </a:fillRef>
+          <a:effectRef idx="0">
+            <a:schemeClr val="accent1"/>
+          </a:effectRef>
+          <a:fontRef idx="minor">
+            <a:schemeClr val="lt1"/>
+          </a:fontRef>
+        </p:style>
+        <p:txBody>
+          <a:bodyPr rtlCol="0" anchor="ctr"/>
+          <a:p>
+            <a:pPr algn="ctr" fontAlgn="auto">
+              <a:spcAft>
+                <a:spcPts val="300"/>
+              </a:spcAft>
+            </a:pPr>
+            <a:r>
+              <a:rPr lang="en-US" sz="1400">
+                <a:solidFill>
+                  <a:schemeClr val="tx1"/>
+                </a:solidFill>
+                <a:latin typeface="Ubuntu Mono" panose="020B0509030602030204" charset="0"/>
+                <a:cs typeface="Ubuntu Mono" panose="020B0509030602030204" charset="0"/>
+              </a:rPr>
+              <a:t>empty</a:t>
+            </a:r>
+            <a:endParaRPr lang="en-US" sz="1400">
+              <a:solidFill>
+                <a:schemeClr val="tx1"/>
+              </a:solidFill>
+              <a:latin typeface="Ubuntu Mono" panose="020B0509030602030204" charset="0"/>
+              <a:cs typeface="Ubuntu Mono" panose="020B0509030602030204" charset="0"/>
+            </a:endParaRPr>
+          </a:p>
+        </p:txBody>
+      </p:sp>
+      <p:sp>
+        <p:nvSpPr>
+          <p:cNvPr id="19" name="Rounded Rectangular Callout 18"/>
+          <p:cNvSpPr/>
+          <p:nvPr/>
+        </p:nvSpPr>
+        <p:spPr>
+          <a:xfrm>
+            <a:off x="7110095" y="4926330"/>
+            <a:ext cx="1527810" cy="618490"/>
+          </a:xfrm>
+          <a:prstGeom prst="wedgeRoundRectCallout">
+            <a:avLst>
+              <a:gd name="adj1" fmla="val -20781"/>
+              <a:gd name="adj2" fmla="val 70328"/>
+              <a:gd name="adj3" fmla="val 16667"/>
+            </a:avLst>
+          </a:prstGeom>
+          <a:solidFill>
+            <a:schemeClr val="bg1">
+              <a:lumMod val="95000"/>
+            </a:schemeClr>
+          </a:solidFill>
+          <a:ln>
+            <a:solidFill>
+              <a:srgbClr val="0000FF"/>
+            </a:solidFill>
+          </a:ln>
+        </p:spPr>
+        <p:style>
+          <a:lnRef idx="2">
+            <a:schemeClr val="accent1">
+              <a:shade val="50000"/>
+            </a:schemeClr>
+          </a:lnRef>
+          <a:fillRef idx="1">
+            <a:schemeClr val="accent1"/>
+          </a:fillRef>
+          <a:effectRef idx="0">
+            <a:schemeClr val="accent1"/>
+          </a:effectRef>
+          <a:fontRef idx="minor">
+            <a:schemeClr val="lt1"/>
+          </a:fontRef>
+        </p:style>
+        <p:txBody>
+          <a:bodyPr rtlCol="0" anchor="ctr"/>
+          <a:p>
+            <a:pPr algn="ctr">
+              <a:lnSpc>
+                <a:spcPct val="100000"/>
+              </a:lnSpc>
+              <a:spcBef>
+                <a:spcPts val="0"/>
+              </a:spcBef>
+              <a:spcAft>
+                <a:spcPts val="300"/>
+              </a:spcAft>
+            </a:pPr>
+            <a:r>
+              <a:rPr lang="en-US" sz="1400" dirty="0">
+                <a:solidFill>
+                  <a:schemeClr val="tx1"/>
+                </a:solidFill>
+                <a:latin typeface="Ubuntu Mono" panose="020B0509030602030204" charset="0"/>
+                <a:cs typeface="Ubuntu Mono" panose="020B0509030602030204" charset="0"/>
+              </a:rPr>
+              <a:t>empty</a:t>
+            </a:r>
+            <a:endParaRPr lang="en-US" sz="1400" dirty="0">
+              <a:solidFill>
+                <a:schemeClr val="tx1"/>
+              </a:solidFill>
+              <a:latin typeface="Ubuntu Mono" panose="020B0509030602030204" charset="0"/>
+              <a:cs typeface="Ubuntu Mono" panose="020B0509030602030204" charset="0"/>
+            </a:endParaRPr>
+          </a:p>
+        </p:txBody>
+      </p:sp>
+      <p:sp>
+        <p:nvSpPr>
+          <p:cNvPr id="21" name="Rounded Rectangular Callout 20"/>
+          <p:cNvSpPr/>
+          <p:nvPr/>
+        </p:nvSpPr>
+        <p:spPr>
+          <a:xfrm>
+            <a:off x="1626235" y="4769485"/>
+            <a:ext cx="2246630" cy="772795"/>
+          </a:xfrm>
+          <a:prstGeom prst="wedgeRoundRectCallout">
+            <a:avLst>
+              <a:gd name="adj1" fmla="val 20830"/>
+              <a:gd name="adj2" fmla="val 67009"/>
+              <a:gd name="adj3" fmla="val 16667"/>
+            </a:avLst>
+          </a:prstGeom>
+          <a:solidFill>
+            <a:schemeClr val="bg1">
+              <a:lumMod val="95000"/>
+            </a:schemeClr>
+          </a:solidFill>
+          <a:ln>
+            <a:solidFill>
+              <a:srgbClr val="FF00FF"/>
+            </a:solidFill>
+          </a:ln>
+        </p:spPr>
+        <p:style>
+          <a:lnRef idx="2">
+            <a:schemeClr val="accent1">
+              <a:shade val="50000"/>
+            </a:schemeClr>
+          </a:lnRef>
+          <a:fillRef idx="1">
+            <a:schemeClr val="accent1"/>
+          </a:fillRef>
+          <a:effectRef idx="0">
+            <a:schemeClr val="accent1"/>
+          </a:effectRef>
+          <a:fontRef idx="minor">
+            <a:schemeClr val="lt1"/>
+          </a:fontRef>
+        </p:style>
+        <p:txBody>
+          <a:bodyPr rtlCol="0" anchor="ctr"/>
+          <a:p>
+            <a:pPr algn="ctr">
+              <a:lnSpc>
+                <a:spcPct val="100000"/>
+              </a:lnSpc>
+              <a:spcBef>
+                <a:spcPts val="0"/>
+              </a:spcBef>
+              <a:spcAft>
+                <a:spcPts val="300"/>
+              </a:spcAft>
+            </a:pPr>
+            <a:r>
+              <a:rPr lang="en-US" sz="1400">
+                <a:solidFill>
+                  <a:schemeClr val="tx1"/>
+                </a:solidFill>
+                <a:latin typeface="Ubuntu Mono" panose="020B0509030602030204" charset="0"/>
+                <a:cs typeface="Ubuntu Mono" panose="020B0509030602030204" charset="0"/>
+              </a:rPr>
+              <a:t>empty</a:t>
+            </a:r>
+            <a:endParaRPr lang="en-US" sz="1400">
+              <a:solidFill>
+                <a:schemeClr val="tx1"/>
+              </a:solidFill>
+              <a:latin typeface="Ubuntu Mono" panose="020B0509030602030204" charset="0"/>
+              <a:cs typeface="Ubuntu Mono" panose="020B0509030602030204" charset="0"/>
+            </a:endParaRPr>
+          </a:p>
+        </p:txBody>
+      </p:sp>
+      <p:cxnSp>
+        <p:nvCxnSpPr>
+          <p:cNvPr id="11" name="Straight Connector 10"/>
+          <p:cNvCxnSpPr/>
+          <p:nvPr/>
+        </p:nvCxnSpPr>
+        <p:spPr>
+          <a:xfrm flipV="1">
+            <a:off x="2922905" y="3802380"/>
+            <a:ext cx="6289675" cy="1270"/>
+          </a:xfrm>
+          <a:prstGeom prst="line">
+            <a:avLst/>
+          </a:prstGeom>
+          <a:ln w="15875" cmpd="sng">
+            <a:solidFill>
+              <a:schemeClr val="tx1"/>
+            </a:solidFill>
+            <a:prstDash val="solid"/>
+          </a:ln>
+        </p:spPr>
+        <p:style>
+          <a:lnRef idx="1">
+            <a:schemeClr val="accent1"/>
+          </a:lnRef>
+          <a:fillRef idx="0">
+            <a:schemeClr val="accent1"/>
+          </a:fillRef>
+          <a:effectRef idx="0">
+            <a:schemeClr val="accent1"/>
+          </a:effectRef>
+          <a:fontRef idx="minor">
+            <a:schemeClr val="tx1"/>
+          </a:fontRef>
+        </p:style>
+      </p:cxnSp>
+    </p:spTree>
+  </p:cSld>
+  <p:clrMapOvr>
+    <a:masterClrMapping/>
+  </p:clrMapOvr>
+  <p:transition/>
+</p:sld>
+</file>
+
 <file path=ppt/slides/slide2.xml><?xml version="1.0" encoding="utf-8"?>
 <p:sld xmlns:a="http://schemas.openxmlformats.org/drawingml/2006/main" xmlns:r="http://schemas.openxmlformats.org/officeDocument/2006/relationships" xmlns:p="http://schemas.openxmlformats.org/presentationml/2006/main">
   <p:cSld>
@@ -6871,6 +8064,2289 @@
           <a:lstStyle/>
           <a:p>
             <a:r>
+              <a:rPr lang="en-US" altLang="zh-CN" dirty="0">
+                <a:solidFill>
+                  <a:schemeClr val="tx1"/>
+                </a:solidFill>
+                <a:effectLst>
+                  <a:outerShdw blurRad="38100" dist="19050" dir="2700000" algn="tl" rotWithShape="0">
+                    <a:schemeClr val="dk1">
+                      <a:alpha val="40000"/>
+                    </a:schemeClr>
+                  </a:outerShdw>
+                </a:effectLst>
+                <a:latin typeface="Noto Mono" panose="020B0609030804020204" charset="0"/>
+                <a:cs typeface="Noto Mono" panose="020B0609030804020204" charset="0"/>
+                <a:sym typeface="+mn-ea"/>
+              </a:rPr>
+              <a:t>How to use </a:t>
+            </a:r>
+            <a:r>
+              <a:rPr lang="en-US" altLang="zh-CN" dirty="0" err="1">
+                <a:solidFill>
+                  <a:schemeClr val="tx1"/>
+                </a:solidFill>
+                <a:effectLst>
+                  <a:outerShdw blurRad="38100" dist="19050" dir="2700000" algn="tl" rotWithShape="0">
+                    <a:schemeClr val="dk1">
+                      <a:alpha val="40000"/>
+                    </a:schemeClr>
+                  </a:outerShdw>
+                </a:effectLst>
+                <a:latin typeface="Noto Mono" panose="020B0609030804020204" charset="0"/>
+                <a:cs typeface="Noto Mono" panose="020B0609030804020204" charset="0"/>
+                <a:sym typeface="+mn-ea"/>
+              </a:rPr>
+              <a:t>subspec</a:t>
+            </a:r>
+            <a:endParaRPr lang="en-US" altLang="zh-CN" dirty="0">
+              <a:solidFill>
+                <a:schemeClr val="tx1"/>
+              </a:solidFill>
+              <a:effectLst>
+                <a:outerShdw blurRad="38100" dist="19050" dir="2700000" algn="tl" rotWithShape="0">
+                  <a:schemeClr val="dk1">
+                    <a:alpha val="40000"/>
+                  </a:schemeClr>
+                </a:outerShdw>
+              </a:effectLst>
+              <a:latin typeface="Noto Mono" panose="020B0609030804020204" charset="0"/>
+              <a:cs typeface="Noto Mono" panose="020B0609030804020204" charset="0"/>
+              <a:sym typeface="+mn-ea"/>
+            </a:endParaRPr>
+          </a:p>
+        </p:txBody>
+      </p:sp>
+      <p:sp>
+        <p:nvSpPr>
+          <p:cNvPr id="5" name="Text Box 4"/>
+          <p:cNvSpPr txBox="1"/>
+          <p:nvPr/>
+        </p:nvSpPr>
+        <p:spPr>
+          <a:xfrm>
+            <a:off x="379095" y="1131570"/>
+            <a:ext cx="7277735" cy="460375"/>
+          </a:xfrm>
+          <a:prstGeom prst="rect">
+            <a:avLst/>
+          </a:prstGeom>
+          <a:noFill/>
+        </p:spPr>
+        <p:txBody>
+          <a:bodyPr wrap="square" rtlCol="0">
+            <a:spAutoFit/>
+          </a:bodyPr>
+          <a:lstStyle/>
+          <a:p>
+            <a:pPr algn="l">
+              <a:lnSpc>
+                <a:spcPct val="120000"/>
+              </a:lnSpc>
+              <a:spcBef>
+                <a:spcPts val="0"/>
+              </a:spcBef>
+              <a:spcAft>
+                <a:spcPts val="0"/>
+              </a:spcAft>
+            </a:pPr>
+            <a:r>
+              <a:rPr lang="en-US" sz="2000" dirty="0">
+                <a:latin typeface="Times New Roman" panose="02020603050405020304" charset="0"/>
+                <a:cs typeface="Times New Roman" panose="02020603050405020304" charset="0"/>
+                <a:sym typeface="+mn-ea"/>
+              </a:rPr>
+              <a:t>Modification </a:t>
+            </a:r>
+            <a:r>
+              <a:rPr lang="en-US" sz="2000" b="1" dirty="0">
+                <a:solidFill>
+                  <a:srgbClr val="00B050"/>
+                </a:solidFill>
+                <a:latin typeface="Times New Roman" panose="02020603050405020304" charset="0"/>
+                <a:cs typeface="Times New Roman" panose="02020603050405020304" charset="0"/>
+                <a:sym typeface="+mn-ea"/>
+              </a:rPr>
+              <a:t>within</a:t>
+            </a:r>
+            <a:r>
+              <a:rPr lang="en-US" sz="2000" dirty="0">
+                <a:latin typeface="Times New Roman" panose="02020603050405020304" charset="0"/>
+                <a:cs typeface="Times New Roman" panose="02020603050405020304" charset="0"/>
+                <a:sym typeface="+mn-ea"/>
+              </a:rPr>
+              <a:t> </a:t>
+            </a:r>
+            <a:r>
+              <a:rPr lang="en-US" sz="2000" dirty="0" err="1">
+                <a:latin typeface="Times New Roman" panose="02020603050405020304" charset="0"/>
+                <a:cs typeface="Times New Roman" panose="02020603050405020304" charset="0"/>
+                <a:sym typeface="+mn-ea"/>
+              </a:rPr>
+              <a:t>subspec</a:t>
+            </a:r>
+            <a:r>
+              <a:rPr lang="en-US" sz="2000" dirty="0">
+                <a:latin typeface="Times New Roman" panose="02020603050405020304" charset="0"/>
+                <a:cs typeface="Times New Roman" panose="02020603050405020304" charset="0"/>
+                <a:sym typeface="+mn-ea"/>
+              </a:rPr>
+              <a:t>: preserves the verification property.</a:t>
+            </a:r>
+            <a:endParaRPr lang="en-US" sz="2000" dirty="0">
+              <a:latin typeface="Times New Roman" panose="02020603050405020304" charset="0"/>
+              <a:cs typeface="Times New Roman" panose="02020603050405020304" charset="0"/>
+              <a:sym typeface="+mn-ea"/>
+            </a:endParaRPr>
+          </a:p>
+        </p:txBody>
+      </p:sp>
+      <p:sp>
+        <p:nvSpPr>
+          <p:cNvPr id="17" name="Rectangles 16"/>
+          <p:cNvSpPr/>
+          <p:nvPr/>
+        </p:nvSpPr>
+        <p:spPr>
+          <a:xfrm>
+            <a:off x="2231059" y="1964418"/>
+            <a:ext cx="6972935" cy="594360"/>
+          </a:xfrm>
+          <a:prstGeom prst="rect">
+            <a:avLst/>
+          </a:prstGeom>
+          <a:noFill/>
+          <a:ln w="9525">
+            <a:solidFill>
+              <a:schemeClr val="bg1">
+                <a:lumMod val="50000"/>
+              </a:schemeClr>
+            </a:solidFill>
+          </a:ln>
+        </p:spPr>
+        <p:style>
+          <a:lnRef idx="2">
+            <a:schemeClr val="accent1">
+              <a:shade val="50000"/>
+            </a:schemeClr>
+          </a:lnRef>
+          <a:fillRef idx="1">
+            <a:schemeClr val="accent1"/>
+          </a:fillRef>
+          <a:effectRef idx="0">
+            <a:schemeClr val="accent1"/>
+          </a:effectRef>
+          <a:fontRef idx="minor">
+            <a:schemeClr val="lt1"/>
+          </a:fontRef>
+        </p:style>
+        <p:txBody>
+          <a:bodyPr rtlCol="0" anchor="ctr"/>
+          <a:lstStyle/>
+          <a:p>
+            <a:pPr algn="l"/>
+            <a:r>
+              <a:rPr lang="en-US" sz="1600" dirty="0">
+                <a:solidFill>
+                  <a:schemeClr val="bg1">
+                    <a:lumMod val="50000"/>
+                  </a:schemeClr>
+                </a:solidFill>
+                <a:latin typeface="Ubuntu Mono" panose="020B0509030602030204" charset="0"/>
+                <a:cs typeface="Ubuntu Mono" panose="020B0509030602030204" charset="0"/>
+                <a:sym typeface="+mn-ea"/>
+              </a:rPr>
+              <a:t>1</a:t>
+            </a:r>
+            <a:r>
+              <a:rPr lang="en-US" sz="1600" dirty="0">
+                <a:solidFill>
+                  <a:schemeClr val="tx1"/>
+                </a:solidFill>
+                <a:latin typeface="Ubuntu Mono" panose="020B0509030602030204" charset="0"/>
+                <a:cs typeface="Ubuntu Mono" panose="020B0509030602030204" charset="0"/>
+                <a:sym typeface="+mn-ea"/>
+              </a:rPr>
+              <a:t>  </a:t>
+            </a:r>
+            <a:r>
+              <a:rPr lang="en-US" sz="1600" dirty="0" err="1">
+                <a:solidFill>
+                  <a:schemeClr val="tx1"/>
+                </a:solidFill>
+                <a:latin typeface="Ubuntu Mono" panose="020B0509030602030204" charset="0"/>
+                <a:cs typeface="Ubuntu Mono" panose="020B0509030602030204" charset="0"/>
+                <a:sym typeface="+mn-ea"/>
+              </a:rPr>
+              <a:t>ip</a:t>
+            </a:r>
+            <a:r>
+              <a:rPr lang="en-US" sz="1600" dirty="0">
+                <a:solidFill>
+                  <a:schemeClr val="tx1"/>
+                </a:solidFill>
+                <a:latin typeface="Ubuntu Mono" panose="020B0509030602030204" charset="0"/>
+                <a:cs typeface="Ubuntu Mono" panose="020B0509030602030204" charset="0"/>
+                <a:sym typeface="+mn-ea"/>
+              </a:rPr>
+              <a:t> prefix-list </a:t>
+            </a:r>
+            <a:r>
+              <a:rPr lang="en-US" sz="1600" b="1" dirty="0">
+                <a:solidFill>
+                  <a:srgbClr val="2259D6"/>
+                </a:solidFill>
+                <a:latin typeface="Ubuntu Mono" panose="020B0509030602030204" charset="0"/>
+                <a:cs typeface="Ubuntu Mono" panose="020B0509030602030204" charset="0"/>
+                <a:sym typeface="+mn-ea"/>
+              </a:rPr>
+              <a:t>private_ips_1</a:t>
+            </a:r>
+            <a:r>
+              <a:rPr lang="en-US" sz="1600" dirty="0">
+                <a:solidFill>
+                  <a:schemeClr val="tx1"/>
+                </a:solidFill>
+                <a:latin typeface="Ubuntu Mono" panose="020B0509030602030204" charset="0"/>
+                <a:cs typeface="Ubuntu Mono" panose="020B0509030602030204" charset="0"/>
+                <a:sym typeface="+mn-ea"/>
+              </a:rPr>
+              <a:t> seq 5 permit 192.168.0.0/12 </a:t>
+            </a:r>
+            <a:r>
+              <a:rPr lang="en-US" sz="1600" b="1" dirty="0" err="1">
+                <a:solidFill>
+                  <a:schemeClr val="bg1"/>
+                </a:solidFill>
+                <a:highlight>
+                  <a:srgbClr val="0000FF"/>
+                </a:highlight>
+                <a:latin typeface="Ubuntu Mono" panose="020B0509030602030204" charset="0"/>
+                <a:cs typeface="Ubuntu Mono" panose="020B0509030602030204" charset="0"/>
+                <a:sym typeface="+mn-ea"/>
+              </a:rPr>
+              <a:t>ge</a:t>
+            </a:r>
+            <a:r>
+              <a:rPr lang="en-US" sz="1600" b="1" dirty="0">
+                <a:solidFill>
+                  <a:schemeClr val="bg1"/>
+                </a:solidFill>
+                <a:highlight>
+                  <a:srgbClr val="0000FF"/>
+                </a:highlight>
+                <a:latin typeface="Ubuntu Mono" panose="020B0509030602030204" charset="0"/>
+                <a:cs typeface="Ubuntu Mono" panose="020B0509030602030204" charset="0"/>
+                <a:sym typeface="+mn-ea"/>
+              </a:rPr>
+              <a:t> 18</a:t>
+            </a:r>
+            <a:endParaRPr lang="en-US" sz="1600" b="1" dirty="0">
+              <a:solidFill>
+                <a:schemeClr val="bg1"/>
+              </a:solidFill>
+              <a:highlight>
+                <a:srgbClr val="0000FF"/>
+              </a:highlight>
+              <a:latin typeface="Ubuntu Mono" panose="020B0509030602030204" charset="0"/>
+              <a:cs typeface="Ubuntu Mono" panose="020B0509030602030204" charset="0"/>
+              <a:sym typeface="+mn-ea"/>
+            </a:endParaRPr>
+          </a:p>
+        </p:txBody>
+      </p:sp>
+      <p:pic>
+        <p:nvPicPr>
+          <p:cNvPr id="6" name="Graphic 5" descr="Checkmark with solid fill"/>
+          <p:cNvPicPr>
+            <a:picLocks noChangeAspect="1"/>
+          </p:cNvPicPr>
+          <p:nvPr/>
+        </p:nvPicPr>
+        <p:blipFill>
+          <a:blip r:embed="rId1">
+            <a:extLst>
+              <a:ext uri="{28A0092B-C50C-407E-A947-70E740481C1C}">
+                <a14:useLocalDpi xmlns:a14="http://schemas.microsoft.com/office/drawing/2010/main" val="0"/>
+              </a:ext>
+              <a:ext uri="{96DAC541-7B7A-43D3-8B79-37D633B846F1}">
+                <asvg:svgBlip xmlns:asvg="http://schemas.microsoft.com/office/drawing/2016/SVG/main" r:embed="rId2"/>
+              </a:ext>
+            </a:extLst>
+          </a:blip>
+          <a:stretch>
+            <a:fillRect/>
+          </a:stretch>
+        </p:blipFill>
+        <p:spPr>
+          <a:xfrm>
+            <a:off x="9782120" y="1804848"/>
+            <a:ext cx="914400" cy="914400"/>
+          </a:xfrm>
+          <a:prstGeom prst="rect">
+            <a:avLst/>
+          </a:prstGeom>
+        </p:spPr>
+      </p:pic>
+      <p:sp>
+        <p:nvSpPr>
+          <p:cNvPr id="7" name="Text Box 4"/>
+          <p:cNvSpPr txBox="1"/>
+          <p:nvPr/>
+        </p:nvSpPr>
+        <p:spPr>
+          <a:xfrm>
+            <a:off x="379095" y="3332480"/>
+            <a:ext cx="6709410" cy="829945"/>
+          </a:xfrm>
+          <a:prstGeom prst="rect">
+            <a:avLst/>
+          </a:prstGeom>
+          <a:noFill/>
+        </p:spPr>
+        <p:txBody>
+          <a:bodyPr wrap="square" rtlCol="0">
+            <a:spAutoFit/>
+          </a:bodyPr>
+          <a:lstStyle/>
+          <a:p>
+            <a:pPr algn="l">
+              <a:lnSpc>
+                <a:spcPct val="120000"/>
+              </a:lnSpc>
+              <a:spcBef>
+                <a:spcPts val="0"/>
+              </a:spcBef>
+              <a:spcAft>
+                <a:spcPts val="0"/>
+              </a:spcAft>
+            </a:pPr>
+            <a:r>
+              <a:rPr lang="en-US" sz="2000" dirty="0">
+                <a:latin typeface="Times New Roman" panose="02020603050405020304" charset="0"/>
+                <a:cs typeface="Times New Roman" panose="02020603050405020304" charset="0"/>
+                <a:sym typeface="+mn-ea"/>
+              </a:rPr>
+              <a:t>Modification </a:t>
+            </a:r>
+            <a:r>
+              <a:rPr lang="en-US" sz="2000" b="1" dirty="0">
+                <a:solidFill>
+                  <a:srgbClr val="E01B24"/>
+                </a:solidFill>
+                <a:latin typeface="Times New Roman" panose="02020603050405020304" charset="0"/>
+                <a:cs typeface="Times New Roman" panose="02020603050405020304" charset="0"/>
+                <a:sym typeface="+mn-ea"/>
+              </a:rPr>
+              <a:t>out of</a:t>
+            </a:r>
+            <a:r>
+              <a:rPr lang="en-US" sz="2000" b="1" dirty="0">
+                <a:solidFill>
+                  <a:srgbClr val="C00000"/>
+                </a:solidFill>
+                <a:latin typeface="Times New Roman" panose="02020603050405020304" charset="0"/>
+                <a:cs typeface="Times New Roman" panose="02020603050405020304" charset="0"/>
+                <a:sym typeface="+mn-ea"/>
+              </a:rPr>
+              <a:t> </a:t>
+            </a:r>
+            <a:r>
+              <a:rPr lang="en-US" sz="2000" dirty="0" err="1">
+                <a:latin typeface="Times New Roman" panose="02020603050405020304" charset="0"/>
+                <a:cs typeface="Times New Roman" panose="02020603050405020304" charset="0"/>
+                <a:sym typeface="+mn-ea"/>
+              </a:rPr>
+              <a:t>subspec</a:t>
+            </a:r>
+            <a:r>
+              <a:rPr lang="en-US" sz="2000" dirty="0">
+                <a:latin typeface="Times New Roman" panose="02020603050405020304" charset="0"/>
+                <a:cs typeface="Times New Roman" panose="02020603050405020304" charset="0"/>
+                <a:sym typeface="+mn-ea"/>
+              </a:rPr>
+              <a:t>: may violate the property. </a:t>
+            </a:r>
+            <a:endParaRPr lang="en-US" sz="2000" dirty="0">
+              <a:latin typeface="Times New Roman" panose="02020603050405020304" charset="0"/>
+              <a:cs typeface="Times New Roman" panose="02020603050405020304" charset="0"/>
+              <a:sym typeface="+mn-ea"/>
+            </a:endParaRPr>
+          </a:p>
+          <a:p>
+            <a:pPr algn="l">
+              <a:lnSpc>
+                <a:spcPct val="120000"/>
+              </a:lnSpc>
+              <a:spcBef>
+                <a:spcPts val="0"/>
+              </a:spcBef>
+              <a:spcAft>
+                <a:spcPts val="0"/>
+              </a:spcAft>
+            </a:pPr>
+            <a:r>
+              <a:rPr lang="en-US" sz="2000" i="1" dirty="0">
+                <a:latin typeface="Times New Roman" panose="02020603050405020304" charset="0"/>
+                <a:cs typeface="Times New Roman" panose="02020603050405020304" charset="0"/>
+                <a:sym typeface="+mn-ea"/>
+              </a:rPr>
+              <a:t>(sound but not complete)</a:t>
+            </a:r>
+            <a:endParaRPr lang="en-US" sz="2000" i="1" dirty="0">
+              <a:latin typeface="Times New Roman" panose="02020603050405020304" charset="0"/>
+              <a:cs typeface="Times New Roman" panose="02020603050405020304" charset="0"/>
+              <a:sym typeface="+mn-ea"/>
+            </a:endParaRPr>
+          </a:p>
+        </p:txBody>
+      </p:sp>
+      <p:sp>
+        <p:nvSpPr>
+          <p:cNvPr id="3" name="Rounded Rectangular Callout 2"/>
+          <p:cNvSpPr/>
+          <p:nvPr/>
+        </p:nvSpPr>
+        <p:spPr>
+          <a:xfrm>
+            <a:off x="8023860" y="930275"/>
+            <a:ext cx="2484120" cy="781050"/>
+          </a:xfrm>
+          <a:prstGeom prst="wedgeRoundRectCallout">
+            <a:avLst>
+              <a:gd name="adj1" fmla="val -19913"/>
+              <a:gd name="adj2" fmla="val 66422"/>
+              <a:gd name="adj3" fmla="val 16667"/>
+            </a:avLst>
+          </a:prstGeom>
+          <a:solidFill>
+            <a:schemeClr val="bg1">
+              <a:lumMod val="95000"/>
+            </a:schemeClr>
+          </a:solidFill>
+          <a:ln>
+            <a:solidFill>
+              <a:srgbClr val="0000FF"/>
+            </a:solidFill>
+          </a:ln>
+        </p:spPr>
+        <p:style>
+          <a:lnRef idx="2">
+            <a:schemeClr val="accent1">
+              <a:shade val="50000"/>
+            </a:schemeClr>
+          </a:lnRef>
+          <a:fillRef idx="1">
+            <a:schemeClr val="accent1"/>
+          </a:fillRef>
+          <a:effectRef idx="0">
+            <a:schemeClr val="accent1"/>
+          </a:effectRef>
+          <a:fontRef idx="minor">
+            <a:schemeClr val="lt1"/>
+          </a:fontRef>
+        </p:style>
+        <p:txBody>
+          <a:bodyPr rtlCol="0" anchor="ctr"/>
+          <a:p>
+            <a:pPr algn="ctr">
+              <a:lnSpc>
+                <a:spcPct val="100000"/>
+              </a:lnSpc>
+              <a:spcBef>
+                <a:spcPts val="0"/>
+              </a:spcBef>
+              <a:spcAft>
+                <a:spcPts val="300"/>
+              </a:spcAft>
+            </a:pPr>
+            <a:r>
+              <a:rPr lang="en-US" sz="1400" u="sng">
+                <a:solidFill>
+                  <a:schemeClr val="tx1"/>
+                </a:solidFill>
+                <a:latin typeface="Ubuntu Mono" panose="020B0509030602030204" charset="0"/>
+                <a:cs typeface="Ubuntu Mono" panose="020B0509030602030204" charset="0"/>
+              </a:rPr>
+              <a:t>prefix ge range = 0~16</a:t>
+            </a:r>
+            <a:endParaRPr lang="en-US" sz="1400" u="sng">
+              <a:solidFill>
+                <a:schemeClr val="tx1"/>
+              </a:solidFill>
+              <a:latin typeface="Ubuntu Mono" panose="020B0509030602030204" charset="0"/>
+              <a:cs typeface="Ubuntu Mono" panose="020B0509030602030204" charset="0"/>
+            </a:endParaRPr>
+          </a:p>
+          <a:p>
+            <a:pPr algn="ctr">
+              <a:lnSpc>
+                <a:spcPct val="100000"/>
+              </a:lnSpc>
+              <a:spcBef>
+                <a:spcPts val="0"/>
+              </a:spcBef>
+              <a:spcAft>
+                <a:spcPts val="0"/>
+              </a:spcAft>
+            </a:pPr>
+            <a:r>
+              <a:rPr lang="en-US" sz="1200">
+                <a:solidFill>
+                  <a:schemeClr val="tx1"/>
+                </a:solidFill>
+                <a:latin typeface="Ubuntu Mono" panose="020B0509030602030204" charset="0"/>
+                <a:cs typeface="Ubuntu Mono" panose="020B0509030602030204" charset="0"/>
+              </a:rPr>
+              <a:t>(&gt;= 16 VAR_START)</a:t>
+            </a:r>
+            <a:endParaRPr lang="en-US" sz="1200">
+              <a:solidFill>
+                <a:schemeClr val="tx1"/>
+              </a:solidFill>
+              <a:latin typeface="Ubuntu Mono" panose="020B0509030602030204" charset="0"/>
+              <a:cs typeface="Ubuntu Mono" panose="020B0509030602030204" charset="0"/>
+            </a:endParaRPr>
+          </a:p>
+        </p:txBody>
+      </p:sp>
+      <p:sp>
+        <p:nvSpPr>
+          <p:cNvPr id="4" name="Rounded Rectangular Callout 3"/>
+          <p:cNvSpPr/>
+          <p:nvPr/>
+        </p:nvSpPr>
+        <p:spPr>
+          <a:xfrm>
+            <a:off x="8023860" y="3505835"/>
+            <a:ext cx="2484120" cy="781050"/>
+          </a:xfrm>
+          <a:prstGeom prst="wedgeRoundRectCallout">
+            <a:avLst>
+              <a:gd name="adj1" fmla="val -19913"/>
+              <a:gd name="adj2" fmla="val 66422"/>
+              <a:gd name="adj3" fmla="val 16667"/>
+            </a:avLst>
+          </a:prstGeom>
+          <a:solidFill>
+            <a:schemeClr val="bg1">
+              <a:lumMod val="95000"/>
+            </a:schemeClr>
+          </a:solidFill>
+          <a:ln>
+            <a:solidFill>
+              <a:srgbClr val="0000FF"/>
+            </a:solidFill>
+          </a:ln>
+        </p:spPr>
+        <p:style>
+          <a:lnRef idx="2">
+            <a:schemeClr val="accent1">
+              <a:shade val="50000"/>
+            </a:schemeClr>
+          </a:lnRef>
+          <a:fillRef idx="1">
+            <a:schemeClr val="accent1"/>
+          </a:fillRef>
+          <a:effectRef idx="0">
+            <a:schemeClr val="accent1"/>
+          </a:effectRef>
+          <a:fontRef idx="minor">
+            <a:schemeClr val="lt1"/>
+          </a:fontRef>
+        </p:style>
+        <p:txBody>
+          <a:bodyPr rtlCol="0" anchor="ctr"/>
+          <a:p>
+            <a:pPr algn="ctr">
+              <a:lnSpc>
+                <a:spcPct val="100000"/>
+              </a:lnSpc>
+              <a:spcBef>
+                <a:spcPts val="0"/>
+              </a:spcBef>
+              <a:spcAft>
+                <a:spcPts val="300"/>
+              </a:spcAft>
+            </a:pPr>
+            <a:r>
+              <a:rPr lang="en-US" sz="1400" u="sng">
+                <a:solidFill>
+                  <a:schemeClr val="tx1"/>
+                </a:solidFill>
+                <a:latin typeface="Ubuntu Mono" panose="020B0509030602030204" charset="0"/>
+                <a:cs typeface="Ubuntu Mono" panose="020B0509030602030204" charset="0"/>
+              </a:rPr>
+              <a:t>prefix ge range = 0~16</a:t>
+            </a:r>
+            <a:endParaRPr lang="en-US" sz="1400" u="sng">
+              <a:solidFill>
+                <a:schemeClr val="tx1"/>
+              </a:solidFill>
+              <a:latin typeface="Ubuntu Mono" panose="020B0509030602030204" charset="0"/>
+              <a:cs typeface="Ubuntu Mono" panose="020B0509030602030204" charset="0"/>
+            </a:endParaRPr>
+          </a:p>
+          <a:p>
+            <a:pPr algn="ctr">
+              <a:lnSpc>
+                <a:spcPct val="100000"/>
+              </a:lnSpc>
+              <a:spcBef>
+                <a:spcPts val="0"/>
+              </a:spcBef>
+              <a:spcAft>
+                <a:spcPts val="0"/>
+              </a:spcAft>
+            </a:pPr>
+            <a:r>
+              <a:rPr lang="en-US" sz="1200">
+                <a:solidFill>
+                  <a:schemeClr val="tx1"/>
+                </a:solidFill>
+                <a:latin typeface="Ubuntu Mono" panose="020B0509030602030204" charset="0"/>
+                <a:cs typeface="Ubuntu Mono" panose="020B0509030602030204" charset="0"/>
+              </a:rPr>
+              <a:t>(&gt;= 16 VAR_START)</a:t>
+            </a:r>
+            <a:endParaRPr lang="en-US" sz="1200">
+              <a:solidFill>
+                <a:schemeClr val="tx1"/>
+              </a:solidFill>
+              <a:latin typeface="Ubuntu Mono" panose="020B0509030602030204" charset="0"/>
+              <a:cs typeface="Ubuntu Mono" panose="020B0509030602030204" charset="0"/>
+            </a:endParaRPr>
+          </a:p>
+        </p:txBody>
+      </p:sp>
+      <p:pic>
+        <p:nvPicPr>
+          <p:cNvPr id="10" name="Graphic 11" descr="Close with solid fill"/>
+          <p:cNvPicPr>
+            <a:picLocks noChangeAspect="1"/>
+          </p:cNvPicPr>
+          <p:nvPr/>
+        </p:nvPicPr>
+        <p:blipFill>
+          <a:blip r:embed="rId3">
+            <a:extLst>
+              <a:ext uri="{28A0092B-C50C-407E-A947-70E740481C1C}">
+                <a14:useLocalDpi xmlns:a14="http://schemas.microsoft.com/office/drawing/2010/main" val="0"/>
+              </a:ext>
+              <a:ext uri="{96DAC541-7B7A-43D3-8B79-37D633B846F1}">
+                <asvg:svgBlip xmlns:asvg="http://schemas.microsoft.com/office/drawing/2016/SVG/main" r:embed="rId4"/>
+              </a:ext>
+            </a:extLst>
+          </a:blip>
+          <a:stretch>
+            <a:fillRect/>
+          </a:stretch>
+        </p:blipFill>
+        <p:spPr>
+          <a:xfrm>
+            <a:off x="9781870" y="4398207"/>
+            <a:ext cx="914400" cy="914400"/>
+          </a:xfrm>
+          <a:prstGeom prst="rect">
+            <a:avLst/>
+          </a:prstGeom>
+        </p:spPr>
+      </p:pic>
+      <p:sp>
+        <p:nvSpPr>
+          <p:cNvPr id="11" name="Rectangles 10"/>
+          <p:cNvSpPr/>
+          <p:nvPr/>
+        </p:nvSpPr>
+        <p:spPr>
+          <a:xfrm>
+            <a:off x="2231059" y="4557758"/>
+            <a:ext cx="6972935" cy="594360"/>
+          </a:xfrm>
+          <a:prstGeom prst="rect">
+            <a:avLst/>
+          </a:prstGeom>
+          <a:noFill/>
+          <a:ln w="9525">
+            <a:solidFill>
+              <a:schemeClr val="bg1">
+                <a:lumMod val="50000"/>
+              </a:schemeClr>
+            </a:solidFill>
+          </a:ln>
+        </p:spPr>
+        <p:style>
+          <a:lnRef idx="2">
+            <a:schemeClr val="accent1">
+              <a:shade val="50000"/>
+            </a:schemeClr>
+          </a:lnRef>
+          <a:fillRef idx="1">
+            <a:schemeClr val="accent1"/>
+          </a:fillRef>
+          <a:effectRef idx="0">
+            <a:schemeClr val="accent1"/>
+          </a:effectRef>
+          <a:fontRef idx="minor">
+            <a:schemeClr val="lt1"/>
+          </a:fontRef>
+        </p:style>
+        <p:txBody>
+          <a:bodyPr rtlCol="0" anchor="ctr"/>
+          <a:p>
+            <a:pPr algn="l"/>
+            <a:r>
+              <a:rPr lang="en-US" sz="1600" dirty="0">
+                <a:solidFill>
+                  <a:schemeClr val="bg1">
+                    <a:lumMod val="50000"/>
+                  </a:schemeClr>
+                </a:solidFill>
+                <a:latin typeface="Ubuntu Mono" panose="020B0509030602030204" charset="0"/>
+                <a:cs typeface="Ubuntu Mono" panose="020B0509030602030204" charset="0"/>
+                <a:sym typeface="+mn-ea"/>
+              </a:rPr>
+              <a:t>1</a:t>
+            </a:r>
+            <a:r>
+              <a:rPr lang="en-US" sz="1600" dirty="0">
+                <a:solidFill>
+                  <a:schemeClr val="tx1"/>
+                </a:solidFill>
+                <a:latin typeface="Ubuntu Mono" panose="020B0509030602030204" charset="0"/>
+                <a:cs typeface="Ubuntu Mono" panose="020B0509030602030204" charset="0"/>
+                <a:sym typeface="+mn-ea"/>
+              </a:rPr>
+              <a:t>  </a:t>
+            </a:r>
+            <a:r>
+              <a:rPr lang="en-US" sz="1600" dirty="0" err="1">
+                <a:solidFill>
+                  <a:schemeClr val="tx1"/>
+                </a:solidFill>
+                <a:latin typeface="Ubuntu Mono" panose="020B0509030602030204" charset="0"/>
+                <a:cs typeface="Ubuntu Mono" panose="020B0509030602030204" charset="0"/>
+                <a:sym typeface="+mn-ea"/>
+              </a:rPr>
+              <a:t>ip</a:t>
+            </a:r>
+            <a:r>
+              <a:rPr lang="en-US" sz="1600" dirty="0">
+                <a:solidFill>
+                  <a:schemeClr val="tx1"/>
+                </a:solidFill>
+                <a:latin typeface="Ubuntu Mono" panose="020B0509030602030204" charset="0"/>
+                <a:cs typeface="Ubuntu Mono" panose="020B0509030602030204" charset="0"/>
+                <a:sym typeface="+mn-ea"/>
+              </a:rPr>
+              <a:t> prefix-list </a:t>
+            </a:r>
+            <a:r>
+              <a:rPr lang="en-US" sz="1600" b="1" dirty="0">
+                <a:solidFill>
+                  <a:srgbClr val="2259D6"/>
+                </a:solidFill>
+                <a:latin typeface="Ubuntu Mono" panose="020B0509030602030204" charset="0"/>
+                <a:cs typeface="Ubuntu Mono" panose="020B0509030602030204" charset="0"/>
+                <a:sym typeface="+mn-ea"/>
+              </a:rPr>
+              <a:t>private_ips_1</a:t>
+            </a:r>
+            <a:r>
+              <a:rPr lang="en-US" sz="1600" dirty="0">
+                <a:solidFill>
+                  <a:schemeClr val="tx1"/>
+                </a:solidFill>
+                <a:latin typeface="Ubuntu Mono" panose="020B0509030602030204" charset="0"/>
+                <a:cs typeface="Ubuntu Mono" panose="020B0509030602030204" charset="0"/>
+                <a:sym typeface="+mn-ea"/>
+              </a:rPr>
+              <a:t> seq 5 permit 192.168.0.0/12 </a:t>
+            </a:r>
+            <a:r>
+              <a:rPr lang="en-US" sz="1600" b="1" dirty="0" err="1">
+                <a:solidFill>
+                  <a:schemeClr val="bg1"/>
+                </a:solidFill>
+                <a:highlight>
+                  <a:srgbClr val="0000FF"/>
+                </a:highlight>
+                <a:latin typeface="Ubuntu Mono" panose="020B0509030602030204" charset="0"/>
+                <a:cs typeface="Ubuntu Mono" panose="020B0509030602030204" charset="0"/>
+                <a:sym typeface="+mn-ea"/>
+              </a:rPr>
+              <a:t>ge</a:t>
+            </a:r>
+            <a:r>
+              <a:rPr lang="en-US" sz="1600" b="1" dirty="0">
+                <a:solidFill>
+                  <a:schemeClr val="bg1"/>
+                </a:solidFill>
+                <a:highlight>
+                  <a:srgbClr val="0000FF"/>
+                </a:highlight>
+                <a:latin typeface="Ubuntu Mono" panose="020B0509030602030204" charset="0"/>
+                <a:cs typeface="Ubuntu Mono" panose="020B0509030602030204" charset="0"/>
+                <a:sym typeface="+mn-ea"/>
+              </a:rPr>
+              <a:t> 14</a:t>
+            </a:r>
+            <a:endParaRPr lang="en-US" sz="1600" b="1" dirty="0">
+              <a:solidFill>
+                <a:schemeClr val="bg1"/>
+              </a:solidFill>
+              <a:highlight>
+                <a:srgbClr val="0000FF"/>
+              </a:highlight>
+              <a:latin typeface="Ubuntu Mono" panose="020B0509030602030204" charset="0"/>
+              <a:cs typeface="Ubuntu Mono" panose="020B0509030602030204" charset="0"/>
+              <a:sym typeface="+mn-ea"/>
+            </a:endParaRPr>
+          </a:p>
+        </p:txBody>
+      </p:sp>
+    </p:spTree>
+  </p:cSld>
+  <p:clrMapOvr>
+    <a:masterClrMapping/>
+  </p:clrMapOvr>
+  <p:timing>
+    <p:tnLst>
+      <p:par>
+        <p:cTn id="1" dur="indefinite" restart="never" nodeType="tmRoot"/>
+      </p:par>
+    </p:tnLst>
+  </p:timing>
+</p:sld>
+</file>
+
+<file path=ppt/slides/slide6.xml><?xml version="1.0" encoding="utf-8"?>
+<p:sld xmlns:a="http://schemas.openxmlformats.org/drawingml/2006/main" xmlns:r="http://schemas.openxmlformats.org/officeDocument/2006/relationships" xmlns:p="http://schemas.openxmlformats.org/presentationml/2006/main">
+  <p:cSld>
+    <p:spTree>
+      <p:nvGrpSpPr>
+        <p:cNvPr id="1" name=""/>
+        <p:cNvGrpSpPr/>
+        <p:nvPr/>
+      </p:nvGrpSpPr>
+      <p:grpSpPr>
+        <a:xfrm>
+          <a:off x="0" y="0"/>
+          <a:ext cx="0" cy="0"/>
+          <a:chOff x="0" y="0"/>
+          <a:chExt cx="0" cy="0"/>
+        </a:xfrm>
+      </p:grpSpPr>
+      <p:sp>
+        <p:nvSpPr>
+          <p:cNvPr id="15" name="Text Box 14"/>
+          <p:cNvSpPr txBox="1"/>
+          <p:nvPr/>
+        </p:nvSpPr>
+        <p:spPr>
+          <a:xfrm>
+            <a:off x="379095" y="3336290"/>
+            <a:ext cx="10532110" cy="829945"/>
+          </a:xfrm>
+          <a:prstGeom prst="rect">
+            <a:avLst/>
+          </a:prstGeom>
+          <a:noFill/>
+        </p:spPr>
+        <p:txBody>
+          <a:bodyPr wrap="square" rtlCol="0" anchor="t">
+            <a:spAutoFit/>
+          </a:bodyPr>
+          <a:p>
+            <a:pPr algn="l">
+              <a:lnSpc>
+                <a:spcPct val="120000"/>
+              </a:lnSpc>
+              <a:spcBef>
+                <a:spcPts val="8000"/>
+              </a:spcBef>
+              <a:spcAft>
+                <a:spcPts val="0"/>
+              </a:spcAft>
+            </a:pPr>
+            <a:r>
+              <a:rPr lang="en-US" sz="2000" b="1">
+                <a:solidFill>
+                  <a:schemeClr val="bg1"/>
+                </a:solidFill>
+                <a:highlight>
+                  <a:srgbClr val="FF00FF"/>
+                </a:highlight>
+                <a:latin typeface="Times New Roman" panose="02020603050405020304" charset="0"/>
+                <a:cs typeface="Times New Roman" panose="02020603050405020304" charset="0"/>
+                <a:sym typeface="+mn-ea"/>
+              </a:rPr>
+              <a:t>Empty line-level subspec:</a:t>
+            </a:r>
+            <a:r>
+              <a:rPr lang="en-US" sz="2000" b="1">
+                <a:latin typeface="Times New Roman" panose="02020603050405020304" charset="0"/>
+                <a:cs typeface="Times New Roman" panose="02020603050405020304" charset="0"/>
+                <a:sym typeface="+mn-ea"/>
+              </a:rPr>
+              <a:t> </a:t>
+            </a:r>
+            <a:r>
+              <a:rPr lang="en-US" sz="2000">
+                <a:latin typeface="Times New Roman" panose="02020603050405020304" charset="0"/>
+                <a:cs typeface="Times New Roman" panose="02020603050405020304" charset="0"/>
+                <a:sym typeface="+mn-ea"/>
+              </a:rPr>
+              <a:t>can directly remove that line.</a:t>
+            </a:r>
+            <a:endParaRPr lang="en-US" sz="2000">
+              <a:latin typeface="Times New Roman" panose="02020603050405020304" charset="0"/>
+              <a:cs typeface="Times New Roman" panose="02020603050405020304" charset="0"/>
+              <a:sym typeface="+mn-ea"/>
+            </a:endParaRPr>
+          </a:p>
+          <a:p>
+            <a:pPr algn="l">
+              <a:lnSpc>
+                <a:spcPct val="120000"/>
+              </a:lnSpc>
+              <a:spcBef>
+                <a:spcPts val="0"/>
+              </a:spcBef>
+              <a:spcAft>
+                <a:spcPts val="0"/>
+              </a:spcAft>
+            </a:pPr>
+            <a:r>
+              <a:rPr lang="en-US" sz="2000">
+                <a:latin typeface="Times New Roman" panose="02020603050405020304" charset="0"/>
+                <a:cs typeface="Times New Roman" panose="02020603050405020304" charset="0"/>
+                <a:sym typeface="+mn-ea"/>
+              </a:rPr>
+              <a:t>(or a line contains </a:t>
+            </a:r>
+            <a:r>
+              <a:rPr lang="en-US" sz="2000" b="1">
+                <a:solidFill>
+                  <a:srgbClr val="E01B24"/>
+                </a:solidFill>
+                <a:latin typeface="Times New Roman" panose="02020603050405020304" charset="0"/>
+                <a:cs typeface="Times New Roman" panose="02020603050405020304" charset="0"/>
+                <a:sym typeface="+mn-ea"/>
+              </a:rPr>
+              <a:t>only</a:t>
+            </a:r>
+            <a:r>
+              <a:rPr lang="en-US" sz="2000">
+                <a:solidFill>
+                  <a:srgbClr val="E01B24"/>
+                </a:solidFill>
+                <a:latin typeface="Times New Roman" panose="02020603050405020304" charset="0"/>
+                <a:cs typeface="Times New Roman" panose="02020603050405020304" charset="0"/>
+                <a:sym typeface="+mn-ea"/>
+              </a:rPr>
+              <a:t> </a:t>
+            </a:r>
+            <a:r>
+              <a:rPr lang="en-US" sz="2000" b="1">
+                <a:solidFill>
+                  <a:srgbClr val="E01B24"/>
+                </a:solidFill>
+                <a:latin typeface="Times New Roman" panose="02020603050405020304" charset="0"/>
+                <a:cs typeface="Times New Roman" panose="02020603050405020304" charset="0"/>
+                <a:sym typeface="+mn-ea"/>
+              </a:rPr>
+              <a:t>a single subspec</a:t>
+            </a:r>
+            <a:r>
+              <a:rPr lang="en-US" sz="2000">
+                <a:latin typeface="Times New Roman" panose="02020603050405020304" charset="0"/>
+                <a:cs typeface="Times New Roman" panose="02020603050405020304" charset="0"/>
+                <a:sym typeface="+mn-ea"/>
+              </a:rPr>
+              <a:t> and the subspec is </a:t>
+            </a:r>
+            <a:r>
+              <a:rPr lang="en-US" sz="2000" b="1">
+                <a:solidFill>
+                  <a:schemeClr val="bg1"/>
+                </a:solidFill>
+                <a:highlight>
+                  <a:srgbClr val="0000FF"/>
+                </a:highlight>
+                <a:latin typeface="Times New Roman" panose="02020603050405020304" charset="0"/>
+                <a:cs typeface="Times New Roman" panose="02020603050405020304" charset="0"/>
+                <a:sym typeface="+mn-ea"/>
+              </a:rPr>
+              <a:t>empty field-level subspec</a:t>
+            </a:r>
+            <a:r>
+              <a:rPr lang="en-US" sz="2000">
+                <a:latin typeface="Times New Roman" panose="02020603050405020304" charset="0"/>
+                <a:cs typeface="Times New Roman" panose="02020603050405020304" charset="0"/>
+                <a:sym typeface="+mn-ea"/>
+              </a:rPr>
+              <a:t>)</a:t>
+            </a:r>
+            <a:endParaRPr lang="en-US" sz="2000"/>
+          </a:p>
+        </p:txBody>
+      </p:sp>
+      <p:sp>
+        <p:nvSpPr>
+          <p:cNvPr id="2" name="Title 1"/>
+          <p:cNvSpPr>
+            <a:spLocks noGrp="1"/>
+          </p:cNvSpPr>
+          <p:nvPr>
+            <p:ph type="title"/>
+          </p:nvPr>
+        </p:nvSpPr>
+        <p:spPr>
+          <a:xfrm>
+            <a:off x="379095" y="191770"/>
+            <a:ext cx="11434445" cy="731520"/>
+          </a:xfrm>
+        </p:spPr>
+        <p:txBody>
+          <a:bodyPr/>
+          <a:lstStyle/>
+          <a:p>
+            <a:r>
+              <a:rPr lang="en-US" altLang="zh-CN" dirty="0">
+                <a:solidFill>
+                  <a:schemeClr val="tx1"/>
+                </a:solidFill>
+                <a:effectLst>
+                  <a:outerShdw blurRad="38100" dist="19050" dir="2700000" algn="tl" rotWithShape="0">
+                    <a:schemeClr val="dk1">
+                      <a:alpha val="40000"/>
+                    </a:schemeClr>
+                  </a:outerShdw>
+                </a:effectLst>
+                <a:latin typeface="Noto Mono" panose="020B0609030804020204" charset="0"/>
+                <a:cs typeface="Noto Mono" panose="020B0609030804020204" charset="0"/>
+                <a:sym typeface="+mn-ea"/>
+              </a:rPr>
+              <a:t>How to use </a:t>
+            </a:r>
+            <a:r>
+              <a:rPr lang="en-US" altLang="zh-CN" dirty="0" err="1">
+                <a:solidFill>
+                  <a:schemeClr val="tx1"/>
+                </a:solidFill>
+                <a:effectLst>
+                  <a:outerShdw blurRad="38100" dist="19050" dir="2700000" algn="tl" rotWithShape="0">
+                    <a:schemeClr val="dk1">
+                      <a:alpha val="40000"/>
+                    </a:schemeClr>
+                  </a:outerShdw>
+                </a:effectLst>
+                <a:latin typeface="Noto Mono" panose="020B0609030804020204" charset="0"/>
+                <a:cs typeface="Noto Mono" panose="020B0609030804020204" charset="0"/>
+                <a:sym typeface="+mn-ea"/>
+              </a:rPr>
+              <a:t>subspec</a:t>
+            </a:r>
+            <a:endParaRPr lang="en-US" altLang="zh-CN" dirty="0">
+              <a:solidFill>
+                <a:schemeClr val="tx1"/>
+              </a:solidFill>
+              <a:effectLst>
+                <a:outerShdw blurRad="38100" dist="19050" dir="2700000" algn="tl" rotWithShape="0">
+                  <a:schemeClr val="dk1">
+                    <a:alpha val="40000"/>
+                  </a:schemeClr>
+                </a:outerShdw>
+              </a:effectLst>
+              <a:latin typeface="Noto Mono" panose="020B0609030804020204" charset="0"/>
+              <a:cs typeface="Noto Mono" panose="020B0609030804020204" charset="0"/>
+              <a:sym typeface="+mn-ea"/>
+            </a:endParaRPr>
+          </a:p>
+        </p:txBody>
+      </p:sp>
+      <p:sp>
+        <p:nvSpPr>
+          <p:cNvPr id="5" name="Text Box 4"/>
+          <p:cNvSpPr txBox="1"/>
+          <p:nvPr/>
+        </p:nvSpPr>
+        <p:spPr>
+          <a:xfrm>
+            <a:off x="379095" y="1131570"/>
+            <a:ext cx="11735435" cy="460375"/>
+          </a:xfrm>
+          <a:prstGeom prst="rect">
+            <a:avLst/>
+          </a:prstGeom>
+          <a:noFill/>
+        </p:spPr>
+        <p:txBody>
+          <a:bodyPr wrap="square" rtlCol="0">
+            <a:spAutoFit/>
+          </a:bodyPr>
+          <a:lstStyle/>
+          <a:p>
+            <a:pPr algn="l">
+              <a:lnSpc>
+                <a:spcPct val="120000"/>
+              </a:lnSpc>
+              <a:spcBef>
+                <a:spcPts val="0"/>
+              </a:spcBef>
+              <a:spcAft>
+                <a:spcPts val="0"/>
+              </a:spcAft>
+            </a:pPr>
+            <a:r>
+              <a:rPr lang="en-US" sz="2000" b="1" dirty="0">
+                <a:solidFill>
+                  <a:schemeClr val="bg1"/>
+                </a:solidFill>
+                <a:highlight>
+                  <a:srgbClr val="0000FF"/>
+                </a:highlight>
+                <a:latin typeface="Times New Roman" panose="02020603050405020304" charset="0"/>
+                <a:cs typeface="Times New Roman" panose="02020603050405020304" charset="0"/>
+                <a:sym typeface="+mn-ea"/>
+              </a:rPr>
+              <a:t>Empty </a:t>
+            </a:r>
+            <a:r>
+              <a:rPr lang="en-US" sz="2000" b="1" dirty="0" err="1">
+                <a:solidFill>
+                  <a:schemeClr val="bg1"/>
+                </a:solidFill>
+                <a:highlight>
+                  <a:srgbClr val="0000FF"/>
+                </a:highlight>
+                <a:latin typeface="Times New Roman" panose="02020603050405020304" charset="0"/>
+                <a:cs typeface="Times New Roman" panose="02020603050405020304" charset="0"/>
+                <a:sym typeface="+mn-ea"/>
+              </a:rPr>
+              <a:t>subspec</a:t>
+            </a:r>
+            <a:r>
+              <a:rPr lang="en-US" sz="2000" b="1" dirty="0">
+                <a:solidFill>
+                  <a:schemeClr val="bg1"/>
+                </a:solidFill>
+                <a:highlight>
+                  <a:srgbClr val="0000FF"/>
+                </a:highlight>
+                <a:latin typeface="Times New Roman" panose="02020603050405020304" charset="0"/>
+                <a:cs typeface="Times New Roman" panose="02020603050405020304" charset="0"/>
+                <a:sym typeface="+mn-ea"/>
+              </a:rPr>
+              <a:t>:</a:t>
+            </a:r>
+            <a:r>
+              <a:rPr lang="en-US" sz="2000" dirty="0">
+                <a:latin typeface="Times New Roman" panose="02020603050405020304" charset="0"/>
+                <a:cs typeface="Times New Roman" panose="02020603050405020304" charset="0"/>
+                <a:sym typeface="+mn-ea"/>
+              </a:rPr>
+              <a:t> can modify to anything.</a:t>
+            </a:r>
+            <a:endParaRPr lang="en-US" sz="2000" dirty="0">
+              <a:latin typeface="Times New Roman" panose="02020603050405020304" charset="0"/>
+              <a:cs typeface="Times New Roman" panose="02020603050405020304" charset="0"/>
+              <a:sym typeface="+mn-ea"/>
+            </a:endParaRPr>
+          </a:p>
+        </p:txBody>
+      </p:sp>
+      <p:sp>
+        <p:nvSpPr>
+          <p:cNvPr id="18" name="Rounded Rectangular Callout 17"/>
+          <p:cNvSpPr/>
+          <p:nvPr/>
+        </p:nvSpPr>
+        <p:spPr>
+          <a:xfrm>
+            <a:off x="8442960" y="1101090"/>
+            <a:ext cx="1233805" cy="617220"/>
+          </a:xfrm>
+          <a:prstGeom prst="wedgeRoundRectCallout">
+            <a:avLst>
+              <a:gd name="adj1" fmla="val -20149"/>
+              <a:gd name="adj2" fmla="val 68827"/>
+              <a:gd name="adj3" fmla="val 16667"/>
+            </a:avLst>
+          </a:prstGeom>
+          <a:solidFill>
+            <a:schemeClr val="bg1">
+              <a:lumMod val="95000"/>
+            </a:schemeClr>
+          </a:solidFill>
+          <a:ln>
+            <a:solidFill>
+              <a:srgbClr val="0000FF"/>
+            </a:solidFill>
+          </a:ln>
+        </p:spPr>
+        <p:style>
+          <a:lnRef idx="2">
+            <a:schemeClr val="accent1">
+              <a:shade val="50000"/>
+            </a:schemeClr>
+          </a:lnRef>
+          <a:fillRef idx="1">
+            <a:schemeClr val="accent1"/>
+          </a:fillRef>
+          <a:effectRef idx="0">
+            <a:schemeClr val="accent1"/>
+          </a:effectRef>
+          <a:fontRef idx="minor">
+            <a:schemeClr val="lt1"/>
+          </a:fontRef>
+        </p:style>
+        <p:txBody>
+          <a:bodyPr rtlCol="0" anchor="ctr"/>
+          <a:p>
+            <a:pPr algn="ctr" fontAlgn="auto">
+              <a:spcAft>
+                <a:spcPts val="300"/>
+              </a:spcAft>
+            </a:pPr>
+            <a:r>
+              <a:rPr lang="en-US" sz="1400">
+                <a:solidFill>
+                  <a:schemeClr val="tx1"/>
+                </a:solidFill>
+                <a:latin typeface="Ubuntu Mono" panose="020B0509030602030204" charset="0"/>
+                <a:cs typeface="Ubuntu Mono" panose="020B0509030602030204" charset="0"/>
+              </a:rPr>
+              <a:t>empty</a:t>
+            </a:r>
+            <a:endParaRPr lang="en-US" sz="1400">
+              <a:solidFill>
+                <a:schemeClr val="tx1"/>
+              </a:solidFill>
+              <a:latin typeface="Ubuntu Mono" panose="020B0509030602030204" charset="0"/>
+              <a:cs typeface="Ubuntu Mono" panose="020B0509030602030204" charset="0"/>
+            </a:endParaRPr>
+          </a:p>
+        </p:txBody>
+      </p:sp>
+      <p:sp>
+        <p:nvSpPr>
+          <p:cNvPr id="4" name="Rectangles 3"/>
+          <p:cNvSpPr/>
+          <p:nvPr/>
+        </p:nvSpPr>
+        <p:spPr>
+          <a:xfrm>
+            <a:off x="2231059" y="1964418"/>
+            <a:ext cx="6972935" cy="594360"/>
+          </a:xfrm>
+          <a:prstGeom prst="rect">
+            <a:avLst/>
+          </a:prstGeom>
+          <a:noFill/>
+          <a:ln w="9525">
+            <a:solidFill>
+              <a:schemeClr val="bg1">
+                <a:lumMod val="50000"/>
+              </a:schemeClr>
+            </a:solidFill>
+          </a:ln>
+        </p:spPr>
+        <p:style>
+          <a:lnRef idx="2">
+            <a:schemeClr val="accent1">
+              <a:shade val="50000"/>
+            </a:schemeClr>
+          </a:lnRef>
+          <a:fillRef idx="1">
+            <a:schemeClr val="accent1"/>
+          </a:fillRef>
+          <a:effectRef idx="0">
+            <a:schemeClr val="accent1"/>
+          </a:effectRef>
+          <a:fontRef idx="minor">
+            <a:schemeClr val="lt1"/>
+          </a:fontRef>
+        </p:style>
+        <p:txBody>
+          <a:bodyPr rtlCol="0" anchor="ctr"/>
+          <a:p>
+            <a:pPr algn="l"/>
+            <a:r>
+              <a:rPr lang="en-US" sz="1600" dirty="0">
+                <a:solidFill>
+                  <a:schemeClr val="bg1">
+                    <a:lumMod val="50000"/>
+                  </a:schemeClr>
+                </a:solidFill>
+                <a:latin typeface="Ubuntu Mono" panose="020B0509030602030204" charset="0"/>
+                <a:cs typeface="Ubuntu Mono" panose="020B0509030602030204" charset="0"/>
+                <a:sym typeface="+mn-ea"/>
+              </a:rPr>
+              <a:t>1</a:t>
+            </a:r>
+            <a:r>
+              <a:rPr lang="en-US" sz="1600" dirty="0">
+                <a:solidFill>
+                  <a:schemeClr val="tx1"/>
+                </a:solidFill>
+                <a:latin typeface="Ubuntu Mono" panose="020B0509030602030204" charset="0"/>
+                <a:cs typeface="Ubuntu Mono" panose="020B0509030602030204" charset="0"/>
+                <a:sym typeface="+mn-ea"/>
+              </a:rPr>
+              <a:t>  </a:t>
+            </a:r>
+            <a:r>
+              <a:rPr lang="en-US" sz="1600" dirty="0" err="1">
+                <a:solidFill>
+                  <a:schemeClr val="tx1"/>
+                </a:solidFill>
+                <a:latin typeface="Ubuntu Mono" panose="020B0509030602030204" charset="0"/>
+                <a:cs typeface="Ubuntu Mono" panose="020B0509030602030204" charset="0"/>
+                <a:sym typeface="+mn-ea"/>
+              </a:rPr>
+              <a:t>ip</a:t>
+            </a:r>
+            <a:r>
+              <a:rPr lang="en-US" sz="1600" dirty="0">
+                <a:solidFill>
+                  <a:schemeClr val="tx1"/>
+                </a:solidFill>
+                <a:latin typeface="Ubuntu Mono" panose="020B0509030602030204" charset="0"/>
+                <a:cs typeface="Ubuntu Mono" panose="020B0509030602030204" charset="0"/>
+                <a:sym typeface="+mn-ea"/>
+              </a:rPr>
+              <a:t> prefix-list </a:t>
+            </a:r>
+            <a:r>
+              <a:rPr lang="en-US" sz="1600" b="1" dirty="0">
+                <a:solidFill>
+                  <a:srgbClr val="2259D6"/>
+                </a:solidFill>
+                <a:latin typeface="Ubuntu Mono" panose="020B0509030602030204" charset="0"/>
+                <a:cs typeface="Ubuntu Mono" panose="020B0509030602030204" charset="0"/>
+                <a:sym typeface="+mn-ea"/>
+              </a:rPr>
+              <a:t>private_ips_1</a:t>
+            </a:r>
+            <a:r>
+              <a:rPr lang="en-US" sz="1600" dirty="0">
+                <a:solidFill>
+                  <a:schemeClr val="tx1"/>
+                </a:solidFill>
+                <a:latin typeface="Ubuntu Mono" panose="020B0509030602030204" charset="0"/>
+                <a:cs typeface="Ubuntu Mono" panose="020B0509030602030204" charset="0"/>
+                <a:sym typeface="+mn-ea"/>
+              </a:rPr>
+              <a:t> seq 5 permit 192.168.0.0/12 </a:t>
+            </a:r>
+            <a:r>
+              <a:rPr lang="en-US" sz="1600" b="1" dirty="0" err="1">
+                <a:solidFill>
+                  <a:schemeClr val="bg1"/>
+                </a:solidFill>
+                <a:highlight>
+                  <a:srgbClr val="0000FF"/>
+                </a:highlight>
+                <a:latin typeface="Ubuntu Mono" panose="020B0509030602030204" charset="0"/>
+                <a:cs typeface="Ubuntu Mono" panose="020B0509030602030204" charset="0"/>
+                <a:sym typeface="+mn-ea"/>
+              </a:rPr>
+              <a:t>ge</a:t>
+            </a:r>
+            <a:r>
+              <a:rPr lang="en-US" sz="1600" b="1" dirty="0">
+                <a:solidFill>
+                  <a:schemeClr val="bg1"/>
+                </a:solidFill>
+                <a:highlight>
+                  <a:srgbClr val="0000FF"/>
+                </a:highlight>
+                <a:latin typeface="Ubuntu Mono" panose="020B0509030602030204" charset="0"/>
+                <a:cs typeface="Ubuntu Mono" panose="020B0509030602030204" charset="0"/>
+                <a:sym typeface="+mn-ea"/>
+              </a:rPr>
+              <a:t> 14</a:t>
+            </a:r>
+            <a:endParaRPr lang="en-US" sz="1600" b="1" dirty="0">
+              <a:solidFill>
+                <a:schemeClr val="bg1"/>
+              </a:solidFill>
+              <a:highlight>
+                <a:srgbClr val="0000FF"/>
+              </a:highlight>
+              <a:latin typeface="Ubuntu Mono" panose="020B0509030602030204" charset="0"/>
+              <a:cs typeface="Ubuntu Mono" panose="020B0509030602030204" charset="0"/>
+              <a:sym typeface="+mn-ea"/>
+            </a:endParaRPr>
+          </a:p>
+        </p:txBody>
+      </p:sp>
+      <p:sp>
+        <p:nvSpPr>
+          <p:cNvPr id="10" name="Rectangles 16"/>
+          <p:cNvSpPr/>
+          <p:nvPr/>
+        </p:nvSpPr>
+        <p:spPr>
+          <a:xfrm>
+            <a:off x="2230755" y="5283835"/>
+            <a:ext cx="6972935" cy="594360"/>
+          </a:xfrm>
+          <a:prstGeom prst="rect">
+            <a:avLst/>
+          </a:prstGeom>
+          <a:noFill/>
+          <a:ln w="9525">
+            <a:solidFill>
+              <a:schemeClr val="bg1">
+                <a:lumMod val="50000"/>
+              </a:schemeClr>
+            </a:solidFill>
+          </a:ln>
+        </p:spPr>
+        <p:style>
+          <a:lnRef idx="2">
+            <a:schemeClr val="accent1">
+              <a:shade val="50000"/>
+            </a:schemeClr>
+          </a:lnRef>
+          <a:fillRef idx="1">
+            <a:schemeClr val="accent1"/>
+          </a:fillRef>
+          <a:effectRef idx="0">
+            <a:schemeClr val="accent1"/>
+          </a:effectRef>
+          <a:fontRef idx="minor">
+            <a:schemeClr val="lt1"/>
+          </a:fontRef>
+        </p:style>
+        <p:txBody>
+          <a:bodyPr rtlCol="0" anchor="ctr"/>
+          <a:p>
+            <a:pPr algn="l"/>
+            <a:r>
+              <a:rPr lang="en-US" sz="1600" dirty="0">
+                <a:solidFill>
+                  <a:schemeClr val="bg1">
+                    <a:lumMod val="50000"/>
+                  </a:schemeClr>
+                </a:solidFill>
+                <a:latin typeface="Ubuntu Mono" panose="020B0509030602030204" charset="0"/>
+                <a:cs typeface="Ubuntu Mono" panose="020B0509030602030204" charset="0"/>
+                <a:sym typeface="+mn-ea"/>
+              </a:rPr>
+              <a:t>1</a:t>
+            </a:r>
+            <a:r>
+              <a:rPr lang="en-US" sz="1600" dirty="0">
+                <a:solidFill>
+                  <a:schemeClr val="tx1"/>
+                </a:solidFill>
+                <a:latin typeface="Ubuntu Mono" panose="020B0509030602030204" charset="0"/>
+                <a:cs typeface="Ubuntu Mono" panose="020B0509030602030204" charset="0"/>
+                <a:sym typeface="+mn-ea"/>
+              </a:rPr>
+              <a:t>  </a:t>
+            </a:r>
+            <a:r>
+              <a:rPr lang="en-US" sz="1600" b="1" dirty="0" err="1">
+                <a:solidFill>
+                  <a:schemeClr val="bg1"/>
+                </a:solidFill>
+                <a:highlight>
+                  <a:srgbClr val="FF00FF"/>
+                </a:highlight>
+                <a:latin typeface="Ubuntu Mono" panose="020B0509030602030204" charset="0"/>
+                <a:cs typeface="Ubuntu Mono" panose="020B0509030602030204" charset="0"/>
+                <a:sym typeface="+mn-ea"/>
+              </a:rPr>
+              <a:t>ip</a:t>
+            </a:r>
+            <a:r>
+              <a:rPr lang="en-US" sz="1600" b="1" dirty="0">
+                <a:solidFill>
+                  <a:schemeClr val="bg1"/>
+                </a:solidFill>
+                <a:highlight>
+                  <a:srgbClr val="FF00FF"/>
+                </a:highlight>
+                <a:latin typeface="Ubuntu Mono" panose="020B0509030602030204" charset="0"/>
+                <a:cs typeface="Ubuntu Mono" panose="020B0509030602030204" charset="0"/>
+                <a:sym typeface="+mn-ea"/>
+              </a:rPr>
+              <a:t> prefix-list</a:t>
+            </a:r>
+            <a:r>
+              <a:rPr lang="en-US" sz="1600" dirty="0">
+                <a:solidFill>
+                  <a:schemeClr val="tx1"/>
+                </a:solidFill>
+                <a:latin typeface="Ubuntu Mono" panose="020B0509030602030204" charset="0"/>
+                <a:cs typeface="Ubuntu Mono" panose="020B0509030602030204" charset="0"/>
+                <a:sym typeface="+mn-ea"/>
+              </a:rPr>
+              <a:t> </a:t>
+            </a:r>
+            <a:r>
+              <a:rPr lang="en-US" sz="1600" b="1" dirty="0">
+                <a:solidFill>
+                  <a:srgbClr val="2259D6"/>
+                </a:solidFill>
+                <a:latin typeface="Ubuntu Mono" panose="020B0509030602030204" charset="0"/>
+                <a:cs typeface="Ubuntu Mono" panose="020B0509030602030204" charset="0"/>
+                <a:sym typeface="+mn-ea"/>
+              </a:rPr>
+              <a:t>private_ips_1</a:t>
+            </a:r>
+            <a:r>
+              <a:rPr lang="en-US" sz="1600" dirty="0">
+                <a:solidFill>
+                  <a:schemeClr val="tx1"/>
+                </a:solidFill>
+                <a:latin typeface="Ubuntu Mono" panose="020B0509030602030204" charset="0"/>
+                <a:cs typeface="Ubuntu Mono" panose="020B0509030602030204" charset="0"/>
+                <a:sym typeface="+mn-ea"/>
+              </a:rPr>
+              <a:t> seq 5 permit 192.168.0.0/12 </a:t>
+            </a:r>
+            <a:r>
+              <a:rPr lang="en-US" sz="1600" dirty="0" err="1">
+                <a:solidFill>
+                  <a:schemeClr val="tx1"/>
+                </a:solidFill>
+                <a:latin typeface="Ubuntu Mono" panose="020B0509030602030204" charset="0"/>
+                <a:cs typeface="Ubuntu Mono" panose="020B0509030602030204" charset="0"/>
+                <a:sym typeface="+mn-ea"/>
+              </a:rPr>
+              <a:t>ge 12</a:t>
+            </a:r>
+            <a:endParaRPr lang="en-US" sz="1600" dirty="0">
+              <a:solidFill>
+                <a:schemeClr val="tx1"/>
+              </a:solidFill>
+              <a:latin typeface="Ubuntu Mono" panose="020B0509030602030204" charset="0"/>
+              <a:cs typeface="Ubuntu Mono" panose="020B0509030602030204" charset="0"/>
+              <a:sym typeface="+mn-ea"/>
+            </a:endParaRPr>
+          </a:p>
+        </p:txBody>
+      </p:sp>
+      <p:pic>
+        <p:nvPicPr>
+          <p:cNvPr id="14" name="Graphic 5" descr="Checkmark with solid fill"/>
+          <p:cNvPicPr>
+            <a:picLocks noChangeAspect="1"/>
+          </p:cNvPicPr>
+          <p:nvPr/>
+        </p:nvPicPr>
+        <p:blipFill>
+          <a:blip r:embed="rId1">
+            <a:extLst>
+              <a:ext uri="{28A0092B-C50C-407E-A947-70E740481C1C}">
+                <a14:useLocalDpi xmlns:a14="http://schemas.microsoft.com/office/drawing/2010/main" val="0"/>
+              </a:ext>
+              <a:ext uri="{96DAC541-7B7A-43D3-8B79-37D633B846F1}">
+                <asvg:svgBlip xmlns:asvg="http://schemas.microsoft.com/office/drawing/2016/SVG/main" r:embed="rId2"/>
+              </a:ext>
+            </a:extLst>
+          </a:blip>
+          <a:stretch>
+            <a:fillRect/>
+          </a:stretch>
+        </p:blipFill>
+        <p:spPr>
+          <a:xfrm>
+            <a:off x="9782120" y="1804848"/>
+            <a:ext cx="914400" cy="914400"/>
+          </a:xfrm>
+          <a:prstGeom prst="rect">
+            <a:avLst/>
+          </a:prstGeom>
+        </p:spPr>
+      </p:pic>
+      <p:sp>
+        <p:nvSpPr>
+          <p:cNvPr id="21" name="Rounded Rectangular Callout 20"/>
+          <p:cNvSpPr/>
+          <p:nvPr/>
+        </p:nvSpPr>
+        <p:spPr>
+          <a:xfrm>
+            <a:off x="1625600" y="4419600"/>
+            <a:ext cx="2246630" cy="643890"/>
+          </a:xfrm>
+          <a:prstGeom prst="wedgeRoundRectCallout">
+            <a:avLst>
+              <a:gd name="adj1" fmla="val 21396"/>
+              <a:gd name="adj2" fmla="val 68244"/>
+              <a:gd name="adj3" fmla="val 16667"/>
+            </a:avLst>
+          </a:prstGeom>
+          <a:solidFill>
+            <a:schemeClr val="bg1">
+              <a:lumMod val="95000"/>
+            </a:schemeClr>
+          </a:solidFill>
+          <a:ln>
+            <a:solidFill>
+              <a:srgbClr val="FF00FF"/>
+            </a:solidFill>
+          </a:ln>
+        </p:spPr>
+        <p:style>
+          <a:lnRef idx="2">
+            <a:schemeClr val="accent1">
+              <a:shade val="50000"/>
+            </a:schemeClr>
+          </a:lnRef>
+          <a:fillRef idx="1">
+            <a:schemeClr val="accent1"/>
+          </a:fillRef>
+          <a:effectRef idx="0">
+            <a:schemeClr val="accent1"/>
+          </a:effectRef>
+          <a:fontRef idx="minor">
+            <a:schemeClr val="lt1"/>
+          </a:fontRef>
+        </p:style>
+        <p:txBody>
+          <a:bodyPr rtlCol="0" anchor="ctr"/>
+          <a:p>
+            <a:pPr algn="ctr">
+              <a:lnSpc>
+                <a:spcPct val="100000"/>
+              </a:lnSpc>
+              <a:spcBef>
+                <a:spcPts val="0"/>
+              </a:spcBef>
+              <a:spcAft>
+                <a:spcPts val="300"/>
+              </a:spcAft>
+            </a:pPr>
+            <a:r>
+              <a:rPr lang="en-US" sz="1400">
+                <a:solidFill>
+                  <a:schemeClr val="tx1"/>
+                </a:solidFill>
+                <a:latin typeface="Ubuntu Mono" panose="020B0509030602030204" charset="0"/>
+                <a:cs typeface="Ubuntu Mono" panose="020B0509030602030204" charset="0"/>
+              </a:rPr>
+              <a:t>empty</a:t>
+            </a:r>
+            <a:endParaRPr lang="en-US" sz="1400">
+              <a:solidFill>
+                <a:schemeClr val="tx1"/>
+              </a:solidFill>
+              <a:latin typeface="Ubuntu Mono" panose="020B0509030602030204" charset="0"/>
+              <a:cs typeface="Ubuntu Mono" panose="020B0509030602030204" charset="0"/>
+            </a:endParaRPr>
+          </a:p>
+        </p:txBody>
+      </p:sp>
+      <p:cxnSp>
+        <p:nvCxnSpPr>
+          <p:cNvPr id="16" name="Straight Connector 15"/>
+          <p:cNvCxnSpPr/>
+          <p:nvPr/>
+        </p:nvCxnSpPr>
+        <p:spPr>
+          <a:xfrm flipV="1">
+            <a:off x="2613025" y="5580380"/>
+            <a:ext cx="6289675" cy="1270"/>
+          </a:xfrm>
+          <a:prstGeom prst="line">
+            <a:avLst/>
+          </a:prstGeom>
+          <a:ln w="15875" cmpd="sng">
+            <a:solidFill>
+              <a:schemeClr val="tx1"/>
+            </a:solidFill>
+            <a:prstDash val="solid"/>
+          </a:ln>
+        </p:spPr>
+        <p:style>
+          <a:lnRef idx="1">
+            <a:schemeClr val="accent1"/>
+          </a:lnRef>
+          <a:fillRef idx="0">
+            <a:schemeClr val="accent1"/>
+          </a:fillRef>
+          <a:effectRef idx="0">
+            <a:schemeClr val="accent1"/>
+          </a:effectRef>
+          <a:fontRef idx="minor">
+            <a:schemeClr val="tx1"/>
+          </a:fontRef>
+        </p:style>
+      </p:cxnSp>
+      <p:pic>
+        <p:nvPicPr>
+          <p:cNvPr id="19" name="Graphic 5" descr="Checkmark with solid fill"/>
+          <p:cNvPicPr>
+            <a:picLocks noChangeAspect="1"/>
+          </p:cNvPicPr>
+          <p:nvPr/>
+        </p:nvPicPr>
+        <p:blipFill>
+          <a:blip r:embed="rId1">
+            <a:extLst>
+              <a:ext uri="{28A0092B-C50C-407E-A947-70E740481C1C}">
+                <a14:useLocalDpi xmlns:a14="http://schemas.microsoft.com/office/drawing/2010/main" val="0"/>
+              </a:ext>
+              <a:ext uri="{96DAC541-7B7A-43D3-8B79-37D633B846F1}">
+                <asvg:svgBlip xmlns:asvg="http://schemas.microsoft.com/office/drawing/2016/SVG/main" r:embed="rId2"/>
+              </a:ext>
+            </a:extLst>
+          </a:blip>
+          <a:stretch>
+            <a:fillRect/>
+          </a:stretch>
+        </p:blipFill>
+        <p:spPr>
+          <a:xfrm>
+            <a:off x="9782120" y="5123993"/>
+            <a:ext cx="914400" cy="914400"/>
+          </a:xfrm>
+          <a:prstGeom prst="rect">
+            <a:avLst/>
+          </a:prstGeom>
+        </p:spPr>
+      </p:pic>
+    </p:spTree>
+  </p:cSld>
+  <p:clrMapOvr>
+    <a:masterClrMapping/>
+  </p:clrMapOvr>
+  <p:timing>
+    <p:tnLst>
+      <p:par>
+        <p:cTn id="1" dur="indefinite" restart="never" nodeType="tmRoot"/>
+      </p:par>
+    </p:tnLst>
+  </p:timing>
+</p:sld>
+</file>
+
+<file path=ppt/slides/slide7.xml><?xml version="1.0" encoding="utf-8"?>
+<p:sld xmlns:a="http://schemas.openxmlformats.org/drawingml/2006/main" xmlns:r="http://schemas.openxmlformats.org/officeDocument/2006/relationships" xmlns:p="http://schemas.openxmlformats.org/presentationml/2006/main">
+  <p:cSld>
+    <p:spTree>
+      <p:nvGrpSpPr>
+        <p:cNvPr id="1" name=""/>
+        <p:cNvGrpSpPr/>
+        <p:nvPr/>
+      </p:nvGrpSpPr>
+      <p:grpSpPr>
+        <a:xfrm>
+          <a:off x="0" y="0"/>
+          <a:ext cx="0" cy="0"/>
+          <a:chOff x="0" y="0"/>
+          <a:chExt cx="0" cy="0"/>
+        </a:xfrm>
+      </p:grpSpPr>
+      <p:sp>
+        <p:nvSpPr>
+          <p:cNvPr id="2" name="Title 1"/>
+          <p:cNvSpPr>
+            <a:spLocks noGrp="1"/>
+          </p:cNvSpPr>
+          <p:nvPr>
+            <p:ph type="title"/>
+          </p:nvPr>
+        </p:nvSpPr>
+        <p:spPr>
+          <a:xfrm>
+            <a:off x="379095" y="191770"/>
+            <a:ext cx="11434445" cy="731520"/>
+          </a:xfrm>
+        </p:spPr>
+        <p:txBody>
+          <a:bodyPr/>
+          <a:lstStyle/>
+          <a:p>
+            <a:r>
+              <a:rPr lang="en-US" altLang="zh-CN">
+                <a:solidFill>
+                  <a:schemeClr val="tx1"/>
+                </a:solidFill>
+                <a:effectLst>
+                  <a:outerShdw blurRad="38100" dist="19050" dir="2700000" algn="tl" rotWithShape="0">
+                    <a:schemeClr val="dk1">
+                      <a:alpha val="40000"/>
+                    </a:schemeClr>
+                  </a:outerShdw>
+                </a:effectLst>
+                <a:latin typeface="Noto Mono" panose="020B0609030804020204" charset="0"/>
+                <a:cs typeface="Noto Mono" panose="020B0609030804020204" charset="0"/>
+                <a:sym typeface="+mn-ea"/>
+              </a:rPr>
+              <a:t>Tips for User Study</a:t>
+            </a:r>
+            <a:endParaRPr lang="en-US" altLang="zh-CN">
+              <a:solidFill>
+                <a:schemeClr val="tx1"/>
+              </a:solidFill>
+              <a:effectLst>
+                <a:outerShdw blurRad="38100" dist="19050" dir="2700000" algn="tl" rotWithShape="0">
+                  <a:schemeClr val="dk1">
+                    <a:alpha val="40000"/>
+                  </a:schemeClr>
+                </a:outerShdw>
+              </a:effectLst>
+              <a:latin typeface="Noto Mono" panose="020B0609030804020204" charset="0"/>
+              <a:cs typeface="Noto Mono" panose="020B0609030804020204" charset="0"/>
+              <a:sym typeface="+mn-ea"/>
+            </a:endParaRPr>
+          </a:p>
+        </p:txBody>
+      </p:sp>
+      <p:sp>
+        <p:nvSpPr>
+          <p:cNvPr id="5" name="Text Box 4"/>
+          <p:cNvSpPr txBox="1"/>
+          <p:nvPr/>
+        </p:nvSpPr>
+        <p:spPr>
+          <a:xfrm>
+            <a:off x="379095" y="1180465"/>
+            <a:ext cx="11735435" cy="1681480"/>
+          </a:xfrm>
+          <a:prstGeom prst="rect">
+            <a:avLst/>
+          </a:prstGeom>
+          <a:noFill/>
+        </p:spPr>
+        <p:txBody>
+          <a:bodyPr wrap="square" rtlCol="0">
+            <a:spAutoFit/>
+          </a:bodyPr>
+          <a:lstStyle/>
+          <a:p>
+            <a:pPr algn="l">
+              <a:lnSpc>
+                <a:spcPct val="100000"/>
+              </a:lnSpc>
+              <a:spcBef>
+                <a:spcPts val="0"/>
+              </a:spcBef>
+              <a:spcAft>
+                <a:spcPts val="600"/>
+              </a:spcAft>
+            </a:pPr>
+            <a:r>
+              <a:rPr lang="en-US" sz="2000">
+                <a:latin typeface="Times New Roman" panose="02020603050405020304" charset="0"/>
+                <a:cs typeface="Times New Roman" panose="02020603050405020304" charset="0"/>
+                <a:sym typeface="+mn-ea"/>
+              </a:rPr>
+              <a:t>1. In this user study, we consider two granularities: </a:t>
+            </a:r>
+            <a:r>
+              <a:rPr lang="en-US" sz="2000" b="1">
+                <a:latin typeface="Times New Roman" panose="02020603050405020304" charset="0"/>
+                <a:cs typeface="Times New Roman" panose="02020603050405020304" charset="0"/>
+                <a:sym typeface="+mn-ea"/>
+              </a:rPr>
+              <a:t>field-level</a:t>
+            </a:r>
+            <a:r>
+              <a:rPr lang="en-US" sz="2000">
+                <a:latin typeface="Times New Roman" panose="02020603050405020304" charset="0"/>
+                <a:cs typeface="Times New Roman" panose="02020603050405020304" charset="0"/>
+                <a:sym typeface="+mn-ea"/>
+              </a:rPr>
+              <a:t> and </a:t>
+            </a:r>
+            <a:r>
+              <a:rPr lang="en-US" sz="2000" b="1">
+                <a:latin typeface="Times New Roman" panose="02020603050405020304" charset="0"/>
+                <a:cs typeface="Times New Roman" panose="02020603050405020304" charset="0"/>
+                <a:sym typeface="+mn-ea"/>
+              </a:rPr>
+              <a:t>line-level</a:t>
+            </a:r>
+            <a:r>
+              <a:rPr lang="en-US" sz="2000">
+                <a:latin typeface="Times New Roman" panose="02020603050405020304" charset="0"/>
+                <a:cs typeface="Times New Roman" panose="02020603050405020304" charset="0"/>
+                <a:sym typeface="+mn-ea"/>
+              </a:rPr>
+              <a:t> subspecs.</a:t>
+            </a:r>
+            <a:endParaRPr lang="en-US" sz="2000" i="1" dirty="0">
+              <a:latin typeface="Times New Roman" panose="02020603050405020304" charset="0"/>
+              <a:cs typeface="Times New Roman" panose="02020603050405020304" charset="0"/>
+            </a:endParaRPr>
+          </a:p>
+          <a:p>
+            <a:pPr algn="l">
+              <a:lnSpc>
+                <a:spcPct val="100000"/>
+              </a:lnSpc>
+              <a:spcBef>
+                <a:spcPts val="2000"/>
+              </a:spcBef>
+              <a:spcAft>
+                <a:spcPts val="600"/>
+              </a:spcAft>
+            </a:pPr>
+            <a:r>
+              <a:rPr lang="en-US" sz="2000" dirty="0">
+                <a:latin typeface="Times New Roman" panose="02020603050405020304" charset="0"/>
+                <a:cs typeface="Times New Roman" panose="02020603050405020304" charset="0"/>
+                <a:sym typeface="+mn-ea"/>
+              </a:rPr>
+              <a:t>2. I</a:t>
+            </a:r>
+            <a:r>
+              <a:rPr lang="en-US" sz="2000">
+                <a:latin typeface="Times New Roman" panose="02020603050405020304" charset="0"/>
+                <a:cs typeface="Times New Roman" panose="02020603050405020304" charset="0"/>
+                <a:sym typeface="+mn-ea"/>
+              </a:rPr>
+              <a:t>n this user study, the eBGP route selection process </a:t>
+            </a:r>
+            <a:r>
+              <a:rPr lang="en-US" sz="2000">
+                <a:solidFill>
+                  <a:schemeClr val="tx1"/>
+                </a:solidFill>
+                <a:latin typeface="Times New Roman" panose="02020603050405020304" charset="0"/>
+                <a:cs typeface="Times New Roman" panose="02020603050405020304" charset="0"/>
+                <a:sym typeface="+mn-ea"/>
+              </a:rPr>
+              <a:t>only</a:t>
+            </a:r>
+            <a:r>
+              <a:rPr lang="en-US" sz="2000">
+                <a:latin typeface="Times New Roman" panose="02020603050405020304" charset="0"/>
+                <a:cs typeface="Times New Roman" panose="02020603050405020304" charset="0"/>
+                <a:sym typeface="+mn-ea"/>
+              </a:rPr>
+              <a:t> involves </a:t>
+            </a:r>
+            <a:r>
+              <a:rPr lang="en-US" sz="2000" b="1">
+                <a:latin typeface="Times New Roman" panose="02020603050405020304" charset="0"/>
+                <a:cs typeface="Times New Roman" panose="02020603050405020304" charset="0"/>
+                <a:sym typeface="+mn-ea"/>
+              </a:rPr>
+              <a:t>AS-path length</a:t>
+            </a:r>
+            <a:r>
+              <a:rPr lang="en-US" sz="2000">
+                <a:latin typeface="Times New Roman" panose="02020603050405020304" charset="0"/>
+                <a:cs typeface="Times New Roman" panose="02020603050405020304" charset="0"/>
+                <a:sym typeface="+mn-ea"/>
+              </a:rPr>
+              <a:t>.</a:t>
+            </a:r>
+            <a:endParaRPr lang="en-US" sz="2000" dirty="0">
+              <a:latin typeface="Times New Roman" panose="02020603050405020304" charset="0"/>
+              <a:cs typeface="Times New Roman" panose="02020603050405020304" charset="0"/>
+            </a:endParaRPr>
+          </a:p>
+          <a:p>
+            <a:pPr algn="l">
+              <a:lnSpc>
+                <a:spcPct val="100000"/>
+              </a:lnSpc>
+              <a:spcBef>
+                <a:spcPts val="2000"/>
+              </a:spcBef>
+              <a:spcAft>
+                <a:spcPts val="600"/>
+              </a:spcAft>
+            </a:pPr>
+            <a:r>
+              <a:rPr lang="en-US" sz="2000" dirty="0">
+                <a:latin typeface="Times New Roman" panose="02020603050405020304" charset="0"/>
+                <a:cs typeface="Times New Roman" panose="02020603050405020304" charset="0"/>
+                <a:sym typeface="+mn-ea"/>
+              </a:rPr>
+              <a:t>3. In this user study, the route-map naming rule is </a:t>
+            </a:r>
+            <a:r>
+              <a:rPr lang="en-US" sz="2000" b="1">
+                <a:latin typeface="Times New Roman" panose="02020603050405020304" charset="0"/>
+                <a:cs typeface="Times New Roman" panose="02020603050405020304" charset="0"/>
+                <a:sym typeface="+mn-ea"/>
+              </a:rPr>
+              <a:t>Router_</a:t>
+            </a:r>
+            <a:r>
+              <a:rPr lang="en-US" sz="2000" b="1">
+                <a:solidFill>
+                  <a:schemeClr val="tx1"/>
+                </a:solidFill>
+                <a:latin typeface="Times New Roman" panose="02020603050405020304" charset="0"/>
+                <a:cs typeface="Times New Roman" panose="02020603050405020304" charset="0"/>
+                <a:sym typeface="+mn-ea"/>
+              </a:rPr>
+              <a:t>Direction</a:t>
+            </a:r>
+            <a:r>
+              <a:rPr lang="en-US" sz="2000" b="1">
+                <a:latin typeface="Times New Roman" panose="02020603050405020304" charset="0"/>
+                <a:cs typeface="Times New Roman" panose="02020603050405020304" charset="0"/>
+                <a:sym typeface="+mn-ea"/>
+              </a:rPr>
+              <a:t>(</a:t>
+            </a:r>
+            <a:r>
+              <a:rPr lang="en-US" sz="2000" b="1">
+                <a:solidFill>
+                  <a:srgbClr val="2259D6"/>
+                </a:solidFill>
+                <a:latin typeface="Times New Roman" panose="02020603050405020304" charset="0"/>
+                <a:cs typeface="Times New Roman" panose="02020603050405020304" charset="0"/>
+                <a:sym typeface="+mn-ea"/>
+              </a:rPr>
+              <a:t>IN_FROM</a:t>
+            </a:r>
+            <a:r>
+              <a:rPr lang="en-US" sz="2000" b="1">
+                <a:latin typeface="Times New Roman" panose="02020603050405020304" charset="0"/>
+                <a:cs typeface="Times New Roman" panose="02020603050405020304" charset="0"/>
+                <a:sym typeface="+mn-ea"/>
+              </a:rPr>
+              <a:t>/</a:t>
+            </a:r>
+            <a:r>
+              <a:rPr lang="en-US" sz="2000" b="1">
+                <a:solidFill>
+                  <a:srgbClr val="8E24AA"/>
+                </a:solidFill>
+                <a:latin typeface="Times New Roman" panose="02020603050405020304" charset="0"/>
+                <a:cs typeface="Times New Roman" panose="02020603050405020304" charset="0"/>
+                <a:sym typeface="+mn-ea"/>
+              </a:rPr>
+              <a:t>OUT_TO</a:t>
+            </a:r>
+            <a:r>
+              <a:rPr lang="en-US" sz="2000" b="1">
+                <a:latin typeface="Times New Roman" panose="02020603050405020304" charset="0"/>
+                <a:cs typeface="Times New Roman" panose="02020603050405020304" charset="0"/>
+                <a:sym typeface="+mn-ea"/>
+              </a:rPr>
+              <a:t>)_Peer</a:t>
+            </a:r>
+            <a:r>
+              <a:rPr lang="en-US" sz="2000">
+                <a:latin typeface="Times New Roman" panose="02020603050405020304" charset="0"/>
+                <a:cs typeface="Times New Roman" panose="02020603050405020304" charset="0"/>
+                <a:sym typeface="+mn-ea"/>
+              </a:rPr>
+              <a:t>.</a:t>
+            </a:r>
+            <a:endParaRPr lang="en-US" sz="2000" b="1" i="1" dirty="0">
+              <a:solidFill>
+                <a:srgbClr val="E01B24"/>
+              </a:solidFill>
+              <a:latin typeface="Times New Roman" panose="02020603050405020304" charset="0"/>
+              <a:cs typeface="Times New Roman" panose="02020603050405020304" charset="0"/>
+              <a:sym typeface="+mn-ea"/>
+            </a:endParaRPr>
+          </a:p>
+        </p:txBody>
+      </p:sp>
+    </p:spTree>
+  </p:cSld>
+  <p:clrMapOvr>
+    <a:masterClrMapping/>
+  </p:clrMapOvr>
+</p:sld>
+</file>
+
+<file path=ppt/slides/slide8.xml><?xml version="1.0" encoding="utf-8"?>
+<p:sld xmlns:a="http://schemas.openxmlformats.org/drawingml/2006/main" xmlns:r="http://schemas.openxmlformats.org/officeDocument/2006/relationships" xmlns:p="http://schemas.openxmlformats.org/presentationml/2006/main">
+  <p:cSld>
+    <p:spTree>
+      <p:nvGrpSpPr>
+        <p:cNvPr id="1" name=""/>
+        <p:cNvGrpSpPr/>
+        <p:nvPr/>
+      </p:nvGrpSpPr>
+      <p:grpSpPr>
+        <a:xfrm>
+          <a:off x="0" y="0"/>
+          <a:ext cx="0" cy="0"/>
+          <a:chOff x="0" y="0"/>
+          <a:chExt cx="0" cy="0"/>
+        </a:xfrm>
+      </p:grpSpPr>
+      <p:sp>
+        <p:nvSpPr>
+          <p:cNvPr id="2" name="标题 1"/>
+          <p:cNvSpPr>
+            <a:spLocks noGrp="1"/>
+          </p:cNvSpPr>
+          <p:nvPr>
+            <p:ph type="ctrTitle"/>
+          </p:nvPr>
+        </p:nvSpPr>
+        <p:spPr>
+          <a:xfrm>
+            <a:off x="0" y="1546225"/>
+            <a:ext cx="12191365" cy="2186940"/>
+          </a:xfrm>
+        </p:spPr>
+        <p:txBody>
+          <a:bodyPr anchor="ctr" anchorCtr="0">
+            <a:normAutofit/>
+          </a:bodyPr>
+          <a:lstStyle/>
+          <a:p>
+            <a:r>
+              <a:rPr lang="en-US" altLang="zh-CN" sz="2800" b="1">
+                <a:latin typeface="Noto Mono" panose="020B0609030804020204" charset="0"/>
+                <a:cs typeface="Noto Mono" panose="020B0609030804020204" charset="0"/>
+              </a:rPr>
+              <a:t>Explainable Network Verification via Subspecifications</a:t>
+            </a:r>
+            <a:br>
+              <a:rPr lang="en-US" altLang="zh-CN" sz="2800" b="1">
+                <a:latin typeface="Noto Mono" panose="020B0609030804020204" charset="0"/>
+                <a:cs typeface="Noto Mono" panose="020B0609030804020204" charset="0"/>
+              </a:rPr>
+            </a:br>
+            <a:r>
+              <a:rPr lang="en-US" altLang="zh-CN" sz="2800" b="1">
+                <a:latin typeface="Noto Mono" panose="020B0609030804020204" charset="0"/>
+                <a:cs typeface="Noto Mono" panose="020B0609030804020204" charset="0"/>
+              </a:rPr>
+              <a:t>User Study - Introduction of Background Knowledge</a:t>
+            </a:r>
+            <a:endParaRPr lang="en-US" altLang="zh-CN" sz="2800" b="1">
+              <a:latin typeface="Noto Mono" panose="020B0609030804020204" charset="0"/>
+              <a:cs typeface="Noto Mono" panose="020B0609030804020204" charset="0"/>
+            </a:endParaRPr>
+          </a:p>
+        </p:txBody>
+      </p:sp>
+      <p:sp>
+        <p:nvSpPr>
+          <p:cNvPr id="4" name="Text Box 3"/>
+          <p:cNvSpPr txBox="1"/>
+          <p:nvPr/>
+        </p:nvSpPr>
+        <p:spPr>
+          <a:xfrm>
+            <a:off x="1630363" y="4523106"/>
+            <a:ext cx="8930640" cy="570865"/>
+          </a:xfrm>
+          <a:prstGeom prst="rect">
+            <a:avLst/>
+          </a:prstGeom>
+          <a:noFill/>
+        </p:spPr>
+        <p:txBody>
+          <a:bodyPr wrap="none" rtlCol="0" anchor="ctr" anchorCtr="0">
+            <a:spAutoFit/>
+          </a:bodyPr>
+          <a:lstStyle/>
+          <a:p>
+            <a:pPr algn="ctr">
+              <a:lnSpc>
+                <a:spcPct val="130000"/>
+              </a:lnSpc>
+              <a:buClrTx/>
+              <a:buSzTx/>
+              <a:buFontTx/>
+            </a:pPr>
+            <a:r>
+              <a:rPr lang="en-US" altLang="zh-CN" sz="2400" b="1">
+                <a:effectLst>
+                  <a:outerShdw blurRad="38100" dist="38100" dir="2700000" algn="tl">
+                    <a:srgbClr val="000000">
+                      <a:alpha val="43137"/>
+                    </a:srgbClr>
+                  </a:outerShdw>
+                </a:effectLst>
+                <a:latin typeface="Noto Mono" panose="020B0609030804020204" charset="0"/>
+                <a:ea typeface="+mj-ea"/>
+                <a:cs typeface="Noto Mono" panose="020B0609030804020204" charset="0"/>
+              </a:rPr>
+              <a:t>Thank you for participating in this user study</a:t>
+            </a:r>
+            <a:r>
+              <a:rPr lang="zh-CN" altLang="en-US" sz="2400" b="1">
+                <a:effectLst>
+                  <a:outerShdw blurRad="38100" dist="38100" dir="2700000" algn="tl">
+                    <a:srgbClr val="000000">
+                      <a:alpha val="43137"/>
+                    </a:srgbClr>
+                  </a:outerShdw>
+                </a:effectLst>
+                <a:latin typeface="Noto Mono" panose="020B0609030804020204" charset="0"/>
+                <a:ea typeface="+mj-ea"/>
+                <a:cs typeface="Noto Mono" panose="020B0609030804020204" charset="0"/>
+              </a:rPr>
+              <a:t>！</a:t>
+            </a:r>
+            <a:endParaRPr lang="zh-CN" altLang="en-US" sz="2400" b="1">
+              <a:effectLst>
+                <a:outerShdw blurRad="38100" dist="38100" dir="2700000" algn="tl">
+                  <a:srgbClr val="000000">
+                    <a:alpha val="43137"/>
+                  </a:srgbClr>
+                </a:outerShdw>
+              </a:effectLst>
+              <a:latin typeface="Noto Mono" panose="020B0609030804020204" charset="0"/>
+              <a:ea typeface="+mj-ea"/>
+              <a:cs typeface="Noto Mono" panose="020B0609030804020204" charset="0"/>
+            </a:endParaRPr>
+          </a:p>
+        </p:txBody>
+      </p:sp>
+    </p:spTree>
+  </p:cSld>
+  <p:clrMapOvr>
+    <a:masterClrMapping/>
+  </p:clrMapOvr>
+</p:sld>
+</file>
+
+<file path=ppt/slides/slide9.xml><?xml version="1.0" encoding="utf-8"?>
+<p:sld xmlns:a="http://schemas.openxmlformats.org/drawingml/2006/main" xmlns:r="http://schemas.openxmlformats.org/officeDocument/2006/relationships" xmlns:p="http://schemas.openxmlformats.org/presentationml/2006/main" show="0">
+  <p:cSld>
+    <p:spTree>
+      <p:nvGrpSpPr>
+        <p:cNvPr id="1" name=""/>
+        <p:cNvGrpSpPr/>
+        <p:nvPr/>
+      </p:nvGrpSpPr>
+      <p:grpSpPr>
+        <a:xfrm>
+          <a:off x="0" y="0"/>
+          <a:ext cx="0" cy="0"/>
+          <a:chOff x="0" y="0"/>
+          <a:chExt cx="0" cy="0"/>
+        </a:xfrm>
+      </p:grpSpPr>
+      <p:sp>
+        <p:nvSpPr>
+          <p:cNvPr id="2" name="Title 1"/>
+          <p:cNvSpPr>
+            <a:spLocks noGrp="1"/>
+          </p:cNvSpPr>
+          <p:nvPr>
+            <p:ph type="title"/>
+          </p:nvPr>
+        </p:nvSpPr>
+        <p:spPr>
+          <a:xfrm>
+            <a:off x="379095" y="191770"/>
+            <a:ext cx="11434445" cy="731520"/>
+          </a:xfrm>
+        </p:spPr>
+        <p:txBody>
+          <a:bodyPr/>
+          <a:lstStyle/>
+          <a:p>
+            <a:r>
               <a:rPr lang="en-US" altLang="zh-CN">
                 <a:solidFill>
                   <a:schemeClr val="tx1"/>
@@ -8524,1676 +12000,7 @@
   <p:clrMapOvr>
     <a:masterClrMapping/>
   </p:clrMapOvr>
-</p:sld>
-</file>
-
-<file path=ppt/slides/slide6.xml><?xml version="1.0" encoding="utf-8"?>
-<p:sld xmlns:a="http://schemas.openxmlformats.org/drawingml/2006/main" xmlns:r="http://schemas.openxmlformats.org/officeDocument/2006/relationships" xmlns:p="http://schemas.openxmlformats.org/presentationml/2006/main">
-  <p:cSld>
-    <p:spTree>
-      <p:nvGrpSpPr>
-        <p:cNvPr id="1" name=""/>
-        <p:cNvGrpSpPr/>
-        <p:nvPr/>
-      </p:nvGrpSpPr>
-      <p:grpSpPr>
-        <a:xfrm>
-          <a:off x="0" y="0"/>
-          <a:ext cx="0" cy="0"/>
-          <a:chOff x="0" y="0"/>
-          <a:chExt cx="0" cy="0"/>
-        </a:xfrm>
-      </p:grpSpPr>
-      <p:sp>
-        <p:nvSpPr>
-          <p:cNvPr id="2" name="Title 1"/>
-          <p:cNvSpPr>
-            <a:spLocks noGrp="1"/>
-          </p:cNvSpPr>
-          <p:nvPr>
-            <p:ph type="title"/>
-          </p:nvPr>
-        </p:nvSpPr>
-        <p:spPr>
-          <a:xfrm>
-            <a:off x="379095" y="191770"/>
-            <a:ext cx="11434445" cy="731520"/>
-          </a:xfrm>
-        </p:spPr>
-        <p:txBody>
-          <a:bodyPr/>
-          <a:lstStyle/>
-          <a:p>
-            <a:r>
-              <a:rPr lang="en-US" altLang="zh-CN">
-                <a:solidFill>
-                  <a:schemeClr val="tx1"/>
-                </a:solidFill>
-                <a:effectLst>
-                  <a:outerShdw blurRad="38100" dist="19050" dir="2700000" algn="tl" rotWithShape="0">
-                    <a:schemeClr val="dk1">
-                      <a:alpha val="40000"/>
-                    </a:schemeClr>
-                  </a:outerShdw>
-                </a:effectLst>
-                <a:latin typeface="Noto Mono" panose="020B0609030804020204" charset="0"/>
-                <a:cs typeface="Noto Mono" panose="020B0609030804020204" charset="0"/>
-                <a:sym typeface="+mn-ea"/>
-              </a:rPr>
-              <a:t>Tips for Empty Subspecs</a:t>
-            </a:r>
-            <a:endParaRPr lang="en-US" altLang="zh-CN">
-              <a:solidFill>
-                <a:schemeClr val="tx1"/>
-              </a:solidFill>
-              <a:effectLst>
-                <a:outerShdw blurRad="38100" dist="19050" dir="2700000" algn="tl" rotWithShape="0">
-                  <a:schemeClr val="dk1">
-                    <a:alpha val="40000"/>
-                  </a:schemeClr>
-                </a:outerShdw>
-              </a:effectLst>
-              <a:latin typeface="Noto Mono" panose="020B0609030804020204" charset="0"/>
-              <a:cs typeface="Noto Mono" panose="020B0609030804020204" charset="0"/>
-              <a:sym typeface="+mn-ea"/>
-            </a:endParaRPr>
-          </a:p>
-        </p:txBody>
-      </p:sp>
-      <p:sp>
-        <p:nvSpPr>
-          <p:cNvPr id="5" name="Text Box 4"/>
-          <p:cNvSpPr txBox="1"/>
-          <p:nvPr/>
-        </p:nvSpPr>
-        <p:spPr>
-          <a:xfrm>
-            <a:off x="379095" y="1131570"/>
-            <a:ext cx="11735435" cy="2225040"/>
-          </a:xfrm>
-          <a:prstGeom prst="rect">
-            <a:avLst/>
-          </a:prstGeom>
-          <a:noFill/>
-        </p:spPr>
-        <p:txBody>
-          <a:bodyPr wrap="square" rtlCol="0">
-            <a:spAutoFit/>
-          </a:bodyPr>
-          <a:lstStyle/>
-          <a:p>
-            <a:pPr algn="l">
-              <a:lnSpc>
-                <a:spcPct val="120000"/>
-              </a:lnSpc>
-              <a:spcBef>
-                <a:spcPts val="0"/>
-              </a:spcBef>
-              <a:spcAft>
-                <a:spcPts val="0"/>
-              </a:spcAft>
-            </a:pPr>
-            <a:r>
-              <a:rPr lang="en-US" sz="2000" dirty="0">
-                <a:latin typeface="Times New Roman" panose="02020603050405020304" charset="0"/>
-                <a:cs typeface="Times New Roman" panose="02020603050405020304" charset="0"/>
-                <a:sym typeface="+mn-ea"/>
-              </a:rPr>
-              <a:t>1. </a:t>
-            </a:r>
-            <a:r>
-              <a:rPr lang="en-US" sz="2000" b="1" i="1">
-                <a:solidFill>
-                  <a:srgbClr val="00B050"/>
-                </a:solidFill>
-                <a:latin typeface="Times New Roman" panose="02020603050405020304" charset="0"/>
-                <a:cs typeface="Times New Roman" panose="02020603050405020304" charset="0"/>
-                <a:sym typeface="+mn-ea"/>
-              </a:rPr>
-              <a:t>safely modify</a:t>
-            </a:r>
-            <a:r>
-              <a:rPr lang="en-US" sz="2000">
-                <a:latin typeface="Times New Roman" panose="02020603050405020304" charset="0"/>
-                <a:cs typeface="Times New Roman" panose="02020603050405020304" charset="0"/>
-                <a:sym typeface="+mn-ea"/>
-              </a:rPr>
-              <a:t> that field with </a:t>
-            </a:r>
-            <a:r>
-              <a:rPr lang="en-US" sz="2000" b="1">
-                <a:latin typeface="Times New Roman" panose="02020603050405020304" charset="0"/>
-                <a:cs typeface="Times New Roman" panose="02020603050405020304" charset="0"/>
-                <a:sym typeface="+mn-ea"/>
-              </a:rPr>
-              <a:t>empty subspe</a:t>
-            </a:r>
-            <a:r>
-              <a:rPr lang="en-US" sz="2000">
-                <a:latin typeface="Times New Roman" panose="02020603050405020304" charset="0"/>
-                <a:cs typeface="Times New Roman" panose="02020603050405020304" charset="0"/>
-                <a:sym typeface="+mn-ea"/>
-              </a:rPr>
-              <a:t>c without breaking the verified specifications</a:t>
-            </a:r>
-            <a:endParaRPr lang="en-US" sz="2000" b="1" i="1" dirty="0">
-              <a:solidFill>
-                <a:srgbClr val="E01B24"/>
-              </a:solidFill>
-              <a:latin typeface="Times New Roman" panose="02020603050405020304" charset="0"/>
-              <a:cs typeface="Times New Roman" panose="02020603050405020304" charset="0"/>
-              <a:sym typeface="+mn-ea"/>
-            </a:endParaRPr>
-          </a:p>
-          <a:p>
-            <a:pPr algn="l">
-              <a:lnSpc>
-                <a:spcPct val="120000"/>
-              </a:lnSpc>
-              <a:spcBef>
-                <a:spcPts val="8000"/>
-              </a:spcBef>
-              <a:spcAft>
-                <a:spcPts val="0"/>
-              </a:spcAft>
-            </a:pPr>
-            <a:r>
-              <a:rPr lang="en-US" sz="2000">
-                <a:latin typeface="Times New Roman" panose="02020603050405020304" charset="0"/>
-                <a:cs typeface="Times New Roman" panose="02020603050405020304" charset="0"/>
-                <a:sym typeface="+mn-ea"/>
-              </a:rPr>
-              <a:t>2. </a:t>
-            </a:r>
-            <a:r>
-              <a:rPr lang="en-US" sz="2000" b="1" i="1">
-                <a:solidFill>
-                  <a:srgbClr val="00B050"/>
-                </a:solidFill>
-                <a:latin typeface="Times New Roman" panose="02020603050405020304" charset="0"/>
-                <a:cs typeface="Times New Roman" panose="02020603050405020304" charset="0"/>
-                <a:sym typeface="+mn-ea"/>
-              </a:rPr>
-              <a:t>safely remove</a:t>
-            </a:r>
-            <a:r>
-              <a:rPr lang="en-US" sz="2000">
-                <a:latin typeface="Times New Roman" panose="02020603050405020304" charset="0"/>
-                <a:cs typeface="Times New Roman" panose="02020603050405020304" charset="0"/>
-                <a:sym typeface="+mn-ea"/>
-              </a:rPr>
-              <a:t> that line with </a:t>
-            </a:r>
-            <a:r>
-              <a:rPr lang="en-US" sz="2000" b="1">
-                <a:latin typeface="Times New Roman" panose="02020603050405020304" charset="0"/>
-                <a:cs typeface="Times New Roman" panose="02020603050405020304" charset="0"/>
-                <a:sym typeface="+mn-ea"/>
-              </a:rPr>
-              <a:t>empty line-level subspec</a:t>
-            </a:r>
-            <a:r>
-              <a:rPr lang="en-US" sz="2000">
-                <a:latin typeface="Times New Roman" panose="02020603050405020304" charset="0"/>
-                <a:cs typeface="Times New Roman" panose="02020603050405020304" charset="0"/>
-                <a:sym typeface="+mn-ea"/>
-              </a:rPr>
-              <a:t> without breaking the verified specifications</a:t>
-            </a:r>
-            <a:endParaRPr lang="en-US" sz="2000">
-              <a:latin typeface="Times New Roman" panose="02020603050405020304" charset="0"/>
-              <a:cs typeface="Times New Roman" panose="02020603050405020304" charset="0"/>
-              <a:sym typeface="+mn-ea"/>
-            </a:endParaRPr>
-          </a:p>
-          <a:p>
-            <a:pPr algn="l">
-              <a:lnSpc>
-                <a:spcPct val="120000"/>
-              </a:lnSpc>
-              <a:spcBef>
-                <a:spcPts val="0"/>
-              </a:spcBef>
-              <a:spcAft>
-                <a:spcPts val="0"/>
-              </a:spcAft>
-            </a:pPr>
-            <a:r>
-              <a:rPr lang="en-US" sz="2000">
-                <a:latin typeface="Times New Roman" panose="02020603050405020304" charset="0"/>
-                <a:cs typeface="Times New Roman" panose="02020603050405020304" charset="0"/>
-                <a:sym typeface="+mn-ea"/>
-              </a:rPr>
-              <a:t>    (or a line contains </a:t>
-            </a:r>
-            <a:r>
-              <a:rPr lang="en-US" sz="2000" b="1">
-                <a:solidFill>
-                  <a:srgbClr val="E01B24"/>
-                </a:solidFill>
-                <a:latin typeface="Times New Roman" panose="02020603050405020304" charset="0"/>
-                <a:cs typeface="Times New Roman" panose="02020603050405020304" charset="0"/>
-                <a:sym typeface="+mn-ea"/>
-              </a:rPr>
-              <a:t>only</a:t>
-            </a:r>
-            <a:r>
-              <a:rPr lang="en-US" sz="2000">
-                <a:solidFill>
-                  <a:srgbClr val="E01B24"/>
-                </a:solidFill>
-                <a:latin typeface="Times New Roman" panose="02020603050405020304" charset="0"/>
-                <a:cs typeface="Times New Roman" panose="02020603050405020304" charset="0"/>
-                <a:sym typeface="+mn-ea"/>
-              </a:rPr>
-              <a:t> </a:t>
-            </a:r>
-            <a:r>
-              <a:rPr lang="en-US" sz="2000" b="1">
-                <a:solidFill>
-                  <a:srgbClr val="E01B24"/>
-                </a:solidFill>
-                <a:latin typeface="Times New Roman" panose="02020603050405020304" charset="0"/>
-                <a:cs typeface="Times New Roman" panose="02020603050405020304" charset="0"/>
-                <a:sym typeface="+mn-ea"/>
-              </a:rPr>
-              <a:t>a single field-level subspec</a:t>
-            </a:r>
-            <a:r>
-              <a:rPr lang="en-US" sz="2000">
-                <a:latin typeface="Times New Roman" panose="02020603050405020304" charset="0"/>
-                <a:cs typeface="Times New Roman" panose="02020603050405020304" charset="0"/>
-                <a:sym typeface="+mn-ea"/>
-              </a:rPr>
-              <a:t> and the field-level subspec is </a:t>
-            </a:r>
-            <a:r>
-              <a:rPr lang="en-US" sz="2000" b="1">
-                <a:latin typeface="Times New Roman" panose="02020603050405020304" charset="0"/>
-                <a:cs typeface="Times New Roman" panose="02020603050405020304" charset="0"/>
-                <a:sym typeface="+mn-ea"/>
-              </a:rPr>
-              <a:t>empty</a:t>
-            </a:r>
-            <a:r>
-              <a:rPr lang="en-US" sz="2000">
-                <a:latin typeface="Times New Roman" panose="02020603050405020304" charset="0"/>
-                <a:cs typeface="Times New Roman" panose="02020603050405020304" charset="0"/>
-                <a:sym typeface="+mn-ea"/>
-              </a:rPr>
-              <a:t>)</a:t>
-            </a:r>
-            <a:endParaRPr lang="en-US" sz="2000" b="1" i="1" dirty="0">
-              <a:solidFill>
-                <a:srgbClr val="E01B24"/>
-              </a:solidFill>
-              <a:latin typeface="Times New Roman" panose="02020603050405020304" charset="0"/>
-              <a:cs typeface="Times New Roman" panose="02020603050405020304" charset="0"/>
-              <a:sym typeface="+mn-ea"/>
-            </a:endParaRPr>
-          </a:p>
-        </p:txBody>
-      </p:sp>
-      <p:sp>
-        <p:nvSpPr>
-          <p:cNvPr id="14" name="Rectangles 13"/>
-          <p:cNvSpPr/>
-          <p:nvPr/>
-        </p:nvSpPr>
-        <p:spPr>
-          <a:xfrm>
-            <a:off x="2609850" y="3494405"/>
-            <a:ext cx="6972935" cy="604520"/>
-          </a:xfrm>
-          <a:prstGeom prst="rect">
-            <a:avLst/>
-          </a:prstGeom>
-          <a:noFill/>
-          <a:ln w="9525">
-            <a:solidFill>
-              <a:schemeClr val="bg1">
-                <a:lumMod val="50000"/>
-              </a:schemeClr>
-            </a:solidFill>
-          </a:ln>
-        </p:spPr>
-        <p:style>
-          <a:lnRef idx="2">
-            <a:schemeClr val="accent1">
-              <a:shade val="50000"/>
-            </a:schemeClr>
-          </a:lnRef>
-          <a:fillRef idx="1">
-            <a:schemeClr val="accent1"/>
-          </a:fillRef>
-          <a:effectRef idx="0">
-            <a:schemeClr val="accent1"/>
-          </a:effectRef>
-          <a:fontRef idx="minor">
-            <a:schemeClr val="lt1"/>
-          </a:fontRef>
-        </p:style>
-        <p:txBody>
-          <a:bodyPr wrap="square" rtlCol="0" anchor="ctr"/>
-          <a:p>
-            <a:pPr algn="l"/>
-            <a:r>
-              <a:rPr lang="en-US" sz="1600">
-                <a:solidFill>
-                  <a:schemeClr val="bg1">
-                    <a:lumMod val="50000"/>
-                  </a:schemeClr>
-                </a:solidFill>
-                <a:latin typeface="Ubuntu Mono" panose="020B0509030602030204" charset="0"/>
-                <a:cs typeface="Ubuntu Mono" panose="020B0509030602030204" charset="0"/>
-                <a:sym typeface="+mn-ea"/>
-              </a:rPr>
-              <a:t>1</a:t>
-            </a:r>
-            <a:r>
-              <a:rPr lang="en-US" sz="1600">
-                <a:solidFill>
-                  <a:schemeClr val="tx1"/>
-                </a:solidFill>
-                <a:latin typeface="Ubuntu Mono" panose="020B0509030602030204" charset="0"/>
-                <a:cs typeface="Ubuntu Mono" panose="020B0509030602030204" charset="0"/>
-                <a:sym typeface="+mn-ea"/>
-              </a:rPr>
-              <a:t> </a:t>
-            </a:r>
-            <a:r>
-              <a:rPr lang="en-US" sz="1600">
-                <a:solidFill>
-                  <a:schemeClr val="tx1"/>
-                </a:solidFill>
-                <a:latin typeface="Ubuntu Mono" panose="020B0509030602030204" charset="0"/>
-                <a:cs typeface="Ubuntu Mono" panose="020B0509030602030204" charset="0"/>
-                <a:sym typeface="+mn-ea"/>
-              </a:rPr>
-              <a:t>ip prefix-list </a:t>
-            </a:r>
-            <a:r>
-              <a:rPr lang="en-US" sz="1600" b="1">
-                <a:solidFill>
-                  <a:srgbClr val="2259D6"/>
-                </a:solidFill>
-                <a:latin typeface="Ubuntu Mono" panose="020B0509030602030204" charset="0"/>
-                <a:cs typeface="Ubuntu Mono" panose="020B0509030602030204" charset="0"/>
-                <a:sym typeface="+mn-ea"/>
-              </a:rPr>
-              <a:t>private_ips_1</a:t>
-            </a:r>
-            <a:r>
-              <a:rPr lang="en-US" sz="1600">
-                <a:solidFill>
-                  <a:schemeClr val="tx1"/>
-                </a:solidFill>
-                <a:latin typeface="Ubuntu Mono" panose="020B0509030602030204" charset="0"/>
-                <a:cs typeface="Ubuntu Mono" panose="020B0509030602030204" charset="0"/>
-                <a:sym typeface="+mn-ea"/>
-              </a:rPr>
-              <a:t> seq 5 </a:t>
-            </a:r>
-            <a:r>
-              <a:rPr lang="en-US" sz="1600" b="1">
-                <a:solidFill>
-                  <a:schemeClr val="tx1"/>
-                </a:solidFill>
-                <a:latin typeface="Ubuntu Mono" panose="020B0509030602030204" charset="0"/>
-                <a:cs typeface="Ubuntu Mono" panose="020B0509030602030204" charset="0"/>
-                <a:sym typeface="+mn-ea"/>
-              </a:rPr>
-              <a:t>permit</a:t>
-            </a:r>
-            <a:r>
-              <a:rPr lang="en-US" sz="1600">
-                <a:solidFill>
-                  <a:schemeClr val="tx1"/>
-                </a:solidFill>
-                <a:latin typeface="Ubuntu Mono" panose="020B0509030602030204" charset="0"/>
-                <a:cs typeface="Ubuntu Mono" panose="020B0509030602030204" charset="0"/>
-                <a:sym typeface="+mn-ea"/>
-              </a:rPr>
-              <a:t> </a:t>
-            </a:r>
-            <a:r>
-              <a:rPr lang="en-US" sz="1600" b="1">
-                <a:solidFill>
-                  <a:schemeClr val="tx1"/>
-                </a:solidFill>
-                <a:latin typeface="Ubuntu Mono" panose="020B0509030602030204" charset="0"/>
-                <a:cs typeface="Ubuntu Mono" panose="020B0509030602030204" charset="0"/>
-                <a:sym typeface="+mn-ea"/>
-              </a:rPr>
-              <a:t>192.168.0.0/12</a:t>
-            </a:r>
-            <a:r>
-              <a:rPr lang="en-US" sz="1600">
-                <a:solidFill>
-                  <a:schemeClr val="tx1"/>
-                </a:solidFill>
-                <a:latin typeface="Ubuntu Mono" panose="020B0509030602030204" charset="0"/>
-                <a:cs typeface="Ubuntu Mono" panose="020B0509030602030204" charset="0"/>
-                <a:sym typeface="+mn-ea"/>
-              </a:rPr>
-              <a:t> </a:t>
-            </a:r>
-            <a:r>
-              <a:rPr lang="en-US" sz="1600" b="1">
-                <a:solidFill>
-                  <a:schemeClr val="tx1"/>
-                </a:solidFill>
-                <a:latin typeface="Ubuntu Mono" panose="020B0509030602030204" charset="0"/>
-                <a:cs typeface="Ubuntu Mono" panose="020B0509030602030204" charset="0"/>
-                <a:sym typeface="+mn-ea"/>
-              </a:rPr>
-              <a:t>ge 12</a:t>
-            </a:r>
-            <a:endParaRPr lang="en-US" sz="1600" b="1">
-              <a:ln w="12700" cmpd="sng">
-                <a:noFill/>
-                <a:prstDash val="solid"/>
-              </a:ln>
-              <a:solidFill>
-                <a:schemeClr val="tx1"/>
-              </a:solidFill>
-              <a:effectLst/>
-              <a:latin typeface="Ubuntu Mono" panose="020B0509030602030204" charset="0"/>
-              <a:cs typeface="Ubuntu Mono" panose="020B0509030602030204" charset="0"/>
-              <a:sym typeface="+mn-ea"/>
-            </a:endParaRPr>
-          </a:p>
-        </p:txBody>
-      </p:sp>
-      <p:sp>
-        <p:nvSpPr>
-          <p:cNvPr id="15" name="Rectangles 14"/>
-          <p:cNvSpPr/>
-          <p:nvPr/>
-        </p:nvSpPr>
-        <p:spPr>
-          <a:xfrm>
-            <a:off x="2609850" y="1724025"/>
-            <a:ext cx="6972935" cy="604520"/>
-          </a:xfrm>
-          <a:prstGeom prst="rect">
-            <a:avLst/>
-          </a:prstGeom>
-          <a:noFill/>
-          <a:ln w="9525">
-            <a:solidFill>
-              <a:schemeClr val="bg1">
-                <a:lumMod val="50000"/>
-              </a:schemeClr>
-            </a:solidFill>
-          </a:ln>
-        </p:spPr>
-        <p:style>
-          <a:lnRef idx="2">
-            <a:schemeClr val="accent1">
-              <a:shade val="50000"/>
-            </a:schemeClr>
-          </a:lnRef>
-          <a:fillRef idx="1">
-            <a:schemeClr val="accent1"/>
-          </a:fillRef>
-          <a:effectRef idx="0">
-            <a:schemeClr val="accent1"/>
-          </a:effectRef>
-          <a:fontRef idx="minor">
-            <a:schemeClr val="lt1"/>
-          </a:fontRef>
-        </p:style>
-        <p:txBody>
-          <a:bodyPr rtlCol="0" anchor="ctr"/>
-          <a:p>
-            <a:pPr algn="l"/>
-            <a:r>
-              <a:rPr lang="en-US" sz="1600">
-                <a:solidFill>
-                  <a:schemeClr val="bg1">
-                    <a:lumMod val="50000"/>
-                  </a:schemeClr>
-                </a:solidFill>
-                <a:latin typeface="Ubuntu Mono" panose="020B0509030602030204" charset="0"/>
-                <a:cs typeface="Ubuntu Mono" panose="020B0509030602030204" charset="0"/>
-                <a:sym typeface="+mn-ea"/>
-              </a:rPr>
-              <a:t>1</a:t>
-            </a:r>
-            <a:r>
-              <a:rPr lang="en-US" sz="1600">
-                <a:solidFill>
-                  <a:schemeClr val="tx1"/>
-                </a:solidFill>
-                <a:latin typeface="Ubuntu Mono" panose="020B0509030602030204" charset="0"/>
-                <a:cs typeface="Ubuntu Mono" panose="020B0509030602030204" charset="0"/>
-                <a:sym typeface="+mn-ea"/>
-              </a:rPr>
-              <a:t>  ip prefix-list </a:t>
-            </a:r>
-            <a:r>
-              <a:rPr lang="en-US" sz="1600" b="1">
-                <a:solidFill>
-                  <a:srgbClr val="2259D6"/>
-                </a:solidFill>
-                <a:latin typeface="Ubuntu Mono" panose="020B0509030602030204" charset="0"/>
-                <a:cs typeface="Ubuntu Mono" panose="020B0509030602030204" charset="0"/>
-                <a:sym typeface="+mn-ea"/>
-              </a:rPr>
-              <a:t>private_ips_1</a:t>
-            </a:r>
-            <a:r>
-              <a:rPr lang="en-US" sz="1600">
-                <a:solidFill>
-                  <a:schemeClr val="tx1"/>
-                </a:solidFill>
-                <a:latin typeface="Ubuntu Mono" panose="020B0509030602030204" charset="0"/>
-                <a:cs typeface="Ubuntu Mono" panose="020B0509030602030204" charset="0"/>
-                <a:sym typeface="+mn-ea"/>
-              </a:rPr>
-              <a:t> seq 5 </a:t>
-            </a:r>
-            <a:r>
-              <a:rPr lang="en-US" sz="1600" b="1">
-                <a:solidFill>
-                  <a:srgbClr val="00B050"/>
-                </a:solidFill>
-                <a:latin typeface="Ubuntu Mono" panose="020B0509030602030204" charset="0"/>
-                <a:cs typeface="Ubuntu Mono" panose="020B0509030602030204" charset="0"/>
-                <a:sym typeface="+mn-ea"/>
-              </a:rPr>
-              <a:t>deny</a:t>
-            </a:r>
-            <a:r>
-              <a:rPr lang="en-US" sz="1600">
-                <a:solidFill>
-                  <a:schemeClr val="tx1"/>
-                </a:solidFill>
-                <a:latin typeface="Ubuntu Mono" panose="020B0509030602030204" charset="0"/>
-                <a:cs typeface="Ubuntu Mono" panose="020B0509030602030204" charset="0"/>
-                <a:sym typeface="+mn-ea"/>
-              </a:rPr>
-              <a:t> </a:t>
-            </a:r>
-            <a:r>
-              <a:rPr lang="en-US" sz="1600" b="1">
-                <a:solidFill>
-                  <a:srgbClr val="00B050"/>
-                </a:solidFill>
-                <a:latin typeface="Ubuntu Mono" panose="020B0509030602030204" charset="0"/>
-                <a:cs typeface="Ubuntu Mono" panose="020B0509030602030204" charset="0"/>
-                <a:sym typeface="+mn-ea"/>
-              </a:rPr>
-              <a:t>0.0.0.0/0</a:t>
-            </a:r>
-            <a:r>
-              <a:rPr lang="en-US" sz="1600">
-                <a:solidFill>
-                  <a:schemeClr val="tx1"/>
-                </a:solidFill>
-                <a:latin typeface="Ubuntu Mono" panose="020B0509030602030204" charset="0"/>
-                <a:cs typeface="Ubuntu Mono" panose="020B0509030602030204" charset="0"/>
-                <a:sym typeface="+mn-ea"/>
-              </a:rPr>
-              <a:t> </a:t>
-            </a:r>
-            <a:r>
-              <a:rPr lang="en-US" sz="1600" b="1">
-                <a:solidFill>
-                  <a:schemeClr val="tx1"/>
-                </a:solidFill>
-                <a:latin typeface="Ubuntu Mono" panose="020B0509030602030204" charset="0"/>
-                <a:cs typeface="Ubuntu Mono" panose="020B0509030602030204" charset="0"/>
-                <a:sym typeface="+mn-ea"/>
-              </a:rPr>
-              <a:t>ge </a:t>
-            </a:r>
-            <a:r>
-              <a:rPr lang="en-US" sz="1600" b="1">
-                <a:solidFill>
-                  <a:srgbClr val="00B050"/>
-                </a:solidFill>
-                <a:latin typeface="Ubuntu Mono" panose="020B0509030602030204" charset="0"/>
-                <a:cs typeface="Ubuntu Mono" panose="020B0509030602030204" charset="0"/>
-                <a:sym typeface="+mn-ea"/>
-              </a:rPr>
-              <a:t>0</a:t>
-            </a:r>
-            <a:endParaRPr lang="en-US" sz="1600" b="1">
-              <a:solidFill>
-                <a:srgbClr val="00B050"/>
-              </a:solidFill>
-              <a:latin typeface="Ubuntu Mono" panose="020B0509030602030204" charset="0"/>
-              <a:cs typeface="Ubuntu Mono" panose="020B0509030602030204" charset="0"/>
-              <a:sym typeface="+mn-ea"/>
-            </a:endParaRPr>
-          </a:p>
-        </p:txBody>
-      </p:sp>
-      <p:sp>
-        <p:nvSpPr>
-          <p:cNvPr id="17" name="Rectangles 16"/>
-          <p:cNvSpPr/>
-          <p:nvPr/>
-        </p:nvSpPr>
-        <p:spPr>
-          <a:xfrm>
-            <a:off x="2609215" y="5832475"/>
-            <a:ext cx="6972935" cy="594360"/>
-          </a:xfrm>
-          <a:prstGeom prst="rect">
-            <a:avLst/>
-          </a:prstGeom>
-          <a:noFill/>
-          <a:ln w="9525">
-            <a:solidFill>
-              <a:schemeClr val="bg1">
-                <a:lumMod val="50000"/>
-              </a:schemeClr>
-            </a:solidFill>
-          </a:ln>
-        </p:spPr>
-        <p:style>
-          <a:lnRef idx="2">
-            <a:schemeClr val="accent1">
-              <a:shade val="50000"/>
-            </a:schemeClr>
-          </a:lnRef>
-          <a:fillRef idx="1">
-            <a:schemeClr val="accent1"/>
-          </a:fillRef>
-          <a:effectRef idx="0">
-            <a:schemeClr val="accent1"/>
-          </a:effectRef>
-          <a:fontRef idx="minor">
-            <a:schemeClr val="lt1"/>
-          </a:fontRef>
-        </p:style>
-        <p:txBody>
-          <a:bodyPr rtlCol="0" anchor="ctr"/>
-          <a:p>
-            <a:pPr algn="l"/>
-            <a:r>
-              <a:rPr lang="en-US" sz="1600">
-                <a:solidFill>
-                  <a:schemeClr val="bg1">
-                    <a:lumMod val="50000"/>
-                  </a:schemeClr>
-                </a:solidFill>
-                <a:latin typeface="Ubuntu Mono" panose="020B0509030602030204" charset="0"/>
-                <a:cs typeface="Ubuntu Mono" panose="020B0509030602030204" charset="0"/>
-                <a:sym typeface="+mn-ea"/>
-              </a:rPr>
-              <a:t>1</a:t>
-            </a:r>
-            <a:r>
-              <a:rPr lang="en-US" sz="1600">
-                <a:solidFill>
-                  <a:schemeClr val="tx1"/>
-                </a:solidFill>
-                <a:latin typeface="Ubuntu Mono" panose="020B0509030602030204" charset="0"/>
-                <a:cs typeface="Ubuntu Mono" panose="020B0509030602030204" charset="0"/>
-                <a:sym typeface="+mn-ea"/>
-              </a:rPr>
-              <a:t>  </a:t>
-            </a:r>
-            <a:r>
-              <a:rPr lang="en-US" sz="1600" b="1">
-                <a:solidFill>
-                  <a:schemeClr val="bg1"/>
-                </a:solidFill>
-                <a:highlight>
-                  <a:srgbClr val="FF00FF"/>
-                </a:highlight>
-                <a:latin typeface="Ubuntu Mono" panose="020B0509030602030204" charset="0"/>
-                <a:cs typeface="Ubuntu Mono" panose="020B0509030602030204" charset="0"/>
-                <a:sym typeface="+mn-ea"/>
-              </a:rPr>
-              <a:t>ip prefix-list</a:t>
-            </a:r>
-            <a:r>
-              <a:rPr lang="en-US" sz="1600">
-                <a:solidFill>
-                  <a:schemeClr val="tx1"/>
-                </a:solidFill>
-                <a:latin typeface="Ubuntu Mono" panose="020B0509030602030204" charset="0"/>
-                <a:cs typeface="Ubuntu Mono" panose="020B0509030602030204" charset="0"/>
-                <a:sym typeface="+mn-ea"/>
-              </a:rPr>
-              <a:t> </a:t>
-            </a:r>
-            <a:r>
-              <a:rPr lang="en-US" sz="1600" b="1">
-                <a:solidFill>
-                  <a:srgbClr val="2259D6"/>
-                </a:solidFill>
-                <a:latin typeface="Ubuntu Mono" panose="020B0509030602030204" charset="0"/>
-                <a:cs typeface="Ubuntu Mono" panose="020B0509030602030204" charset="0"/>
-                <a:sym typeface="+mn-ea"/>
-              </a:rPr>
-              <a:t>private_ips_1</a:t>
-            </a:r>
-            <a:r>
-              <a:rPr lang="en-US" sz="1600">
-                <a:solidFill>
-                  <a:schemeClr val="tx1"/>
-                </a:solidFill>
-                <a:latin typeface="Ubuntu Mono" panose="020B0509030602030204" charset="0"/>
-                <a:cs typeface="Ubuntu Mono" panose="020B0509030602030204" charset="0"/>
-                <a:sym typeface="+mn-ea"/>
-              </a:rPr>
-              <a:t> seq 5 </a:t>
-            </a:r>
-            <a:r>
-              <a:rPr lang="en-US" sz="1600" b="1">
-                <a:solidFill>
-                  <a:schemeClr val="bg1"/>
-                </a:solidFill>
-                <a:highlight>
-                  <a:srgbClr val="0000FF"/>
-                </a:highlight>
-                <a:latin typeface="Ubuntu Mono" panose="020B0509030602030204" charset="0"/>
-                <a:cs typeface="Ubuntu Mono" panose="020B0509030602030204" charset="0"/>
-                <a:sym typeface="+mn-ea"/>
-              </a:rPr>
-              <a:t>permit</a:t>
-            </a:r>
-            <a:r>
-              <a:rPr lang="en-US" sz="1600">
-                <a:solidFill>
-                  <a:schemeClr val="tx1"/>
-                </a:solidFill>
-                <a:latin typeface="Ubuntu Mono" panose="020B0509030602030204" charset="0"/>
-                <a:cs typeface="Ubuntu Mono" panose="020B0509030602030204" charset="0"/>
-                <a:sym typeface="+mn-ea"/>
-              </a:rPr>
-              <a:t> </a:t>
-            </a:r>
-            <a:r>
-              <a:rPr lang="en-US" sz="1600" b="1">
-                <a:solidFill>
-                  <a:schemeClr val="bg1"/>
-                </a:solidFill>
-                <a:highlight>
-                  <a:srgbClr val="0000FF"/>
-                </a:highlight>
-                <a:latin typeface="Ubuntu Mono" panose="020B0509030602030204" charset="0"/>
-                <a:cs typeface="Ubuntu Mono" panose="020B0509030602030204" charset="0"/>
-                <a:sym typeface="+mn-ea"/>
-              </a:rPr>
-              <a:t>192.168.0.0/12</a:t>
-            </a:r>
-            <a:r>
-              <a:rPr lang="en-US" sz="1600">
-                <a:solidFill>
-                  <a:schemeClr val="tx1"/>
-                </a:solidFill>
-                <a:latin typeface="Ubuntu Mono" panose="020B0509030602030204" charset="0"/>
-                <a:cs typeface="Ubuntu Mono" panose="020B0509030602030204" charset="0"/>
-                <a:sym typeface="+mn-ea"/>
-              </a:rPr>
-              <a:t> </a:t>
-            </a:r>
-            <a:r>
-              <a:rPr lang="en-US" sz="1600" b="1">
-                <a:solidFill>
-                  <a:schemeClr val="bg1"/>
-                </a:solidFill>
-                <a:highlight>
-                  <a:srgbClr val="0000FF"/>
-                </a:highlight>
-                <a:latin typeface="Ubuntu Mono" panose="020B0509030602030204" charset="0"/>
-                <a:cs typeface="Ubuntu Mono" panose="020B0509030602030204" charset="0"/>
-                <a:sym typeface="+mn-ea"/>
-              </a:rPr>
-              <a:t>ge 12</a:t>
-            </a:r>
-            <a:endParaRPr lang="en-US" sz="1600" b="1">
-              <a:solidFill>
-                <a:schemeClr val="bg1"/>
-              </a:solidFill>
-              <a:highlight>
-                <a:srgbClr val="0000FF"/>
-              </a:highlight>
-              <a:latin typeface="Ubuntu Mono" panose="020B0509030602030204" charset="0"/>
-              <a:cs typeface="Ubuntu Mono" panose="020B0509030602030204" charset="0"/>
-              <a:sym typeface="+mn-ea"/>
-            </a:endParaRPr>
-          </a:p>
-        </p:txBody>
-      </p:sp>
-      <p:sp>
-        <p:nvSpPr>
-          <p:cNvPr id="20" name="Rounded Rectangular Callout 19"/>
-          <p:cNvSpPr/>
-          <p:nvPr/>
-        </p:nvSpPr>
-        <p:spPr>
-          <a:xfrm>
-            <a:off x="8920480" y="4924425"/>
-            <a:ext cx="1259840" cy="614045"/>
-          </a:xfrm>
-          <a:prstGeom prst="wedgeRoundRectCallout">
-            <a:avLst>
-              <a:gd name="adj1" fmla="val -33870"/>
-              <a:gd name="adj2" fmla="val 70267"/>
-              <a:gd name="adj3" fmla="val 16667"/>
-            </a:avLst>
-          </a:prstGeom>
-          <a:solidFill>
-            <a:schemeClr val="bg1">
-              <a:lumMod val="95000"/>
-            </a:schemeClr>
-          </a:solidFill>
-          <a:ln>
-            <a:solidFill>
-              <a:srgbClr val="0000FF"/>
-            </a:solidFill>
-          </a:ln>
-        </p:spPr>
-        <p:style>
-          <a:lnRef idx="2">
-            <a:schemeClr val="accent1">
-              <a:shade val="50000"/>
-            </a:schemeClr>
-          </a:lnRef>
-          <a:fillRef idx="1">
-            <a:schemeClr val="accent1"/>
-          </a:fillRef>
-          <a:effectRef idx="0">
-            <a:schemeClr val="accent1"/>
-          </a:effectRef>
-          <a:fontRef idx="minor">
-            <a:schemeClr val="lt1"/>
-          </a:fontRef>
-        </p:style>
-        <p:txBody>
-          <a:bodyPr rtlCol="0" anchor="ctr"/>
-          <a:p>
-            <a:pPr algn="ctr">
-              <a:lnSpc>
-                <a:spcPct val="100000"/>
-              </a:lnSpc>
-              <a:spcBef>
-                <a:spcPts val="0"/>
-              </a:spcBef>
-              <a:spcAft>
-                <a:spcPts val="300"/>
-              </a:spcAft>
-            </a:pPr>
-            <a:r>
-              <a:rPr lang="en-US" sz="1400">
-                <a:solidFill>
-                  <a:schemeClr val="tx1"/>
-                </a:solidFill>
-                <a:latin typeface="Ubuntu Mono" panose="020B0509030602030204" charset="0"/>
-                <a:cs typeface="Ubuntu Mono" panose="020B0509030602030204" charset="0"/>
-              </a:rPr>
-              <a:t>empty</a:t>
-            </a:r>
-            <a:endParaRPr lang="en-US" sz="1400">
-              <a:solidFill>
-                <a:schemeClr val="tx1"/>
-              </a:solidFill>
-              <a:latin typeface="Ubuntu Mono" panose="020B0509030602030204" charset="0"/>
-              <a:cs typeface="Ubuntu Mono" panose="020B0509030602030204" charset="0"/>
-            </a:endParaRPr>
-          </a:p>
-        </p:txBody>
-      </p:sp>
-      <p:sp>
-        <p:nvSpPr>
-          <p:cNvPr id="18" name="Rounded Rectangular Callout 17"/>
-          <p:cNvSpPr/>
-          <p:nvPr/>
-        </p:nvSpPr>
-        <p:spPr>
-          <a:xfrm>
-            <a:off x="5593715" y="4924425"/>
-            <a:ext cx="1233805" cy="617220"/>
-          </a:xfrm>
-          <a:prstGeom prst="wedgeRoundRectCallout">
-            <a:avLst>
-              <a:gd name="adj1" fmla="val 36670"/>
-              <a:gd name="adj2" fmla="val 70061"/>
-              <a:gd name="adj3" fmla="val 16667"/>
-            </a:avLst>
-          </a:prstGeom>
-          <a:solidFill>
-            <a:schemeClr val="bg1">
-              <a:lumMod val="95000"/>
-            </a:schemeClr>
-          </a:solidFill>
-          <a:ln>
-            <a:solidFill>
-              <a:srgbClr val="0000FF"/>
-            </a:solidFill>
-          </a:ln>
-        </p:spPr>
-        <p:style>
-          <a:lnRef idx="2">
-            <a:schemeClr val="accent1">
-              <a:shade val="50000"/>
-            </a:schemeClr>
-          </a:lnRef>
-          <a:fillRef idx="1">
-            <a:schemeClr val="accent1"/>
-          </a:fillRef>
-          <a:effectRef idx="0">
-            <a:schemeClr val="accent1"/>
-          </a:effectRef>
-          <a:fontRef idx="minor">
-            <a:schemeClr val="lt1"/>
-          </a:fontRef>
-        </p:style>
-        <p:txBody>
-          <a:bodyPr rtlCol="0" anchor="ctr"/>
-          <a:p>
-            <a:pPr algn="ctr" fontAlgn="auto">
-              <a:spcAft>
-                <a:spcPts val="300"/>
-              </a:spcAft>
-            </a:pPr>
-            <a:r>
-              <a:rPr lang="en-US" sz="1400">
-                <a:solidFill>
-                  <a:schemeClr val="tx1"/>
-                </a:solidFill>
-                <a:latin typeface="Ubuntu Mono" panose="020B0509030602030204" charset="0"/>
-                <a:cs typeface="Ubuntu Mono" panose="020B0509030602030204" charset="0"/>
-              </a:rPr>
-              <a:t>empty</a:t>
-            </a:r>
-            <a:endParaRPr lang="en-US" sz="1400">
-              <a:solidFill>
-                <a:schemeClr val="tx1"/>
-              </a:solidFill>
-              <a:latin typeface="Ubuntu Mono" panose="020B0509030602030204" charset="0"/>
-              <a:cs typeface="Ubuntu Mono" panose="020B0509030602030204" charset="0"/>
-            </a:endParaRPr>
-          </a:p>
-        </p:txBody>
-      </p:sp>
-      <p:sp>
-        <p:nvSpPr>
-          <p:cNvPr id="19" name="Rounded Rectangular Callout 18"/>
-          <p:cNvSpPr/>
-          <p:nvPr/>
-        </p:nvSpPr>
-        <p:spPr>
-          <a:xfrm>
-            <a:off x="7110095" y="4926330"/>
-            <a:ext cx="1527810" cy="618490"/>
-          </a:xfrm>
-          <a:prstGeom prst="wedgeRoundRectCallout">
-            <a:avLst>
-              <a:gd name="adj1" fmla="val -20781"/>
-              <a:gd name="adj2" fmla="val 70328"/>
-              <a:gd name="adj3" fmla="val 16667"/>
-            </a:avLst>
-          </a:prstGeom>
-          <a:solidFill>
-            <a:schemeClr val="bg1">
-              <a:lumMod val="95000"/>
-            </a:schemeClr>
-          </a:solidFill>
-          <a:ln>
-            <a:solidFill>
-              <a:srgbClr val="0000FF"/>
-            </a:solidFill>
-          </a:ln>
-        </p:spPr>
-        <p:style>
-          <a:lnRef idx="2">
-            <a:schemeClr val="accent1">
-              <a:shade val="50000"/>
-            </a:schemeClr>
-          </a:lnRef>
-          <a:fillRef idx="1">
-            <a:schemeClr val="accent1"/>
-          </a:fillRef>
-          <a:effectRef idx="0">
-            <a:schemeClr val="accent1"/>
-          </a:effectRef>
-          <a:fontRef idx="minor">
-            <a:schemeClr val="lt1"/>
-          </a:fontRef>
-        </p:style>
-        <p:txBody>
-          <a:bodyPr rtlCol="0" anchor="ctr"/>
-          <a:p>
-            <a:pPr algn="ctr">
-              <a:lnSpc>
-                <a:spcPct val="100000"/>
-              </a:lnSpc>
-              <a:spcBef>
-                <a:spcPts val="0"/>
-              </a:spcBef>
-              <a:spcAft>
-                <a:spcPts val="300"/>
-              </a:spcAft>
-            </a:pPr>
-            <a:r>
-              <a:rPr lang="en-US" sz="1400" dirty="0">
-                <a:solidFill>
-                  <a:schemeClr val="tx1"/>
-                </a:solidFill>
-                <a:latin typeface="Ubuntu Mono" panose="020B0509030602030204" charset="0"/>
-                <a:cs typeface="Ubuntu Mono" panose="020B0509030602030204" charset="0"/>
-              </a:rPr>
-              <a:t>empty</a:t>
-            </a:r>
-            <a:endParaRPr lang="en-US" sz="1400" dirty="0">
-              <a:solidFill>
-                <a:schemeClr val="tx1"/>
-              </a:solidFill>
-              <a:latin typeface="Ubuntu Mono" panose="020B0509030602030204" charset="0"/>
-              <a:cs typeface="Ubuntu Mono" panose="020B0509030602030204" charset="0"/>
-            </a:endParaRPr>
-          </a:p>
-        </p:txBody>
-      </p:sp>
-      <p:sp>
-        <p:nvSpPr>
-          <p:cNvPr id="21" name="Rounded Rectangular Callout 20"/>
-          <p:cNvSpPr/>
-          <p:nvPr/>
-        </p:nvSpPr>
-        <p:spPr>
-          <a:xfrm>
-            <a:off x="1626235" y="4769485"/>
-            <a:ext cx="2246630" cy="772795"/>
-          </a:xfrm>
-          <a:prstGeom prst="wedgeRoundRectCallout">
-            <a:avLst>
-              <a:gd name="adj1" fmla="val 20830"/>
-              <a:gd name="adj2" fmla="val 67009"/>
-              <a:gd name="adj3" fmla="val 16667"/>
-            </a:avLst>
-          </a:prstGeom>
-          <a:solidFill>
-            <a:schemeClr val="bg1">
-              <a:lumMod val="95000"/>
-            </a:schemeClr>
-          </a:solidFill>
-          <a:ln>
-            <a:solidFill>
-              <a:srgbClr val="FF00FF"/>
-            </a:solidFill>
-          </a:ln>
-        </p:spPr>
-        <p:style>
-          <a:lnRef idx="2">
-            <a:schemeClr val="accent1">
-              <a:shade val="50000"/>
-            </a:schemeClr>
-          </a:lnRef>
-          <a:fillRef idx="1">
-            <a:schemeClr val="accent1"/>
-          </a:fillRef>
-          <a:effectRef idx="0">
-            <a:schemeClr val="accent1"/>
-          </a:effectRef>
-          <a:fontRef idx="minor">
-            <a:schemeClr val="lt1"/>
-          </a:fontRef>
-        </p:style>
-        <p:txBody>
-          <a:bodyPr rtlCol="0" anchor="ctr"/>
-          <a:p>
-            <a:pPr algn="ctr">
-              <a:lnSpc>
-                <a:spcPct val="100000"/>
-              </a:lnSpc>
-              <a:spcBef>
-                <a:spcPts val="0"/>
-              </a:spcBef>
-              <a:spcAft>
-                <a:spcPts val="300"/>
-              </a:spcAft>
-            </a:pPr>
-            <a:r>
-              <a:rPr lang="en-US" sz="1400">
-                <a:solidFill>
-                  <a:schemeClr val="tx1"/>
-                </a:solidFill>
-                <a:latin typeface="Ubuntu Mono" panose="020B0509030602030204" charset="0"/>
-                <a:cs typeface="Ubuntu Mono" panose="020B0509030602030204" charset="0"/>
-              </a:rPr>
-              <a:t>empty</a:t>
-            </a:r>
-            <a:endParaRPr lang="en-US" sz="1400">
-              <a:solidFill>
-                <a:schemeClr val="tx1"/>
-              </a:solidFill>
-              <a:latin typeface="Ubuntu Mono" panose="020B0509030602030204" charset="0"/>
-              <a:cs typeface="Ubuntu Mono" panose="020B0509030602030204" charset="0"/>
-            </a:endParaRPr>
-          </a:p>
-        </p:txBody>
-      </p:sp>
-      <p:cxnSp>
-        <p:nvCxnSpPr>
-          <p:cNvPr id="11" name="Straight Connector 10"/>
-          <p:cNvCxnSpPr/>
-          <p:nvPr/>
-        </p:nvCxnSpPr>
-        <p:spPr>
-          <a:xfrm flipV="1">
-            <a:off x="2922905" y="3802380"/>
-            <a:ext cx="6289675" cy="1270"/>
-          </a:xfrm>
-          <a:prstGeom prst="line">
-            <a:avLst/>
-          </a:prstGeom>
-          <a:ln w="15875" cmpd="sng">
-            <a:solidFill>
-              <a:schemeClr val="tx1"/>
-            </a:solidFill>
-            <a:prstDash val="solid"/>
-          </a:ln>
-        </p:spPr>
-        <p:style>
-          <a:lnRef idx="1">
-            <a:schemeClr val="accent1"/>
-          </a:lnRef>
-          <a:fillRef idx="0">
-            <a:schemeClr val="accent1"/>
-          </a:fillRef>
-          <a:effectRef idx="0">
-            <a:schemeClr val="accent1"/>
-          </a:effectRef>
-          <a:fontRef idx="minor">
-            <a:schemeClr val="tx1"/>
-          </a:fontRef>
-        </p:style>
-      </p:cxnSp>
-    </p:spTree>
-  </p:cSld>
-  <p:clrMapOvr>
-    <a:masterClrMapping/>
-  </p:clrMapOvr>
-</p:sld>
-</file>
-
-<file path=ppt/slides/slide7.xml><?xml version="1.0" encoding="utf-8"?>
-<p:sld xmlns:a="http://schemas.openxmlformats.org/drawingml/2006/main" xmlns:r="http://schemas.openxmlformats.org/officeDocument/2006/relationships" xmlns:p="http://schemas.openxmlformats.org/presentationml/2006/main">
-  <p:cSld>
-    <p:spTree>
-      <p:nvGrpSpPr>
-        <p:cNvPr id="1" name=""/>
-        <p:cNvGrpSpPr/>
-        <p:nvPr/>
-      </p:nvGrpSpPr>
-      <p:grpSpPr>
-        <a:xfrm>
-          <a:off x="0" y="0"/>
-          <a:ext cx="0" cy="0"/>
-          <a:chOff x="0" y="0"/>
-          <a:chExt cx="0" cy="0"/>
-        </a:xfrm>
-      </p:grpSpPr>
-      <p:sp>
-        <p:nvSpPr>
-          <p:cNvPr id="2" name="Title 1"/>
-          <p:cNvSpPr>
-            <a:spLocks noGrp="1"/>
-          </p:cNvSpPr>
-          <p:nvPr>
-            <p:ph type="title"/>
-          </p:nvPr>
-        </p:nvSpPr>
-        <p:spPr>
-          <a:xfrm>
-            <a:off x="379095" y="191770"/>
-            <a:ext cx="11434445" cy="731520"/>
-          </a:xfrm>
-        </p:spPr>
-        <p:txBody>
-          <a:bodyPr/>
-          <a:lstStyle/>
-          <a:p>
-            <a:r>
-              <a:rPr lang="en-US" altLang="zh-CN">
-                <a:solidFill>
-                  <a:schemeClr val="tx1"/>
-                </a:solidFill>
-                <a:effectLst>
-                  <a:outerShdw blurRad="38100" dist="19050" dir="2700000" algn="tl" rotWithShape="0">
-                    <a:schemeClr val="dk1">
-                      <a:alpha val="40000"/>
-                    </a:schemeClr>
-                  </a:outerShdw>
-                </a:effectLst>
-                <a:latin typeface="Noto Mono" panose="020B0609030804020204" charset="0"/>
-                <a:cs typeface="Noto Mono" panose="020B0609030804020204" charset="0"/>
-                <a:sym typeface="+mn-ea"/>
-              </a:rPr>
-              <a:t>Tips for User Study</a:t>
-            </a:r>
-            <a:endParaRPr lang="en-US" altLang="zh-CN">
-              <a:solidFill>
-                <a:schemeClr val="tx1"/>
-              </a:solidFill>
-              <a:effectLst>
-                <a:outerShdw blurRad="38100" dist="19050" dir="2700000" algn="tl" rotWithShape="0">
-                  <a:schemeClr val="dk1">
-                    <a:alpha val="40000"/>
-                  </a:schemeClr>
-                </a:outerShdw>
-              </a:effectLst>
-              <a:latin typeface="Noto Mono" panose="020B0609030804020204" charset="0"/>
-              <a:cs typeface="Noto Mono" panose="020B0609030804020204" charset="0"/>
-              <a:sym typeface="+mn-ea"/>
-            </a:endParaRPr>
-          </a:p>
-        </p:txBody>
-      </p:sp>
-      <p:sp>
-        <p:nvSpPr>
-          <p:cNvPr id="5" name="Text Box 4"/>
-          <p:cNvSpPr txBox="1"/>
-          <p:nvPr/>
-        </p:nvSpPr>
-        <p:spPr>
-          <a:xfrm>
-            <a:off x="379095" y="1180465"/>
-            <a:ext cx="11735435" cy="1681480"/>
-          </a:xfrm>
-          <a:prstGeom prst="rect">
-            <a:avLst/>
-          </a:prstGeom>
-          <a:noFill/>
-        </p:spPr>
-        <p:txBody>
-          <a:bodyPr wrap="square" rtlCol="0">
-            <a:spAutoFit/>
-          </a:bodyPr>
-          <a:lstStyle/>
-          <a:p>
-            <a:pPr algn="l">
-              <a:lnSpc>
-                <a:spcPct val="100000"/>
-              </a:lnSpc>
-              <a:spcBef>
-                <a:spcPts val="0"/>
-              </a:spcBef>
-              <a:spcAft>
-                <a:spcPts val="600"/>
-              </a:spcAft>
-            </a:pPr>
-            <a:r>
-              <a:rPr lang="en-US" sz="2000">
-                <a:latin typeface="Times New Roman" panose="02020603050405020304" charset="0"/>
-                <a:cs typeface="Times New Roman" panose="02020603050405020304" charset="0"/>
-                <a:sym typeface="+mn-ea"/>
-              </a:rPr>
-              <a:t>1. In this user study, we consider two granularities: </a:t>
-            </a:r>
-            <a:r>
-              <a:rPr lang="en-US" sz="2000" b="1">
-                <a:latin typeface="Times New Roman" panose="02020603050405020304" charset="0"/>
-                <a:cs typeface="Times New Roman" panose="02020603050405020304" charset="0"/>
-                <a:sym typeface="+mn-ea"/>
-              </a:rPr>
-              <a:t>field-level</a:t>
-            </a:r>
-            <a:r>
-              <a:rPr lang="en-US" sz="2000">
-                <a:latin typeface="Times New Roman" panose="02020603050405020304" charset="0"/>
-                <a:cs typeface="Times New Roman" panose="02020603050405020304" charset="0"/>
-                <a:sym typeface="+mn-ea"/>
-              </a:rPr>
-              <a:t> and </a:t>
-            </a:r>
-            <a:r>
-              <a:rPr lang="en-US" sz="2000" b="1">
-                <a:latin typeface="Times New Roman" panose="02020603050405020304" charset="0"/>
-                <a:cs typeface="Times New Roman" panose="02020603050405020304" charset="0"/>
-                <a:sym typeface="+mn-ea"/>
-              </a:rPr>
-              <a:t>line-level</a:t>
-            </a:r>
-            <a:r>
-              <a:rPr lang="en-US" sz="2000">
-                <a:latin typeface="Times New Roman" panose="02020603050405020304" charset="0"/>
-                <a:cs typeface="Times New Roman" panose="02020603050405020304" charset="0"/>
-                <a:sym typeface="+mn-ea"/>
-              </a:rPr>
-              <a:t> subspecs.</a:t>
-            </a:r>
-            <a:endParaRPr lang="en-US" sz="2000" i="1" dirty="0">
-              <a:latin typeface="Times New Roman" panose="02020603050405020304" charset="0"/>
-              <a:cs typeface="Times New Roman" panose="02020603050405020304" charset="0"/>
-            </a:endParaRPr>
-          </a:p>
-          <a:p>
-            <a:pPr algn="l">
-              <a:lnSpc>
-                <a:spcPct val="100000"/>
-              </a:lnSpc>
-              <a:spcBef>
-                <a:spcPts val="2000"/>
-              </a:spcBef>
-              <a:spcAft>
-                <a:spcPts val="600"/>
-              </a:spcAft>
-            </a:pPr>
-            <a:r>
-              <a:rPr lang="en-US" sz="2000" dirty="0">
-                <a:latin typeface="Times New Roman" panose="02020603050405020304" charset="0"/>
-                <a:cs typeface="Times New Roman" panose="02020603050405020304" charset="0"/>
-                <a:sym typeface="+mn-ea"/>
-              </a:rPr>
-              <a:t>2. I</a:t>
-            </a:r>
-            <a:r>
-              <a:rPr lang="en-US" sz="2000">
-                <a:latin typeface="Times New Roman" panose="02020603050405020304" charset="0"/>
-                <a:cs typeface="Times New Roman" panose="02020603050405020304" charset="0"/>
-                <a:sym typeface="+mn-ea"/>
-              </a:rPr>
-              <a:t>n this user study, the eBGP route selection process </a:t>
-            </a:r>
-            <a:r>
-              <a:rPr lang="en-US" sz="2000">
-                <a:solidFill>
-                  <a:schemeClr val="tx1"/>
-                </a:solidFill>
-                <a:latin typeface="Times New Roman" panose="02020603050405020304" charset="0"/>
-                <a:cs typeface="Times New Roman" panose="02020603050405020304" charset="0"/>
-                <a:sym typeface="+mn-ea"/>
-              </a:rPr>
-              <a:t>only</a:t>
-            </a:r>
-            <a:r>
-              <a:rPr lang="en-US" sz="2000">
-                <a:latin typeface="Times New Roman" panose="02020603050405020304" charset="0"/>
-                <a:cs typeface="Times New Roman" panose="02020603050405020304" charset="0"/>
-                <a:sym typeface="+mn-ea"/>
-              </a:rPr>
-              <a:t> involves </a:t>
-            </a:r>
-            <a:r>
-              <a:rPr lang="en-US" sz="2000" b="1">
-                <a:latin typeface="Times New Roman" panose="02020603050405020304" charset="0"/>
-                <a:cs typeface="Times New Roman" panose="02020603050405020304" charset="0"/>
-                <a:sym typeface="+mn-ea"/>
-              </a:rPr>
-              <a:t>AS-path length</a:t>
-            </a:r>
-            <a:r>
-              <a:rPr lang="en-US" sz="2000">
-                <a:latin typeface="Times New Roman" panose="02020603050405020304" charset="0"/>
-                <a:cs typeface="Times New Roman" panose="02020603050405020304" charset="0"/>
-                <a:sym typeface="+mn-ea"/>
-              </a:rPr>
-              <a:t>.</a:t>
-            </a:r>
-            <a:endParaRPr lang="en-US" sz="2000" dirty="0">
-              <a:latin typeface="Times New Roman" panose="02020603050405020304" charset="0"/>
-              <a:cs typeface="Times New Roman" panose="02020603050405020304" charset="0"/>
-            </a:endParaRPr>
-          </a:p>
-          <a:p>
-            <a:pPr algn="l">
-              <a:lnSpc>
-                <a:spcPct val="100000"/>
-              </a:lnSpc>
-              <a:spcBef>
-                <a:spcPts val="2000"/>
-              </a:spcBef>
-              <a:spcAft>
-                <a:spcPts val="600"/>
-              </a:spcAft>
-            </a:pPr>
-            <a:r>
-              <a:rPr lang="en-US" sz="2000" dirty="0">
-                <a:latin typeface="Times New Roman" panose="02020603050405020304" charset="0"/>
-                <a:cs typeface="Times New Roman" panose="02020603050405020304" charset="0"/>
-                <a:sym typeface="+mn-ea"/>
-              </a:rPr>
-              <a:t>3. In this user study, the route-map naming rule is </a:t>
-            </a:r>
-            <a:r>
-              <a:rPr lang="en-US" sz="2000" b="1">
-                <a:latin typeface="Times New Roman" panose="02020603050405020304" charset="0"/>
-                <a:cs typeface="Times New Roman" panose="02020603050405020304" charset="0"/>
-                <a:sym typeface="+mn-ea"/>
-              </a:rPr>
-              <a:t>Router_</a:t>
-            </a:r>
-            <a:r>
-              <a:rPr lang="en-US" sz="2000" b="1">
-                <a:solidFill>
-                  <a:schemeClr val="tx1"/>
-                </a:solidFill>
-                <a:latin typeface="Times New Roman" panose="02020603050405020304" charset="0"/>
-                <a:cs typeface="Times New Roman" panose="02020603050405020304" charset="0"/>
-                <a:sym typeface="+mn-ea"/>
-              </a:rPr>
-              <a:t>Direction</a:t>
-            </a:r>
-            <a:r>
-              <a:rPr lang="en-US" sz="2000" b="1">
-                <a:latin typeface="Times New Roman" panose="02020603050405020304" charset="0"/>
-                <a:cs typeface="Times New Roman" panose="02020603050405020304" charset="0"/>
-                <a:sym typeface="+mn-ea"/>
-              </a:rPr>
-              <a:t>(</a:t>
-            </a:r>
-            <a:r>
-              <a:rPr lang="en-US" sz="2000" b="1">
-                <a:solidFill>
-                  <a:srgbClr val="2259D6"/>
-                </a:solidFill>
-                <a:latin typeface="Times New Roman" panose="02020603050405020304" charset="0"/>
-                <a:cs typeface="Times New Roman" panose="02020603050405020304" charset="0"/>
-                <a:sym typeface="+mn-ea"/>
-              </a:rPr>
-              <a:t>IN_FROM</a:t>
-            </a:r>
-            <a:r>
-              <a:rPr lang="en-US" sz="2000" b="1">
-                <a:latin typeface="Times New Roman" panose="02020603050405020304" charset="0"/>
-                <a:cs typeface="Times New Roman" panose="02020603050405020304" charset="0"/>
-                <a:sym typeface="+mn-ea"/>
-              </a:rPr>
-              <a:t>/</a:t>
-            </a:r>
-            <a:r>
-              <a:rPr lang="en-US" sz="2000" b="1">
-                <a:solidFill>
-                  <a:srgbClr val="8E24AA"/>
-                </a:solidFill>
-                <a:latin typeface="Times New Roman" panose="02020603050405020304" charset="0"/>
-                <a:cs typeface="Times New Roman" panose="02020603050405020304" charset="0"/>
-                <a:sym typeface="+mn-ea"/>
-              </a:rPr>
-              <a:t>OUT_TO</a:t>
-            </a:r>
-            <a:r>
-              <a:rPr lang="en-US" sz="2000" b="1">
-                <a:latin typeface="Times New Roman" panose="02020603050405020304" charset="0"/>
-                <a:cs typeface="Times New Roman" panose="02020603050405020304" charset="0"/>
-                <a:sym typeface="+mn-ea"/>
-              </a:rPr>
-              <a:t>)_Peer</a:t>
-            </a:r>
-            <a:r>
-              <a:rPr lang="en-US" sz="2000">
-                <a:latin typeface="Times New Roman" panose="02020603050405020304" charset="0"/>
-                <a:cs typeface="Times New Roman" panose="02020603050405020304" charset="0"/>
-                <a:sym typeface="+mn-ea"/>
-              </a:rPr>
-              <a:t>.</a:t>
-            </a:r>
-            <a:endParaRPr lang="en-US" sz="2000" b="1" i="1" dirty="0">
-              <a:solidFill>
-                <a:srgbClr val="E01B24"/>
-              </a:solidFill>
-              <a:latin typeface="Times New Roman" panose="02020603050405020304" charset="0"/>
-              <a:cs typeface="Times New Roman" panose="02020603050405020304" charset="0"/>
-              <a:sym typeface="+mn-ea"/>
-            </a:endParaRPr>
-          </a:p>
-        </p:txBody>
-      </p:sp>
-    </p:spTree>
-  </p:cSld>
-  <p:clrMapOvr>
-    <a:masterClrMapping/>
-  </p:clrMapOvr>
-</p:sld>
-</file>
-
-<file path=ppt/slides/slide8.xml><?xml version="1.0" encoding="utf-8"?>
-<p:sld xmlns:a="http://schemas.openxmlformats.org/drawingml/2006/main" xmlns:r="http://schemas.openxmlformats.org/officeDocument/2006/relationships" xmlns:p="http://schemas.openxmlformats.org/presentationml/2006/main">
-  <p:cSld>
-    <p:spTree>
-      <p:nvGrpSpPr>
-        <p:cNvPr id="1" name=""/>
-        <p:cNvGrpSpPr/>
-        <p:nvPr/>
-      </p:nvGrpSpPr>
-      <p:grpSpPr>
-        <a:xfrm>
-          <a:off x="0" y="0"/>
-          <a:ext cx="0" cy="0"/>
-          <a:chOff x="0" y="0"/>
-          <a:chExt cx="0" cy="0"/>
-        </a:xfrm>
-      </p:grpSpPr>
-      <p:sp>
-        <p:nvSpPr>
-          <p:cNvPr id="2" name="标题 1"/>
-          <p:cNvSpPr>
-            <a:spLocks noGrp="1"/>
-          </p:cNvSpPr>
-          <p:nvPr>
-            <p:ph type="ctrTitle"/>
-          </p:nvPr>
-        </p:nvSpPr>
-        <p:spPr>
-          <a:xfrm>
-            <a:off x="0" y="1546225"/>
-            <a:ext cx="12191365" cy="2186940"/>
-          </a:xfrm>
-        </p:spPr>
-        <p:txBody>
-          <a:bodyPr anchor="ctr" anchorCtr="0">
-            <a:normAutofit/>
-          </a:bodyPr>
-          <a:lstStyle/>
-          <a:p>
-            <a:r>
-              <a:rPr lang="en-US" altLang="zh-CN" sz="2800" b="1">
-                <a:latin typeface="Noto Mono" panose="020B0609030804020204" charset="0"/>
-                <a:cs typeface="Noto Mono" panose="020B0609030804020204" charset="0"/>
-              </a:rPr>
-              <a:t>Explainable Network Verification via Subspecifications</a:t>
-            </a:r>
-            <a:br>
-              <a:rPr lang="en-US" altLang="zh-CN" sz="2800" b="1">
-                <a:latin typeface="Noto Mono" panose="020B0609030804020204" charset="0"/>
-                <a:cs typeface="Noto Mono" panose="020B0609030804020204" charset="0"/>
-              </a:rPr>
-            </a:br>
-            <a:r>
-              <a:rPr lang="en-US" altLang="zh-CN" sz="2800" b="1">
-                <a:latin typeface="Noto Mono" panose="020B0609030804020204" charset="0"/>
-                <a:cs typeface="Noto Mono" panose="020B0609030804020204" charset="0"/>
-              </a:rPr>
-              <a:t>User Study - Introduction of Background Knowledge</a:t>
-            </a:r>
-            <a:endParaRPr lang="en-US" altLang="zh-CN" sz="2800" b="1">
-              <a:latin typeface="Noto Mono" panose="020B0609030804020204" charset="0"/>
-              <a:cs typeface="Noto Mono" panose="020B0609030804020204" charset="0"/>
-            </a:endParaRPr>
-          </a:p>
-        </p:txBody>
-      </p:sp>
-      <p:sp>
-        <p:nvSpPr>
-          <p:cNvPr id="4" name="Text Box 3"/>
-          <p:cNvSpPr txBox="1"/>
-          <p:nvPr/>
-        </p:nvSpPr>
-        <p:spPr>
-          <a:xfrm>
-            <a:off x="1630363" y="4523106"/>
-            <a:ext cx="8930640" cy="570865"/>
-          </a:xfrm>
-          <a:prstGeom prst="rect">
-            <a:avLst/>
-          </a:prstGeom>
-          <a:noFill/>
-        </p:spPr>
-        <p:txBody>
-          <a:bodyPr wrap="none" rtlCol="0" anchor="ctr" anchorCtr="0">
-            <a:spAutoFit/>
-          </a:bodyPr>
-          <a:lstStyle/>
-          <a:p>
-            <a:pPr algn="ctr">
-              <a:lnSpc>
-                <a:spcPct val="130000"/>
-              </a:lnSpc>
-              <a:buClrTx/>
-              <a:buSzTx/>
-              <a:buFontTx/>
-            </a:pPr>
-            <a:r>
-              <a:rPr lang="en-US" altLang="zh-CN" sz="2400" b="1">
-                <a:effectLst>
-                  <a:outerShdw blurRad="38100" dist="38100" dir="2700000" algn="tl">
-                    <a:srgbClr val="000000">
-                      <a:alpha val="43137"/>
-                    </a:srgbClr>
-                  </a:outerShdw>
-                </a:effectLst>
-                <a:latin typeface="Noto Mono" panose="020B0609030804020204" charset="0"/>
-                <a:ea typeface="+mj-ea"/>
-                <a:cs typeface="Noto Mono" panose="020B0609030804020204" charset="0"/>
-              </a:rPr>
-              <a:t>Thank you for participating in this user study</a:t>
-            </a:r>
-            <a:r>
-              <a:rPr lang="zh-CN" altLang="en-US" sz="2400" b="1">
-                <a:effectLst>
-                  <a:outerShdw blurRad="38100" dist="38100" dir="2700000" algn="tl">
-                    <a:srgbClr val="000000">
-                      <a:alpha val="43137"/>
-                    </a:srgbClr>
-                  </a:outerShdw>
-                </a:effectLst>
-                <a:latin typeface="Noto Mono" panose="020B0609030804020204" charset="0"/>
-                <a:ea typeface="+mj-ea"/>
-                <a:cs typeface="Noto Mono" panose="020B0609030804020204" charset="0"/>
-              </a:rPr>
-              <a:t>！</a:t>
-            </a:r>
-            <a:endParaRPr lang="zh-CN" altLang="en-US" sz="2400" b="1">
-              <a:effectLst>
-                <a:outerShdw blurRad="38100" dist="38100" dir="2700000" algn="tl">
-                  <a:srgbClr val="000000">
-                    <a:alpha val="43137"/>
-                  </a:srgbClr>
-                </a:outerShdw>
-              </a:effectLst>
-              <a:latin typeface="Noto Mono" panose="020B0609030804020204" charset="0"/>
-              <a:ea typeface="+mj-ea"/>
-              <a:cs typeface="Noto Mono" panose="020B0609030804020204" charset="0"/>
-            </a:endParaRPr>
-          </a:p>
-        </p:txBody>
-      </p:sp>
-    </p:spTree>
-  </p:cSld>
-  <p:clrMapOvr>
-    <a:masterClrMapping/>
-  </p:clrMapOvr>
+  <p:transition/>
 </p:sld>
 </file>
 
